--- a/materials/day2/files/osgus18-day2-part5-ways-to-connect.pptx
+++ b/materials/day2/files/osgus18-day2-part5-ways-to-connect.pptx
@@ -14,16 +14,16 @@
     <p:sldId id="256" r:id="rId2"/>
     <p:sldId id="344" r:id="rId3"/>
     <p:sldId id="352" r:id="rId4"/>
-    <p:sldId id="360" r:id="rId5"/>
-    <p:sldId id="380" r:id="rId6"/>
+    <p:sldId id="380" r:id="rId5"/>
+    <p:sldId id="360" r:id="rId6"/>
     <p:sldId id="375" r:id="rId7"/>
-    <p:sldId id="362" r:id="rId8"/>
+    <p:sldId id="381" r:id="rId8"/>
     <p:sldId id="327" r:id="rId9"/>
     <p:sldId id="329" r:id="rId10"/>
-    <p:sldId id="322" r:id="rId11"/>
-    <p:sldId id="261" r:id="rId12"/>
-    <p:sldId id="306" r:id="rId13"/>
-    <p:sldId id="311" r:id="rId14"/>
+    <p:sldId id="261" r:id="rId11"/>
+    <p:sldId id="306" r:id="rId12"/>
+    <p:sldId id="311" r:id="rId13"/>
+    <p:sldId id="322" r:id="rId14"/>
     <p:sldId id="312" r:id="rId15"/>
     <p:sldId id="332" r:id="rId16"/>
     <p:sldId id="376" r:id="rId17"/>
@@ -591,7 +591,7 @@
         <p:nvSpPr>
           <p:cNvPr id="13316" name="Rectangle 4"/>
           <p:cNvSpPr>
-            <a:spLocks noChangeArrowheads="1" noTextEdit="1"/>
+            <a:spLocks noGrp="1" noRot="1" noChangeAspect="1" noChangeArrowheads="1" noTextEdit="1"/>
           </p:cNvSpPr>
           <p:nvPr>
             <p:ph type="sldImg" idx="2"/>
@@ -3586,21 +3586,8 @@
                   <a:srgbClr val="FF8000"/>
                 </a:solidFill>
               </a:rPr>
-              <a:t>OSG User School </a:t>
+              <a:t>OSG User School 2018</a:t>
             </a:r>
-            <a:r>
-              <a:rPr lang="en-US" altLang="x-none" sz="1200" dirty="0" smtClean="0">
-                <a:solidFill>
-                  <a:srgbClr val="FF8000"/>
-                </a:solidFill>
-              </a:rPr>
-              <a:t>2018</a:t>
-            </a:r>
-            <a:endParaRPr lang="en-US" altLang="x-none" sz="1200" dirty="0" smtClean="0">
-              <a:solidFill>
-                <a:srgbClr val="FF8000"/>
-              </a:solidFill>
-            </a:endParaRPr>
           </a:p>
         </p:txBody>
       </p:sp>
@@ -4220,6 +4207,2361 @@
       </p:grpSpPr>
       <p:sp>
         <p:nvSpPr>
+          <p:cNvPr id="32769" name="Title 1"/>
+          <p:cNvSpPr>
+            <a:spLocks noGrp="1"/>
+          </p:cNvSpPr>
+          <p:nvPr>
+            <p:ph type="title"/>
+          </p:nvPr>
+        </p:nvSpPr>
+        <p:spPr/>
+        <p:txBody>
+          <a:bodyPr/>
+          <a:lstStyle/>
+          <a:p>
+            <a:r>
+              <a:rPr lang="en-US" altLang="x-none">
+                <a:latin typeface="Futura" charset="0"/>
+                <a:cs typeface="Helvetica" charset="0"/>
+              </a:rPr>
+              <a:t>… to the real world</a:t>
+            </a:r>
+          </a:p>
+        </p:txBody>
+      </p:sp>
+      <p:sp>
+        <p:nvSpPr>
+          <p:cNvPr id="32770" name="Slide Number Placeholder 3"/>
+          <p:cNvSpPr>
+            <a:spLocks noGrp="1"/>
+          </p:cNvSpPr>
+          <p:nvPr>
+            <p:ph type="sldNum" sz="quarter" idx="10"/>
+          </p:nvPr>
+        </p:nvSpPr>
+        <p:spPr>
+          <a:noFill/>
+          <a:ln/>
+          <a:extLst>
+            <a:ext uri="{909E8E84-426E-40DD-AFC4-6F175D3DCCD1}">
+              <a14:hiddenFill xmlns:a14="http://schemas.microsoft.com/office/drawing/2010/main">
+                <a:solidFill>
+                  <a:srgbClr val="FFFFFF"/>
+                </a:solidFill>
+              </a14:hiddenFill>
+            </a:ext>
+            <a:ext uri="{91240B29-F687-4F45-9708-019B960494DF}">
+              <a14:hiddenLine xmlns:a14="http://schemas.microsoft.com/office/drawing/2010/main" w="9525">
+                <a:solidFill>
+                  <a:srgbClr val="000000"/>
+                </a:solidFill>
+                <a:miter lim="800000"/>
+                <a:headEnd/>
+                <a:tailEnd/>
+              </a14:hiddenLine>
+            </a:ext>
+          </a:extLst>
+        </p:spPr>
+        <p:txBody>
+          <a:bodyPr/>
+          <a:lstStyle>
+            <a:lvl1pPr>
+              <a:spcBef>
+                <a:spcPct val="20000"/>
+              </a:spcBef>
+              <a:buClr>
+                <a:srgbClr val="000080"/>
+              </a:buClr>
+              <a:buFont typeface="Times" charset="0"/>
+              <a:buChar char="•"/>
+              <a:defRPr kumimoji="1" sz="3200">
+                <a:solidFill>
+                  <a:schemeClr val="tx2"/>
+                </a:solidFill>
+                <a:latin typeface="Arial" charset="0"/>
+                <a:ea typeface="ＭＳ Ｐゴシック" charset="-128"/>
+              </a:defRPr>
+            </a:lvl1pPr>
+            <a:lvl2pPr marL="742950" indent="-285750">
+              <a:spcBef>
+                <a:spcPct val="20000"/>
+              </a:spcBef>
+              <a:buClr>
+                <a:srgbClr val="3C0000"/>
+              </a:buClr>
+              <a:buFont typeface="Symbol" charset="2"/>
+              <a:buChar char=""/>
+              <a:defRPr kumimoji="1" sz="2800">
+                <a:solidFill>
+                  <a:schemeClr val="tx2"/>
+                </a:solidFill>
+                <a:latin typeface="Arial" charset="0"/>
+                <a:ea typeface="ＭＳ Ｐゴシック" charset="-128"/>
+              </a:defRPr>
+            </a:lvl2pPr>
+            <a:lvl3pPr marL="1143000" indent="-228600">
+              <a:spcBef>
+                <a:spcPct val="20000"/>
+              </a:spcBef>
+              <a:buClr>
+                <a:srgbClr val="3C0000"/>
+              </a:buClr>
+              <a:buFont typeface="Wingdings" charset="2"/>
+              <a:buChar char="§"/>
+              <a:defRPr kumimoji="1" sz="2400">
+                <a:solidFill>
+                  <a:schemeClr val="tx2"/>
+                </a:solidFill>
+                <a:latin typeface="Arial" charset="0"/>
+                <a:ea typeface="ＭＳ Ｐゴシック" charset="-128"/>
+              </a:defRPr>
+            </a:lvl3pPr>
+            <a:lvl4pPr marL="1600200" indent="-228600">
+              <a:spcBef>
+                <a:spcPct val="20000"/>
+              </a:spcBef>
+              <a:buClr>
+                <a:srgbClr val="3C0000"/>
+              </a:buClr>
+              <a:buFont typeface="Wingdings" charset="2"/>
+              <a:buChar char=""/>
+              <a:defRPr kumimoji="1" sz="2000">
+                <a:solidFill>
+                  <a:schemeClr val="tx2"/>
+                </a:solidFill>
+                <a:latin typeface="Arial" charset="0"/>
+                <a:ea typeface="ＭＳ Ｐゴシック" charset="-128"/>
+              </a:defRPr>
+            </a:lvl4pPr>
+            <a:lvl5pPr marL="2057400" indent="-228600">
+              <a:spcBef>
+                <a:spcPct val="20000"/>
+              </a:spcBef>
+              <a:buClr>
+                <a:srgbClr val="3C0000"/>
+              </a:buClr>
+              <a:buFont typeface="Wingdings" charset="2"/>
+              <a:buChar char=""/>
+              <a:defRPr kumimoji="1" sz="2000">
+                <a:solidFill>
+                  <a:schemeClr val="tx2"/>
+                </a:solidFill>
+                <a:latin typeface="Arial" charset="0"/>
+                <a:ea typeface="ＭＳ Ｐゴシック" charset="-128"/>
+              </a:defRPr>
+            </a:lvl5pPr>
+            <a:lvl6pPr marL="2514600" indent="-228600" eaLnBrk="0" fontAlgn="base" hangingPunct="0">
+              <a:spcBef>
+                <a:spcPct val="20000"/>
+              </a:spcBef>
+              <a:spcAft>
+                <a:spcPct val="0"/>
+              </a:spcAft>
+              <a:buClr>
+                <a:srgbClr val="3C0000"/>
+              </a:buClr>
+              <a:buFont typeface="Wingdings" charset="2"/>
+              <a:buChar char=""/>
+              <a:defRPr kumimoji="1" sz="2000">
+                <a:solidFill>
+                  <a:schemeClr val="tx2"/>
+                </a:solidFill>
+                <a:latin typeface="Arial" charset="0"/>
+                <a:ea typeface="ＭＳ Ｐゴシック" charset="-128"/>
+              </a:defRPr>
+            </a:lvl6pPr>
+            <a:lvl7pPr marL="2971800" indent="-228600" eaLnBrk="0" fontAlgn="base" hangingPunct="0">
+              <a:spcBef>
+                <a:spcPct val="20000"/>
+              </a:spcBef>
+              <a:spcAft>
+                <a:spcPct val="0"/>
+              </a:spcAft>
+              <a:buClr>
+                <a:srgbClr val="3C0000"/>
+              </a:buClr>
+              <a:buFont typeface="Wingdings" charset="2"/>
+              <a:buChar char=""/>
+              <a:defRPr kumimoji="1" sz="2000">
+                <a:solidFill>
+                  <a:schemeClr val="tx2"/>
+                </a:solidFill>
+                <a:latin typeface="Arial" charset="0"/>
+                <a:ea typeface="ＭＳ Ｐゴシック" charset="-128"/>
+              </a:defRPr>
+            </a:lvl7pPr>
+            <a:lvl8pPr marL="3429000" indent="-228600" eaLnBrk="0" fontAlgn="base" hangingPunct="0">
+              <a:spcBef>
+                <a:spcPct val="20000"/>
+              </a:spcBef>
+              <a:spcAft>
+                <a:spcPct val="0"/>
+              </a:spcAft>
+              <a:buClr>
+                <a:srgbClr val="3C0000"/>
+              </a:buClr>
+              <a:buFont typeface="Wingdings" charset="2"/>
+              <a:buChar char=""/>
+              <a:defRPr kumimoji="1" sz="2000">
+                <a:solidFill>
+                  <a:schemeClr val="tx2"/>
+                </a:solidFill>
+                <a:latin typeface="Arial" charset="0"/>
+                <a:ea typeface="ＭＳ Ｐゴシック" charset="-128"/>
+              </a:defRPr>
+            </a:lvl8pPr>
+            <a:lvl9pPr marL="3886200" indent="-228600" eaLnBrk="0" fontAlgn="base" hangingPunct="0">
+              <a:spcBef>
+                <a:spcPct val="20000"/>
+              </a:spcBef>
+              <a:spcAft>
+                <a:spcPct val="0"/>
+              </a:spcAft>
+              <a:buClr>
+                <a:srgbClr val="3C0000"/>
+              </a:buClr>
+              <a:buFont typeface="Wingdings" charset="2"/>
+              <a:buChar char=""/>
+              <a:defRPr kumimoji="1" sz="2000">
+                <a:solidFill>
+                  <a:schemeClr val="tx2"/>
+                </a:solidFill>
+                <a:latin typeface="Arial" charset="0"/>
+                <a:ea typeface="ＭＳ Ｐゴシック" charset="-128"/>
+              </a:defRPr>
+            </a:lvl9pPr>
+          </a:lstStyle>
+          <a:p>
+            <a:pPr>
+              <a:spcBef>
+                <a:spcPct val="0"/>
+              </a:spcBef>
+              <a:buClrTx/>
+              <a:buFontTx/>
+              <a:buNone/>
+            </a:pPr>
+            <a:fld id="{400D195C-3EBB-914A-B29F-CC788E253E3E}" type="slidenum">
+              <a:rPr kumimoji="0" lang="en-US" altLang="x-none" sz="1400">
+                <a:solidFill>
+                  <a:srgbClr val="FF8000"/>
+                </a:solidFill>
+              </a:rPr>
+              <a:pPr>
+                <a:spcBef>
+                  <a:spcPct val="0"/>
+                </a:spcBef>
+                <a:buClrTx/>
+                <a:buFontTx/>
+                <a:buNone/>
+              </a:pPr>
+              <a:t>10</a:t>
+            </a:fld>
+            <a:endParaRPr kumimoji="0" lang="en-US" altLang="x-none" sz="1400">
+              <a:solidFill>
+                <a:srgbClr val="FF8000"/>
+              </a:solidFill>
+            </a:endParaRPr>
+          </a:p>
+        </p:txBody>
+      </p:sp>
+      <p:pic>
+        <p:nvPicPr>
+          <p:cNvPr id="32771" name="Picture 1" descr="Screen Shot 2014-07-01 at 10.17.39 PM.png"/>
+          <p:cNvPicPr>
+            <a:picLocks noChangeAspect="1"/>
+          </p:cNvPicPr>
+          <p:nvPr/>
+        </p:nvPicPr>
+        <p:blipFill>
+          <a:blip r:embed="rId2">
+            <a:extLst>
+              <a:ext uri="{28A0092B-C50C-407E-A947-70E740481C1C}">
+                <a14:useLocalDpi xmlns:a14="http://schemas.microsoft.com/office/drawing/2010/main" val="0"/>
+              </a:ext>
+            </a:extLst>
+          </a:blip>
+          <a:srcRect/>
+          <a:stretch>
+            <a:fillRect/>
+          </a:stretch>
+        </p:blipFill>
+        <p:spPr bwMode="auto">
+          <a:xfrm>
+            <a:off x="617538" y="212725"/>
+            <a:ext cx="7934325" cy="4889500"/>
+          </a:xfrm>
+          <a:prstGeom prst="rect">
+            <a:avLst/>
+          </a:prstGeom>
+          <a:noFill/>
+          <a:ln>
+            <a:noFill/>
+          </a:ln>
+          <a:extLst>
+            <a:ext uri="{909E8E84-426E-40DD-AFC4-6F175D3DCCD1}">
+              <a14:hiddenFill xmlns:a14="http://schemas.microsoft.com/office/drawing/2010/main">
+                <a:solidFill>
+                  <a:srgbClr val="FFFFFF"/>
+                </a:solidFill>
+              </a14:hiddenFill>
+            </a:ext>
+            <a:ext uri="{91240B29-F687-4F45-9708-019B960494DF}">
+              <a14:hiddenLine xmlns:a14="http://schemas.microsoft.com/office/drawing/2010/main" w="9525">
+                <a:solidFill>
+                  <a:srgbClr val="000000"/>
+                </a:solidFill>
+                <a:miter lim="800000"/>
+                <a:headEnd/>
+                <a:tailEnd/>
+              </a14:hiddenLine>
+            </a:ext>
+          </a:extLst>
+        </p:spPr>
+      </p:pic>
+      <p:sp>
+        <p:nvSpPr>
+          <p:cNvPr id="32772" name="Rectangle 2"/>
+          <p:cNvSpPr>
+            <a:spLocks noChangeArrowheads="1"/>
+          </p:cNvSpPr>
+          <p:nvPr/>
+        </p:nvSpPr>
+        <p:spPr bwMode="auto">
+          <a:xfrm>
+            <a:off x="6473825" y="528638"/>
+            <a:ext cx="833438" cy="412750"/>
+          </a:xfrm>
+          <a:prstGeom prst="rect">
+            <a:avLst/>
+          </a:prstGeom>
+          <a:noFill/>
+          <a:ln w="76200">
+            <a:solidFill>
+              <a:schemeClr val="accent1"/>
+            </a:solidFill>
+            <a:round/>
+            <a:headEnd/>
+            <a:tailEnd/>
+          </a:ln>
+          <a:extLst>
+            <a:ext uri="{909E8E84-426E-40DD-AFC4-6F175D3DCCD1}">
+              <a14:hiddenFill xmlns:a14="http://schemas.microsoft.com/office/drawing/2010/main">
+                <a:solidFill>
+                  <a:srgbClr val="FFFFFF"/>
+                </a:solidFill>
+              </a14:hiddenFill>
+            </a:ext>
+          </a:extLst>
+        </p:spPr>
+        <p:txBody>
+          <a:bodyPr/>
+          <a:lstStyle>
+            <a:lvl1pPr>
+              <a:spcBef>
+                <a:spcPct val="20000"/>
+              </a:spcBef>
+              <a:buClr>
+                <a:srgbClr val="000080"/>
+              </a:buClr>
+              <a:buFont typeface="Times" charset="0"/>
+              <a:buChar char="•"/>
+              <a:defRPr kumimoji="1" sz="3200">
+                <a:solidFill>
+                  <a:schemeClr val="tx2"/>
+                </a:solidFill>
+                <a:latin typeface="Arial" charset="0"/>
+                <a:ea typeface="ＭＳ Ｐゴシック" charset="-128"/>
+              </a:defRPr>
+            </a:lvl1pPr>
+            <a:lvl2pPr marL="742950" indent="-285750">
+              <a:spcBef>
+                <a:spcPct val="20000"/>
+              </a:spcBef>
+              <a:buClr>
+                <a:srgbClr val="3C0000"/>
+              </a:buClr>
+              <a:buFont typeface="Symbol" charset="2"/>
+              <a:buChar char=""/>
+              <a:defRPr kumimoji="1" sz="2800">
+                <a:solidFill>
+                  <a:schemeClr val="tx2"/>
+                </a:solidFill>
+                <a:latin typeface="Arial" charset="0"/>
+                <a:ea typeface="ＭＳ Ｐゴシック" charset="-128"/>
+              </a:defRPr>
+            </a:lvl2pPr>
+            <a:lvl3pPr marL="1143000" indent="-228600">
+              <a:spcBef>
+                <a:spcPct val="20000"/>
+              </a:spcBef>
+              <a:buClr>
+                <a:srgbClr val="3C0000"/>
+              </a:buClr>
+              <a:buFont typeface="Wingdings" charset="2"/>
+              <a:buChar char="§"/>
+              <a:defRPr kumimoji="1" sz="2400">
+                <a:solidFill>
+                  <a:schemeClr val="tx2"/>
+                </a:solidFill>
+                <a:latin typeface="Arial" charset="0"/>
+                <a:ea typeface="ＭＳ Ｐゴシック" charset="-128"/>
+              </a:defRPr>
+            </a:lvl3pPr>
+            <a:lvl4pPr marL="1600200" indent="-228600">
+              <a:spcBef>
+                <a:spcPct val="20000"/>
+              </a:spcBef>
+              <a:buClr>
+                <a:srgbClr val="3C0000"/>
+              </a:buClr>
+              <a:buFont typeface="Wingdings" charset="2"/>
+              <a:buChar char=""/>
+              <a:defRPr kumimoji="1" sz="2000">
+                <a:solidFill>
+                  <a:schemeClr val="tx2"/>
+                </a:solidFill>
+                <a:latin typeface="Arial" charset="0"/>
+                <a:ea typeface="ＭＳ Ｐゴシック" charset="-128"/>
+              </a:defRPr>
+            </a:lvl4pPr>
+            <a:lvl5pPr marL="2057400" indent="-228600">
+              <a:spcBef>
+                <a:spcPct val="20000"/>
+              </a:spcBef>
+              <a:buClr>
+                <a:srgbClr val="3C0000"/>
+              </a:buClr>
+              <a:buFont typeface="Wingdings" charset="2"/>
+              <a:buChar char=""/>
+              <a:defRPr kumimoji="1" sz="2000">
+                <a:solidFill>
+                  <a:schemeClr val="tx2"/>
+                </a:solidFill>
+                <a:latin typeface="Arial" charset="0"/>
+                <a:ea typeface="ＭＳ Ｐゴシック" charset="-128"/>
+              </a:defRPr>
+            </a:lvl5pPr>
+            <a:lvl6pPr marL="2514600" indent="-228600" eaLnBrk="0" fontAlgn="base" hangingPunct="0">
+              <a:spcBef>
+                <a:spcPct val="20000"/>
+              </a:spcBef>
+              <a:spcAft>
+                <a:spcPct val="0"/>
+              </a:spcAft>
+              <a:buClr>
+                <a:srgbClr val="3C0000"/>
+              </a:buClr>
+              <a:buFont typeface="Wingdings" charset="2"/>
+              <a:buChar char=""/>
+              <a:defRPr kumimoji="1" sz="2000">
+                <a:solidFill>
+                  <a:schemeClr val="tx2"/>
+                </a:solidFill>
+                <a:latin typeface="Arial" charset="0"/>
+                <a:ea typeface="ＭＳ Ｐゴシック" charset="-128"/>
+              </a:defRPr>
+            </a:lvl6pPr>
+            <a:lvl7pPr marL="2971800" indent="-228600" eaLnBrk="0" fontAlgn="base" hangingPunct="0">
+              <a:spcBef>
+                <a:spcPct val="20000"/>
+              </a:spcBef>
+              <a:spcAft>
+                <a:spcPct val="0"/>
+              </a:spcAft>
+              <a:buClr>
+                <a:srgbClr val="3C0000"/>
+              </a:buClr>
+              <a:buFont typeface="Wingdings" charset="2"/>
+              <a:buChar char=""/>
+              <a:defRPr kumimoji="1" sz="2000">
+                <a:solidFill>
+                  <a:schemeClr val="tx2"/>
+                </a:solidFill>
+                <a:latin typeface="Arial" charset="0"/>
+                <a:ea typeface="ＭＳ Ｐゴシック" charset="-128"/>
+              </a:defRPr>
+            </a:lvl7pPr>
+            <a:lvl8pPr marL="3429000" indent="-228600" eaLnBrk="0" fontAlgn="base" hangingPunct="0">
+              <a:spcBef>
+                <a:spcPct val="20000"/>
+              </a:spcBef>
+              <a:spcAft>
+                <a:spcPct val="0"/>
+              </a:spcAft>
+              <a:buClr>
+                <a:srgbClr val="3C0000"/>
+              </a:buClr>
+              <a:buFont typeface="Wingdings" charset="2"/>
+              <a:buChar char=""/>
+              <a:defRPr kumimoji="1" sz="2000">
+                <a:solidFill>
+                  <a:schemeClr val="tx2"/>
+                </a:solidFill>
+                <a:latin typeface="Arial" charset="0"/>
+                <a:ea typeface="ＭＳ Ｐゴシック" charset="-128"/>
+              </a:defRPr>
+            </a:lvl8pPr>
+            <a:lvl9pPr marL="3886200" indent="-228600" eaLnBrk="0" fontAlgn="base" hangingPunct="0">
+              <a:spcBef>
+                <a:spcPct val="20000"/>
+              </a:spcBef>
+              <a:spcAft>
+                <a:spcPct val="0"/>
+              </a:spcAft>
+              <a:buClr>
+                <a:srgbClr val="3C0000"/>
+              </a:buClr>
+              <a:buFont typeface="Wingdings" charset="2"/>
+              <a:buChar char=""/>
+              <a:defRPr kumimoji="1" sz="2000">
+                <a:solidFill>
+                  <a:schemeClr val="tx2"/>
+                </a:solidFill>
+                <a:latin typeface="Arial" charset="0"/>
+                <a:ea typeface="ＭＳ Ｐゴシック" charset="-128"/>
+              </a:defRPr>
+            </a:lvl9pPr>
+          </a:lstStyle>
+          <a:p>
+            <a:pPr eaLnBrk="1" hangingPunct="1">
+              <a:buClrTx/>
+              <a:buFontTx/>
+              <a:buChar char="•"/>
+            </a:pPr>
+            <a:endParaRPr kumimoji="0" lang="x-none" altLang="x-none" sz="2400">
+              <a:solidFill>
+                <a:schemeClr val="tx1"/>
+              </a:solidFill>
+            </a:endParaRPr>
+          </a:p>
+        </p:txBody>
+      </p:sp>
+      <p:sp>
+        <p:nvSpPr>
+          <p:cNvPr id="32773" name="Right Arrow 3"/>
+          <p:cNvSpPr>
+            <a:spLocks noChangeArrowheads="1"/>
+          </p:cNvSpPr>
+          <p:nvPr/>
+        </p:nvSpPr>
+        <p:spPr bwMode="auto">
+          <a:xfrm rot="-5400000">
+            <a:off x="6403976" y="1000125"/>
+            <a:ext cx="1016000" cy="974725"/>
+          </a:xfrm>
+          <a:prstGeom prst="rightArrow">
+            <a:avLst>
+              <a:gd name="adj1" fmla="val 50000"/>
+              <a:gd name="adj2" fmla="val 49951"/>
+            </a:avLst>
+          </a:prstGeom>
+          <a:solidFill>
+            <a:schemeClr val="accent1"/>
+          </a:solidFill>
+          <a:ln>
+            <a:noFill/>
+          </a:ln>
+          <a:extLst>
+            <a:ext uri="{91240B29-F687-4F45-9708-019B960494DF}">
+              <a14:hiddenLine xmlns:a14="http://schemas.microsoft.com/office/drawing/2010/main" w="9525">
+                <a:solidFill>
+                  <a:srgbClr val="000000"/>
+                </a:solidFill>
+                <a:round/>
+                <a:headEnd/>
+                <a:tailEnd/>
+              </a14:hiddenLine>
+            </a:ext>
+          </a:extLst>
+        </p:spPr>
+        <p:txBody>
+          <a:bodyPr/>
+          <a:lstStyle>
+            <a:lvl1pPr>
+              <a:spcBef>
+                <a:spcPct val="20000"/>
+              </a:spcBef>
+              <a:buClr>
+                <a:srgbClr val="000080"/>
+              </a:buClr>
+              <a:buFont typeface="Times" charset="0"/>
+              <a:buChar char="•"/>
+              <a:defRPr kumimoji="1" sz="3200">
+                <a:solidFill>
+                  <a:schemeClr val="tx2"/>
+                </a:solidFill>
+                <a:latin typeface="Arial" charset="0"/>
+                <a:ea typeface="ＭＳ Ｐゴシック" charset="-128"/>
+              </a:defRPr>
+            </a:lvl1pPr>
+            <a:lvl2pPr marL="742950" indent="-285750">
+              <a:spcBef>
+                <a:spcPct val="20000"/>
+              </a:spcBef>
+              <a:buClr>
+                <a:srgbClr val="3C0000"/>
+              </a:buClr>
+              <a:buFont typeface="Symbol" charset="2"/>
+              <a:buChar char=""/>
+              <a:defRPr kumimoji="1" sz="2800">
+                <a:solidFill>
+                  <a:schemeClr val="tx2"/>
+                </a:solidFill>
+                <a:latin typeface="Arial" charset="0"/>
+                <a:ea typeface="ＭＳ Ｐゴシック" charset="-128"/>
+              </a:defRPr>
+            </a:lvl2pPr>
+            <a:lvl3pPr marL="1143000" indent="-228600">
+              <a:spcBef>
+                <a:spcPct val="20000"/>
+              </a:spcBef>
+              <a:buClr>
+                <a:srgbClr val="3C0000"/>
+              </a:buClr>
+              <a:buFont typeface="Wingdings" charset="2"/>
+              <a:buChar char="§"/>
+              <a:defRPr kumimoji="1" sz="2400">
+                <a:solidFill>
+                  <a:schemeClr val="tx2"/>
+                </a:solidFill>
+                <a:latin typeface="Arial" charset="0"/>
+                <a:ea typeface="ＭＳ Ｐゴシック" charset="-128"/>
+              </a:defRPr>
+            </a:lvl3pPr>
+            <a:lvl4pPr marL="1600200" indent="-228600">
+              <a:spcBef>
+                <a:spcPct val="20000"/>
+              </a:spcBef>
+              <a:buClr>
+                <a:srgbClr val="3C0000"/>
+              </a:buClr>
+              <a:buFont typeface="Wingdings" charset="2"/>
+              <a:buChar char=""/>
+              <a:defRPr kumimoji="1" sz="2000">
+                <a:solidFill>
+                  <a:schemeClr val="tx2"/>
+                </a:solidFill>
+                <a:latin typeface="Arial" charset="0"/>
+                <a:ea typeface="ＭＳ Ｐゴシック" charset="-128"/>
+              </a:defRPr>
+            </a:lvl4pPr>
+            <a:lvl5pPr marL="2057400" indent="-228600">
+              <a:spcBef>
+                <a:spcPct val="20000"/>
+              </a:spcBef>
+              <a:buClr>
+                <a:srgbClr val="3C0000"/>
+              </a:buClr>
+              <a:buFont typeface="Wingdings" charset="2"/>
+              <a:buChar char=""/>
+              <a:defRPr kumimoji="1" sz="2000">
+                <a:solidFill>
+                  <a:schemeClr val="tx2"/>
+                </a:solidFill>
+                <a:latin typeface="Arial" charset="0"/>
+                <a:ea typeface="ＭＳ Ｐゴシック" charset="-128"/>
+              </a:defRPr>
+            </a:lvl5pPr>
+            <a:lvl6pPr marL="2514600" indent="-228600" eaLnBrk="0" fontAlgn="base" hangingPunct="0">
+              <a:spcBef>
+                <a:spcPct val="20000"/>
+              </a:spcBef>
+              <a:spcAft>
+                <a:spcPct val="0"/>
+              </a:spcAft>
+              <a:buClr>
+                <a:srgbClr val="3C0000"/>
+              </a:buClr>
+              <a:buFont typeface="Wingdings" charset="2"/>
+              <a:buChar char=""/>
+              <a:defRPr kumimoji="1" sz="2000">
+                <a:solidFill>
+                  <a:schemeClr val="tx2"/>
+                </a:solidFill>
+                <a:latin typeface="Arial" charset="0"/>
+                <a:ea typeface="ＭＳ Ｐゴシック" charset="-128"/>
+              </a:defRPr>
+            </a:lvl6pPr>
+            <a:lvl7pPr marL="2971800" indent="-228600" eaLnBrk="0" fontAlgn="base" hangingPunct="0">
+              <a:spcBef>
+                <a:spcPct val="20000"/>
+              </a:spcBef>
+              <a:spcAft>
+                <a:spcPct val="0"/>
+              </a:spcAft>
+              <a:buClr>
+                <a:srgbClr val="3C0000"/>
+              </a:buClr>
+              <a:buFont typeface="Wingdings" charset="2"/>
+              <a:buChar char=""/>
+              <a:defRPr kumimoji="1" sz="2000">
+                <a:solidFill>
+                  <a:schemeClr val="tx2"/>
+                </a:solidFill>
+                <a:latin typeface="Arial" charset="0"/>
+                <a:ea typeface="ＭＳ Ｐゴシック" charset="-128"/>
+              </a:defRPr>
+            </a:lvl7pPr>
+            <a:lvl8pPr marL="3429000" indent="-228600" eaLnBrk="0" fontAlgn="base" hangingPunct="0">
+              <a:spcBef>
+                <a:spcPct val="20000"/>
+              </a:spcBef>
+              <a:spcAft>
+                <a:spcPct val="0"/>
+              </a:spcAft>
+              <a:buClr>
+                <a:srgbClr val="3C0000"/>
+              </a:buClr>
+              <a:buFont typeface="Wingdings" charset="2"/>
+              <a:buChar char=""/>
+              <a:defRPr kumimoji="1" sz="2000">
+                <a:solidFill>
+                  <a:schemeClr val="tx2"/>
+                </a:solidFill>
+                <a:latin typeface="Arial" charset="0"/>
+                <a:ea typeface="ＭＳ Ｐゴシック" charset="-128"/>
+              </a:defRPr>
+            </a:lvl8pPr>
+            <a:lvl9pPr marL="3886200" indent="-228600" eaLnBrk="0" fontAlgn="base" hangingPunct="0">
+              <a:spcBef>
+                <a:spcPct val="20000"/>
+              </a:spcBef>
+              <a:spcAft>
+                <a:spcPct val="0"/>
+              </a:spcAft>
+              <a:buClr>
+                <a:srgbClr val="3C0000"/>
+              </a:buClr>
+              <a:buFont typeface="Wingdings" charset="2"/>
+              <a:buChar char=""/>
+              <a:defRPr kumimoji="1" sz="2000">
+                <a:solidFill>
+                  <a:schemeClr val="tx2"/>
+                </a:solidFill>
+                <a:latin typeface="Arial" charset="0"/>
+                <a:ea typeface="ＭＳ Ｐゴシック" charset="-128"/>
+              </a:defRPr>
+            </a:lvl9pPr>
+          </a:lstStyle>
+          <a:p>
+            <a:pPr eaLnBrk="1" hangingPunct="1">
+              <a:buClrTx/>
+              <a:buFontTx/>
+              <a:buChar char="•"/>
+            </a:pPr>
+            <a:endParaRPr kumimoji="0" lang="x-none" altLang="x-none" sz="2400">
+              <a:solidFill>
+                <a:schemeClr val="tx1"/>
+              </a:solidFill>
+            </a:endParaRPr>
+          </a:p>
+        </p:txBody>
+      </p:sp>
+    </p:spTree>
+  </p:cSld>
+  <p:clrMapOvr>
+    <a:masterClrMapping/>
+  </p:clrMapOvr>
+  <p:timing>
+    <p:tnLst>
+      <p:par>
+        <p:cTn id="1" dur="indefinite" restart="never" nodeType="tmRoot"/>
+      </p:par>
+    </p:tnLst>
+  </p:timing>
+</p:sld>
+</file>
+
+<file path=ppt/slides/slide11.xml><?xml version="1.0" encoding="utf-8"?>
+<p:sld xmlns:a="http://schemas.openxmlformats.org/drawingml/2006/main" xmlns:r="http://schemas.openxmlformats.org/officeDocument/2006/relationships" xmlns:p="http://schemas.openxmlformats.org/presentationml/2006/main">
+  <p:cSld>
+    <p:spTree>
+      <p:nvGrpSpPr>
+        <p:cNvPr id="1" name=""/>
+        <p:cNvGrpSpPr/>
+        <p:nvPr/>
+      </p:nvGrpSpPr>
+      <p:grpSpPr>
+        <a:xfrm>
+          <a:off x="0" y="0"/>
+          <a:ext cx="0" cy="0"/>
+          <a:chOff x="0" y="0"/>
+          <a:chExt cx="0" cy="0"/>
+        </a:xfrm>
+      </p:grpSpPr>
+      <p:sp>
+        <p:nvSpPr>
+          <p:cNvPr id="33793" name="Title 1"/>
+          <p:cNvSpPr>
+            <a:spLocks noGrp="1"/>
+          </p:cNvSpPr>
+          <p:nvPr>
+            <p:ph type="title"/>
+          </p:nvPr>
+        </p:nvSpPr>
+        <p:spPr/>
+        <p:txBody>
+          <a:bodyPr/>
+          <a:lstStyle/>
+          <a:p>
+            <a:r>
+              <a:rPr lang="en-US" altLang="x-none">
+                <a:latin typeface="Futura" charset="0"/>
+                <a:cs typeface="Helvetica" charset="0"/>
+              </a:rPr>
+              <a:t>… to the real world</a:t>
+            </a:r>
+          </a:p>
+        </p:txBody>
+      </p:sp>
+      <p:sp>
+        <p:nvSpPr>
+          <p:cNvPr id="33794" name="Slide Number Placeholder 3"/>
+          <p:cNvSpPr>
+            <a:spLocks noGrp="1"/>
+          </p:cNvSpPr>
+          <p:nvPr>
+            <p:ph type="sldNum" sz="quarter" idx="10"/>
+          </p:nvPr>
+        </p:nvSpPr>
+        <p:spPr>
+          <a:noFill/>
+          <a:ln/>
+          <a:extLst>
+            <a:ext uri="{909E8E84-426E-40DD-AFC4-6F175D3DCCD1}">
+              <a14:hiddenFill xmlns:a14="http://schemas.microsoft.com/office/drawing/2010/main">
+                <a:solidFill>
+                  <a:srgbClr val="FFFFFF"/>
+                </a:solidFill>
+              </a14:hiddenFill>
+            </a:ext>
+            <a:ext uri="{91240B29-F687-4F45-9708-019B960494DF}">
+              <a14:hiddenLine xmlns:a14="http://schemas.microsoft.com/office/drawing/2010/main" w="9525">
+                <a:solidFill>
+                  <a:srgbClr val="000000"/>
+                </a:solidFill>
+                <a:miter lim="800000"/>
+                <a:headEnd/>
+                <a:tailEnd/>
+              </a14:hiddenLine>
+            </a:ext>
+          </a:extLst>
+        </p:spPr>
+        <p:txBody>
+          <a:bodyPr/>
+          <a:lstStyle>
+            <a:lvl1pPr>
+              <a:spcBef>
+                <a:spcPct val="20000"/>
+              </a:spcBef>
+              <a:buClr>
+                <a:srgbClr val="000080"/>
+              </a:buClr>
+              <a:buFont typeface="Times" charset="0"/>
+              <a:buChar char="•"/>
+              <a:defRPr kumimoji="1" sz="3200">
+                <a:solidFill>
+                  <a:schemeClr val="tx2"/>
+                </a:solidFill>
+                <a:latin typeface="Arial" charset="0"/>
+                <a:ea typeface="ＭＳ Ｐゴシック" charset="-128"/>
+              </a:defRPr>
+            </a:lvl1pPr>
+            <a:lvl2pPr marL="742950" indent="-285750">
+              <a:spcBef>
+                <a:spcPct val="20000"/>
+              </a:spcBef>
+              <a:buClr>
+                <a:srgbClr val="3C0000"/>
+              </a:buClr>
+              <a:buFont typeface="Symbol" charset="2"/>
+              <a:buChar char=""/>
+              <a:defRPr kumimoji="1" sz="2800">
+                <a:solidFill>
+                  <a:schemeClr val="tx2"/>
+                </a:solidFill>
+                <a:latin typeface="Arial" charset="0"/>
+                <a:ea typeface="ＭＳ Ｐゴシック" charset="-128"/>
+              </a:defRPr>
+            </a:lvl2pPr>
+            <a:lvl3pPr marL="1143000" indent="-228600">
+              <a:spcBef>
+                <a:spcPct val="20000"/>
+              </a:spcBef>
+              <a:buClr>
+                <a:srgbClr val="3C0000"/>
+              </a:buClr>
+              <a:buFont typeface="Wingdings" charset="2"/>
+              <a:buChar char="§"/>
+              <a:defRPr kumimoji="1" sz="2400">
+                <a:solidFill>
+                  <a:schemeClr val="tx2"/>
+                </a:solidFill>
+                <a:latin typeface="Arial" charset="0"/>
+                <a:ea typeface="ＭＳ Ｐゴシック" charset="-128"/>
+              </a:defRPr>
+            </a:lvl3pPr>
+            <a:lvl4pPr marL="1600200" indent="-228600">
+              <a:spcBef>
+                <a:spcPct val="20000"/>
+              </a:spcBef>
+              <a:buClr>
+                <a:srgbClr val="3C0000"/>
+              </a:buClr>
+              <a:buFont typeface="Wingdings" charset="2"/>
+              <a:buChar char=""/>
+              <a:defRPr kumimoji="1" sz="2000">
+                <a:solidFill>
+                  <a:schemeClr val="tx2"/>
+                </a:solidFill>
+                <a:latin typeface="Arial" charset="0"/>
+                <a:ea typeface="ＭＳ Ｐゴシック" charset="-128"/>
+              </a:defRPr>
+            </a:lvl4pPr>
+            <a:lvl5pPr marL="2057400" indent="-228600">
+              <a:spcBef>
+                <a:spcPct val="20000"/>
+              </a:spcBef>
+              <a:buClr>
+                <a:srgbClr val="3C0000"/>
+              </a:buClr>
+              <a:buFont typeface="Wingdings" charset="2"/>
+              <a:buChar char=""/>
+              <a:defRPr kumimoji="1" sz="2000">
+                <a:solidFill>
+                  <a:schemeClr val="tx2"/>
+                </a:solidFill>
+                <a:latin typeface="Arial" charset="0"/>
+                <a:ea typeface="ＭＳ Ｐゴシック" charset="-128"/>
+              </a:defRPr>
+            </a:lvl5pPr>
+            <a:lvl6pPr marL="2514600" indent="-228600" eaLnBrk="0" fontAlgn="base" hangingPunct="0">
+              <a:spcBef>
+                <a:spcPct val="20000"/>
+              </a:spcBef>
+              <a:spcAft>
+                <a:spcPct val="0"/>
+              </a:spcAft>
+              <a:buClr>
+                <a:srgbClr val="3C0000"/>
+              </a:buClr>
+              <a:buFont typeface="Wingdings" charset="2"/>
+              <a:buChar char=""/>
+              <a:defRPr kumimoji="1" sz="2000">
+                <a:solidFill>
+                  <a:schemeClr val="tx2"/>
+                </a:solidFill>
+                <a:latin typeface="Arial" charset="0"/>
+                <a:ea typeface="ＭＳ Ｐゴシック" charset="-128"/>
+              </a:defRPr>
+            </a:lvl6pPr>
+            <a:lvl7pPr marL="2971800" indent="-228600" eaLnBrk="0" fontAlgn="base" hangingPunct="0">
+              <a:spcBef>
+                <a:spcPct val="20000"/>
+              </a:spcBef>
+              <a:spcAft>
+                <a:spcPct val="0"/>
+              </a:spcAft>
+              <a:buClr>
+                <a:srgbClr val="3C0000"/>
+              </a:buClr>
+              <a:buFont typeface="Wingdings" charset="2"/>
+              <a:buChar char=""/>
+              <a:defRPr kumimoji="1" sz="2000">
+                <a:solidFill>
+                  <a:schemeClr val="tx2"/>
+                </a:solidFill>
+                <a:latin typeface="Arial" charset="0"/>
+                <a:ea typeface="ＭＳ Ｐゴシック" charset="-128"/>
+              </a:defRPr>
+            </a:lvl7pPr>
+            <a:lvl8pPr marL="3429000" indent="-228600" eaLnBrk="0" fontAlgn="base" hangingPunct="0">
+              <a:spcBef>
+                <a:spcPct val="20000"/>
+              </a:spcBef>
+              <a:spcAft>
+                <a:spcPct val="0"/>
+              </a:spcAft>
+              <a:buClr>
+                <a:srgbClr val="3C0000"/>
+              </a:buClr>
+              <a:buFont typeface="Wingdings" charset="2"/>
+              <a:buChar char=""/>
+              <a:defRPr kumimoji="1" sz="2000">
+                <a:solidFill>
+                  <a:schemeClr val="tx2"/>
+                </a:solidFill>
+                <a:latin typeface="Arial" charset="0"/>
+                <a:ea typeface="ＭＳ Ｐゴシック" charset="-128"/>
+              </a:defRPr>
+            </a:lvl8pPr>
+            <a:lvl9pPr marL="3886200" indent="-228600" eaLnBrk="0" fontAlgn="base" hangingPunct="0">
+              <a:spcBef>
+                <a:spcPct val="20000"/>
+              </a:spcBef>
+              <a:spcAft>
+                <a:spcPct val="0"/>
+              </a:spcAft>
+              <a:buClr>
+                <a:srgbClr val="3C0000"/>
+              </a:buClr>
+              <a:buFont typeface="Wingdings" charset="2"/>
+              <a:buChar char=""/>
+              <a:defRPr kumimoji="1" sz="2000">
+                <a:solidFill>
+                  <a:schemeClr val="tx2"/>
+                </a:solidFill>
+                <a:latin typeface="Arial" charset="0"/>
+                <a:ea typeface="ＭＳ Ｐゴシック" charset="-128"/>
+              </a:defRPr>
+            </a:lvl9pPr>
+          </a:lstStyle>
+          <a:p>
+            <a:pPr>
+              <a:spcBef>
+                <a:spcPct val="0"/>
+              </a:spcBef>
+              <a:buClrTx/>
+              <a:buFontTx/>
+              <a:buNone/>
+            </a:pPr>
+            <a:fld id="{B0818E29-435B-0248-AD23-F11B67BA0B27}" type="slidenum">
+              <a:rPr kumimoji="0" lang="en-US" altLang="x-none" sz="1400">
+                <a:solidFill>
+                  <a:srgbClr val="FF8000"/>
+                </a:solidFill>
+              </a:rPr>
+              <a:pPr>
+                <a:spcBef>
+                  <a:spcPct val="0"/>
+                </a:spcBef>
+                <a:buClrTx/>
+                <a:buFontTx/>
+                <a:buNone/>
+              </a:pPr>
+              <a:t>11</a:t>
+            </a:fld>
+            <a:endParaRPr kumimoji="0" lang="en-US" altLang="x-none" sz="1400">
+              <a:solidFill>
+                <a:srgbClr val="FF8000"/>
+              </a:solidFill>
+            </a:endParaRPr>
+          </a:p>
+        </p:txBody>
+      </p:sp>
+      <p:pic>
+        <p:nvPicPr>
+          <p:cNvPr id="33795" name="Picture 2" descr="Screen Shot 2014-07-01 at 10.21.14 PM.png"/>
+          <p:cNvPicPr>
+            <a:picLocks noChangeAspect="1"/>
+          </p:cNvPicPr>
+          <p:nvPr/>
+        </p:nvPicPr>
+        <p:blipFill>
+          <a:blip r:embed="rId2">
+            <a:extLst>
+              <a:ext uri="{28A0092B-C50C-407E-A947-70E740481C1C}">
+                <a14:useLocalDpi xmlns:a14="http://schemas.microsoft.com/office/drawing/2010/main" val="0"/>
+              </a:ext>
+            </a:extLst>
+          </a:blip>
+          <a:srcRect/>
+          <a:stretch>
+            <a:fillRect/>
+          </a:stretch>
+        </p:blipFill>
+        <p:spPr bwMode="auto">
+          <a:xfrm>
+            <a:off x="711200" y="31750"/>
+            <a:ext cx="7759700" cy="5110163"/>
+          </a:xfrm>
+          <a:prstGeom prst="rect">
+            <a:avLst/>
+          </a:prstGeom>
+          <a:noFill/>
+          <a:ln>
+            <a:noFill/>
+          </a:ln>
+          <a:extLst>
+            <a:ext uri="{909E8E84-426E-40DD-AFC4-6F175D3DCCD1}">
+              <a14:hiddenFill xmlns:a14="http://schemas.microsoft.com/office/drawing/2010/main">
+                <a:solidFill>
+                  <a:srgbClr val="FFFFFF"/>
+                </a:solidFill>
+              </a14:hiddenFill>
+            </a:ext>
+            <a:ext uri="{91240B29-F687-4F45-9708-019B960494DF}">
+              <a14:hiddenLine xmlns:a14="http://schemas.microsoft.com/office/drawing/2010/main" w="9525">
+                <a:solidFill>
+                  <a:srgbClr val="000000"/>
+                </a:solidFill>
+                <a:miter lim="800000"/>
+                <a:headEnd/>
+                <a:tailEnd/>
+              </a14:hiddenLine>
+            </a:ext>
+          </a:extLst>
+        </p:spPr>
+      </p:pic>
+      <p:sp>
+        <p:nvSpPr>
+          <p:cNvPr id="33796" name="Rectangle 5"/>
+          <p:cNvSpPr>
+            <a:spLocks noChangeArrowheads="1"/>
+          </p:cNvSpPr>
+          <p:nvPr/>
+        </p:nvSpPr>
+        <p:spPr bwMode="auto">
+          <a:xfrm>
+            <a:off x="842963" y="1381125"/>
+            <a:ext cx="1974850" cy="263525"/>
+          </a:xfrm>
+          <a:prstGeom prst="rect">
+            <a:avLst/>
+          </a:prstGeom>
+          <a:noFill/>
+          <a:ln w="76200">
+            <a:solidFill>
+              <a:schemeClr val="accent1"/>
+            </a:solidFill>
+            <a:round/>
+            <a:headEnd/>
+            <a:tailEnd/>
+          </a:ln>
+          <a:extLst>
+            <a:ext uri="{909E8E84-426E-40DD-AFC4-6F175D3DCCD1}">
+              <a14:hiddenFill xmlns:a14="http://schemas.microsoft.com/office/drawing/2010/main">
+                <a:solidFill>
+                  <a:srgbClr val="FFFFFF"/>
+                </a:solidFill>
+              </a14:hiddenFill>
+            </a:ext>
+          </a:extLst>
+        </p:spPr>
+        <p:txBody>
+          <a:bodyPr/>
+          <a:lstStyle>
+            <a:lvl1pPr>
+              <a:spcBef>
+                <a:spcPct val="20000"/>
+              </a:spcBef>
+              <a:buClr>
+                <a:srgbClr val="000080"/>
+              </a:buClr>
+              <a:buFont typeface="Times" charset="0"/>
+              <a:buChar char="•"/>
+              <a:defRPr kumimoji="1" sz="3200">
+                <a:solidFill>
+                  <a:schemeClr val="tx2"/>
+                </a:solidFill>
+                <a:latin typeface="Arial" charset="0"/>
+                <a:ea typeface="ＭＳ Ｐゴシック" charset="-128"/>
+              </a:defRPr>
+            </a:lvl1pPr>
+            <a:lvl2pPr marL="742950" indent="-285750">
+              <a:spcBef>
+                <a:spcPct val="20000"/>
+              </a:spcBef>
+              <a:buClr>
+                <a:srgbClr val="3C0000"/>
+              </a:buClr>
+              <a:buFont typeface="Symbol" charset="2"/>
+              <a:buChar char=""/>
+              <a:defRPr kumimoji="1" sz="2800">
+                <a:solidFill>
+                  <a:schemeClr val="tx2"/>
+                </a:solidFill>
+                <a:latin typeface="Arial" charset="0"/>
+                <a:ea typeface="ＭＳ Ｐゴシック" charset="-128"/>
+              </a:defRPr>
+            </a:lvl2pPr>
+            <a:lvl3pPr marL="1143000" indent="-228600">
+              <a:spcBef>
+                <a:spcPct val="20000"/>
+              </a:spcBef>
+              <a:buClr>
+                <a:srgbClr val="3C0000"/>
+              </a:buClr>
+              <a:buFont typeface="Wingdings" charset="2"/>
+              <a:buChar char="§"/>
+              <a:defRPr kumimoji="1" sz="2400">
+                <a:solidFill>
+                  <a:schemeClr val="tx2"/>
+                </a:solidFill>
+                <a:latin typeface="Arial" charset="0"/>
+                <a:ea typeface="ＭＳ Ｐゴシック" charset="-128"/>
+              </a:defRPr>
+            </a:lvl3pPr>
+            <a:lvl4pPr marL="1600200" indent="-228600">
+              <a:spcBef>
+                <a:spcPct val="20000"/>
+              </a:spcBef>
+              <a:buClr>
+                <a:srgbClr val="3C0000"/>
+              </a:buClr>
+              <a:buFont typeface="Wingdings" charset="2"/>
+              <a:buChar char=""/>
+              <a:defRPr kumimoji="1" sz="2000">
+                <a:solidFill>
+                  <a:schemeClr val="tx2"/>
+                </a:solidFill>
+                <a:latin typeface="Arial" charset="0"/>
+                <a:ea typeface="ＭＳ Ｐゴシック" charset="-128"/>
+              </a:defRPr>
+            </a:lvl4pPr>
+            <a:lvl5pPr marL="2057400" indent="-228600">
+              <a:spcBef>
+                <a:spcPct val="20000"/>
+              </a:spcBef>
+              <a:buClr>
+                <a:srgbClr val="3C0000"/>
+              </a:buClr>
+              <a:buFont typeface="Wingdings" charset="2"/>
+              <a:buChar char=""/>
+              <a:defRPr kumimoji="1" sz="2000">
+                <a:solidFill>
+                  <a:schemeClr val="tx2"/>
+                </a:solidFill>
+                <a:latin typeface="Arial" charset="0"/>
+                <a:ea typeface="ＭＳ Ｐゴシック" charset="-128"/>
+              </a:defRPr>
+            </a:lvl5pPr>
+            <a:lvl6pPr marL="2514600" indent="-228600" eaLnBrk="0" fontAlgn="base" hangingPunct="0">
+              <a:spcBef>
+                <a:spcPct val="20000"/>
+              </a:spcBef>
+              <a:spcAft>
+                <a:spcPct val="0"/>
+              </a:spcAft>
+              <a:buClr>
+                <a:srgbClr val="3C0000"/>
+              </a:buClr>
+              <a:buFont typeface="Wingdings" charset="2"/>
+              <a:buChar char=""/>
+              <a:defRPr kumimoji="1" sz="2000">
+                <a:solidFill>
+                  <a:schemeClr val="tx2"/>
+                </a:solidFill>
+                <a:latin typeface="Arial" charset="0"/>
+                <a:ea typeface="ＭＳ Ｐゴシック" charset="-128"/>
+              </a:defRPr>
+            </a:lvl6pPr>
+            <a:lvl7pPr marL="2971800" indent="-228600" eaLnBrk="0" fontAlgn="base" hangingPunct="0">
+              <a:spcBef>
+                <a:spcPct val="20000"/>
+              </a:spcBef>
+              <a:spcAft>
+                <a:spcPct val="0"/>
+              </a:spcAft>
+              <a:buClr>
+                <a:srgbClr val="3C0000"/>
+              </a:buClr>
+              <a:buFont typeface="Wingdings" charset="2"/>
+              <a:buChar char=""/>
+              <a:defRPr kumimoji="1" sz="2000">
+                <a:solidFill>
+                  <a:schemeClr val="tx2"/>
+                </a:solidFill>
+                <a:latin typeface="Arial" charset="0"/>
+                <a:ea typeface="ＭＳ Ｐゴシック" charset="-128"/>
+              </a:defRPr>
+            </a:lvl7pPr>
+            <a:lvl8pPr marL="3429000" indent="-228600" eaLnBrk="0" fontAlgn="base" hangingPunct="0">
+              <a:spcBef>
+                <a:spcPct val="20000"/>
+              </a:spcBef>
+              <a:spcAft>
+                <a:spcPct val="0"/>
+              </a:spcAft>
+              <a:buClr>
+                <a:srgbClr val="3C0000"/>
+              </a:buClr>
+              <a:buFont typeface="Wingdings" charset="2"/>
+              <a:buChar char=""/>
+              <a:defRPr kumimoji="1" sz="2000">
+                <a:solidFill>
+                  <a:schemeClr val="tx2"/>
+                </a:solidFill>
+                <a:latin typeface="Arial" charset="0"/>
+                <a:ea typeface="ＭＳ Ｐゴシック" charset="-128"/>
+              </a:defRPr>
+            </a:lvl8pPr>
+            <a:lvl9pPr marL="3886200" indent="-228600" eaLnBrk="0" fontAlgn="base" hangingPunct="0">
+              <a:spcBef>
+                <a:spcPct val="20000"/>
+              </a:spcBef>
+              <a:spcAft>
+                <a:spcPct val="0"/>
+              </a:spcAft>
+              <a:buClr>
+                <a:srgbClr val="3C0000"/>
+              </a:buClr>
+              <a:buFont typeface="Wingdings" charset="2"/>
+              <a:buChar char=""/>
+              <a:defRPr kumimoji="1" sz="2000">
+                <a:solidFill>
+                  <a:schemeClr val="tx2"/>
+                </a:solidFill>
+                <a:latin typeface="Arial" charset="0"/>
+                <a:ea typeface="ＭＳ Ｐゴシック" charset="-128"/>
+              </a:defRPr>
+            </a:lvl9pPr>
+          </a:lstStyle>
+          <a:p>
+            <a:pPr eaLnBrk="1" hangingPunct="1">
+              <a:buClrTx/>
+              <a:buFontTx/>
+              <a:buChar char="•"/>
+            </a:pPr>
+            <a:endParaRPr kumimoji="0" lang="x-none" altLang="x-none" sz="2400">
+              <a:solidFill>
+                <a:schemeClr val="tx1"/>
+              </a:solidFill>
+            </a:endParaRPr>
+          </a:p>
+        </p:txBody>
+      </p:sp>
+      <p:sp>
+        <p:nvSpPr>
+          <p:cNvPr id="33797" name="Right Arrow 6"/>
+          <p:cNvSpPr>
+            <a:spLocks noChangeArrowheads="1"/>
+          </p:cNvSpPr>
+          <p:nvPr/>
+        </p:nvSpPr>
+        <p:spPr bwMode="auto">
+          <a:xfrm rot="-5400000">
+            <a:off x="870744" y="1650206"/>
+            <a:ext cx="1016000" cy="973138"/>
+          </a:xfrm>
+          <a:prstGeom prst="rightArrow">
+            <a:avLst>
+              <a:gd name="adj1" fmla="val 50000"/>
+              <a:gd name="adj2" fmla="val 50032"/>
+            </a:avLst>
+          </a:prstGeom>
+          <a:solidFill>
+            <a:schemeClr val="accent1"/>
+          </a:solidFill>
+          <a:ln>
+            <a:noFill/>
+          </a:ln>
+          <a:extLst>
+            <a:ext uri="{91240B29-F687-4F45-9708-019B960494DF}">
+              <a14:hiddenLine xmlns:a14="http://schemas.microsoft.com/office/drawing/2010/main" w="9525">
+                <a:solidFill>
+                  <a:srgbClr val="000000"/>
+                </a:solidFill>
+                <a:round/>
+                <a:headEnd/>
+                <a:tailEnd/>
+              </a14:hiddenLine>
+            </a:ext>
+          </a:extLst>
+        </p:spPr>
+        <p:txBody>
+          <a:bodyPr/>
+          <a:lstStyle>
+            <a:lvl1pPr>
+              <a:spcBef>
+                <a:spcPct val="20000"/>
+              </a:spcBef>
+              <a:buClr>
+                <a:srgbClr val="000080"/>
+              </a:buClr>
+              <a:buFont typeface="Times" charset="0"/>
+              <a:buChar char="•"/>
+              <a:defRPr kumimoji="1" sz="3200">
+                <a:solidFill>
+                  <a:schemeClr val="tx2"/>
+                </a:solidFill>
+                <a:latin typeface="Arial" charset="0"/>
+                <a:ea typeface="ＭＳ Ｐゴシック" charset="-128"/>
+              </a:defRPr>
+            </a:lvl1pPr>
+            <a:lvl2pPr marL="742950" indent="-285750">
+              <a:spcBef>
+                <a:spcPct val="20000"/>
+              </a:spcBef>
+              <a:buClr>
+                <a:srgbClr val="3C0000"/>
+              </a:buClr>
+              <a:buFont typeface="Symbol" charset="2"/>
+              <a:buChar char=""/>
+              <a:defRPr kumimoji="1" sz="2800">
+                <a:solidFill>
+                  <a:schemeClr val="tx2"/>
+                </a:solidFill>
+                <a:latin typeface="Arial" charset="0"/>
+                <a:ea typeface="ＭＳ Ｐゴシック" charset="-128"/>
+              </a:defRPr>
+            </a:lvl2pPr>
+            <a:lvl3pPr marL="1143000" indent="-228600">
+              <a:spcBef>
+                <a:spcPct val="20000"/>
+              </a:spcBef>
+              <a:buClr>
+                <a:srgbClr val="3C0000"/>
+              </a:buClr>
+              <a:buFont typeface="Wingdings" charset="2"/>
+              <a:buChar char="§"/>
+              <a:defRPr kumimoji="1" sz="2400">
+                <a:solidFill>
+                  <a:schemeClr val="tx2"/>
+                </a:solidFill>
+                <a:latin typeface="Arial" charset="0"/>
+                <a:ea typeface="ＭＳ Ｐゴシック" charset="-128"/>
+              </a:defRPr>
+            </a:lvl3pPr>
+            <a:lvl4pPr marL="1600200" indent="-228600">
+              <a:spcBef>
+                <a:spcPct val="20000"/>
+              </a:spcBef>
+              <a:buClr>
+                <a:srgbClr val="3C0000"/>
+              </a:buClr>
+              <a:buFont typeface="Wingdings" charset="2"/>
+              <a:buChar char=""/>
+              <a:defRPr kumimoji="1" sz="2000">
+                <a:solidFill>
+                  <a:schemeClr val="tx2"/>
+                </a:solidFill>
+                <a:latin typeface="Arial" charset="0"/>
+                <a:ea typeface="ＭＳ Ｐゴシック" charset="-128"/>
+              </a:defRPr>
+            </a:lvl4pPr>
+            <a:lvl5pPr marL="2057400" indent="-228600">
+              <a:spcBef>
+                <a:spcPct val="20000"/>
+              </a:spcBef>
+              <a:buClr>
+                <a:srgbClr val="3C0000"/>
+              </a:buClr>
+              <a:buFont typeface="Wingdings" charset="2"/>
+              <a:buChar char=""/>
+              <a:defRPr kumimoji="1" sz="2000">
+                <a:solidFill>
+                  <a:schemeClr val="tx2"/>
+                </a:solidFill>
+                <a:latin typeface="Arial" charset="0"/>
+                <a:ea typeface="ＭＳ Ｐゴシック" charset="-128"/>
+              </a:defRPr>
+            </a:lvl5pPr>
+            <a:lvl6pPr marL="2514600" indent="-228600" eaLnBrk="0" fontAlgn="base" hangingPunct="0">
+              <a:spcBef>
+                <a:spcPct val="20000"/>
+              </a:spcBef>
+              <a:spcAft>
+                <a:spcPct val="0"/>
+              </a:spcAft>
+              <a:buClr>
+                <a:srgbClr val="3C0000"/>
+              </a:buClr>
+              <a:buFont typeface="Wingdings" charset="2"/>
+              <a:buChar char=""/>
+              <a:defRPr kumimoji="1" sz="2000">
+                <a:solidFill>
+                  <a:schemeClr val="tx2"/>
+                </a:solidFill>
+                <a:latin typeface="Arial" charset="0"/>
+                <a:ea typeface="ＭＳ Ｐゴシック" charset="-128"/>
+              </a:defRPr>
+            </a:lvl6pPr>
+            <a:lvl7pPr marL="2971800" indent="-228600" eaLnBrk="0" fontAlgn="base" hangingPunct="0">
+              <a:spcBef>
+                <a:spcPct val="20000"/>
+              </a:spcBef>
+              <a:spcAft>
+                <a:spcPct val="0"/>
+              </a:spcAft>
+              <a:buClr>
+                <a:srgbClr val="3C0000"/>
+              </a:buClr>
+              <a:buFont typeface="Wingdings" charset="2"/>
+              <a:buChar char=""/>
+              <a:defRPr kumimoji="1" sz="2000">
+                <a:solidFill>
+                  <a:schemeClr val="tx2"/>
+                </a:solidFill>
+                <a:latin typeface="Arial" charset="0"/>
+                <a:ea typeface="ＭＳ Ｐゴシック" charset="-128"/>
+              </a:defRPr>
+            </a:lvl7pPr>
+            <a:lvl8pPr marL="3429000" indent="-228600" eaLnBrk="0" fontAlgn="base" hangingPunct="0">
+              <a:spcBef>
+                <a:spcPct val="20000"/>
+              </a:spcBef>
+              <a:spcAft>
+                <a:spcPct val="0"/>
+              </a:spcAft>
+              <a:buClr>
+                <a:srgbClr val="3C0000"/>
+              </a:buClr>
+              <a:buFont typeface="Wingdings" charset="2"/>
+              <a:buChar char=""/>
+              <a:defRPr kumimoji="1" sz="2000">
+                <a:solidFill>
+                  <a:schemeClr val="tx2"/>
+                </a:solidFill>
+                <a:latin typeface="Arial" charset="0"/>
+                <a:ea typeface="ＭＳ Ｐゴシック" charset="-128"/>
+              </a:defRPr>
+            </a:lvl8pPr>
+            <a:lvl9pPr marL="3886200" indent="-228600" eaLnBrk="0" fontAlgn="base" hangingPunct="0">
+              <a:spcBef>
+                <a:spcPct val="20000"/>
+              </a:spcBef>
+              <a:spcAft>
+                <a:spcPct val="0"/>
+              </a:spcAft>
+              <a:buClr>
+                <a:srgbClr val="3C0000"/>
+              </a:buClr>
+              <a:buFont typeface="Wingdings" charset="2"/>
+              <a:buChar char=""/>
+              <a:defRPr kumimoji="1" sz="2000">
+                <a:solidFill>
+                  <a:schemeClr val="tx2"/>
+                </a:solidFill>
+                <a:latin typeface="Arial" charset="0"/>
+                <a:ea typeface="ＭＳ Ｐゴシック" charset="-128"/>
+              </a:defRPr>
+            </a:lvl9pPr>
+          </a:lstStyle>
+          <a:p>
+            <a:pPr eaLnBrk="1" hangingPunct="1">
+              <a:buClrTx/>
+              <a:buFontTx/>
+              <a:buChar char="•"/>
+            </a:pPr>
+            <a:endParaRPr kumimoji="0" lang="x-none" altLang="x-none" sz="2400">
+              <a:solidFill>
+                <a:schemeClr val="tx1"/>
+              </a:solidFill>
+            </a:endParaRPr>
+          </a:p>
+        </p:txBody>
+      </p:sp>
+    </p:spTree>
+  </p:cSld>
+  <p:clrMapOvr>
+    <a:masterClrMapping/>
+  </p:clrMapOvr>
+  <p:timing>
+    <p:tnLst>
+      <p:par>
+        <p:cTn id="1" dur="indefinite" restart="never" nodeType="tmRoot"/>
+      </p:par>
+    </p:tnLst>
+  </p:timing>
+</p:sld>
+</file>
+
+<file path=ppt/slides/slide12.xml><?xml version="1.0" encoding="utf-8"?>
+<p:sld xmlns:a="http://schemas.openxmlformats.org/drawingml/2006/main" xmlns:r="http://schemas.openxmlformats.org/officeDocument/2006/relationships" xmlns:p="http://schemas.openxmlformats.org/presentationml/2006/main">
+  <p:cSld>
+    <p:spTree>
+      <p:nvGrpSpPr>
+        <p:cNvPr id="1" name=""/>
+        <p:cNvGrpSpPr/>
+        <p:nvPr/>
+      </p:nvGrpSpPr>
+      <p:grpSpPr>
+        <a:xfrm>
+          <a:off x="0" y="0"/>
+          <a:ext cx="0" cy="0"/>
+          <a:chOff x="0" y="0"/>
+          <a:chExt cx="0" cy="0"/>
+        </a:xfrm>
+      </p:grpSpPr>
+      <p:sp>
+        <p:nvSpPr>
+          <p:cNvPr id="34817" name="Title 1"/>
+          <p:cNvSpPr>
+            <a:spLocks noGrp="1"/>
+          </p:cNvSpPr>
+          <p:nvPr>
+            <p:ph type="title"/>
+          </p:nvPr>
+        </p:nvSpPr>
+        <p:spPr/>
+        <p:txBody>
+          <a:bodyPr/>
+          <a:lstStyle/>
+          <a:p>
+            <a:r>
+              <a:rPr lang="en-US" altLang="x-none">
+                <a:latin typeface="Futura" charset="0"/>
+                <a:cs typeface="Helvetica" charset="0"/>
+              </a:rPr>
+              <a:t>… to the real world</a:t>
+            </a:r>
+          </a:p>
+        </p:txBody>
+      </p:sp>
+      <p:sp>
+        <p:nvSpPr>
+          <p:cNvPr id="34818" name="Slide Number Placeholder 3"/>
+          <p:cNvSpPr>
+            <a:spLocks noGrp="1"/>
+          </p:cNvSpPr>
+          <p:nvPr>
+            <p:ph type="sldNum" sz="quarter" idx="10"/>
+          </p:nvPr>
+        </p:nvSpPr>
+        <p:spPr>
+          <a:noFill/>
+          <a:ln/>
+          <a:extLst>
+            <a:ext uri="{909E8E84-426E-40DD-AFC4-6F175D3DCCD1}">
+              <a14:hiddenFill xmlns:a14="http://schemas.microsoft.com/office/drawing/2010/main">
+                <a:solidFill>
+                  <a:srgbClr val="FFFFFF"/>
+                </a:solidFill>
+              </a14:hiddenFill>
+            </a:ext>
+            <a:ext uri="{91240B29-F687-4F45-9708-019B960494DF}">
+              <a14:hiddenLine xmlns:a14="http://schemas.microsoft.com/office/drawing/2010/main" w="9525">
+                <a:solidFill>
+                  <a:srgbClr val="000000"/>
+                </a:solidFill>
+                <a:miter lim="800000"/>
+                <a:headEnd/>
+                <a:tailEnd/>
+              </a14:hiddenLine>
+            </a:ext>
+          </a:extLst>
+        </p:spPr>
+        <p:txBody>
+          <a:bodyPr/>
+          <a:lstStyle>
+            <a:lvl1pPr>
+              <a:spcBef>
+                <a:spcPct val="20000"/>
+              </a:spcBef>
+              <a:buClr>
+                <a:srgbClr val="000080"/>
+              </a:buClr>
+              <a:buFont typeface="Times" charset="0"/>
+              <a:buChar char="•"/>
+              <a:defRPr kumimoji="1" sz="3200">
+                <a:solidFill>
+                  <a:schemeClr val="tx2"/>
+                </a:solidFill>
+                <a:latin typeface="Arial" charset="0"/>
+                <a:ea typeface="ＭＳ Ｐゴシック" charset="-128"/>
+              </a:defRPr>
+            </a:lvl1pPr>
+            <a:lvl2pPr marL="742950" indent="-285750">
+              <a:spcBef>
+                <a:spcPct val="20000"/>
+              </a:spcBef>
+              <a:buClr>
+                <a:srgbClr val="3C0000"/>
+              </a:buClr>
+              <a:buFont typeface="Symbol" charset="2"/>
+              <a:buChar char=""/>
+              <a:defRPr kumimoji="1" sz="2800">
+                <a:solidFill>
+                  <a:schemeClr val="tx2"/>
+                </a:solidFill>
+                <a:latin typeface="Arial" charset="0"/>
+                <a:ea typeface="ＭＳ Ｐゴシック" charset="-128"/>
+              </a:defRPr>
+            </a:lvl2pPr>
+            <a:lvl3pPr marL="1143000" indent="-228600">
+              <a:spcBef>
+                <a:spcPct val="20000"/>
+              </a:spcBef>
+              <a:buClr>
+                <a:srgbClr val="3C0000"/>
+              </a:buClr>
+              <a:buFont typeface="Wingdings" charset="2"/>
+              <a:buChar char="§"/>
+              <a:defRPr kumimoji="1" sz="2400">
+                <a:solidFill>
+                  <a:schemeClr val="tx2"/>
+                </a:solidFill>
+                <a:latin typeface="Arial" charset="0"/>
+                <a:ea typeface="ＭＳ Ｐゴシック" charset="-128"/>
+              </a:defRPr>
+            </a:lvl3pPr>
+            <a:lvl4pPr marL="1600200" indent="-228600">
+              <a:spcBef>
+                <a:spcPct val="20000"/>
+              </a:spcBef>
+              <a:buClr>
+                <a:srgbClr val="3C0000"/>
+              </a:buClr>
+              <a:buFont typeface="Wingdings" charset="2"/>
+              <a:buChar char=""/>
+              <a:defRPr kumimoji="1" sz="2000">
+                <a:solidFill>
+                  <a:schemeClr val="tx2"/>
+                </a:solidFill>
+                <a:latin typeface="Arial" charset="0"/>
+                <a:ea typeface="ＭＳ Ｐゴシック" charset="-128"/>
+              </a:defRPr>
+            </a:lvl4pPr>
+            <a:lvl5pPr marL="2057400" indent="-228600">
+              <a:spcBef>
+                <a:spcPct val="20000"/>
+              </a:spcBef>
+              <a:buClr>
+                <a:srgbClr val="3C0000"/>
+              </a:buClr>
+              <a:buFont typeface="Wingdings" charset="2"/>
+              <a:buChar char=""/>
+              <a:defRPr kumimoji="1" sz="2000">
+                <a:solidFill>
+                  <a:schemeClr val="tx2"/>
+                </a:solidFill>
+                <a:latin typeface="Arial" charset="0"/>
+                <a:ea typeface="ＭＳ Ｐゴシック" charset="-128"/>
+              </a:defRPr>
+            </a:lvl5pPr>
+            <a:lvl6pPr marL="2514600" indent="-228600" eaLnBrk="0" fontAlgn="base" hangingPunct="0">
+              <a:spcBef>
+                <a:spcPct val="20000"/>
+              </a:spcBef>
+              <a:spcAft>
+                <a:spcPct val="0"/>
+              </a:spcAft>
+              <a:buClr>
+                <a:srgbClr val="3C0000"/>
+              </a:buClr>
+              <a:buFont typeface="Wingdings" charset="2"/>
+              <a:buChar char=""/>
+              <a:defRPr kumimoji="1" sz="2000">
+                <a:solidFill>
+                  <a:schemeClr val="tx2"/>
+                </a:solidFill>
+                <a:latin typeface="Arial" charset="0"/>
+                <a:ea typeface="ＭＳ Ｐゴシック" charset="-128"/>
+              </a:defRPr>
+            </a:lvl6pPr>
+            <a:lvl7pPr marL="2971800" indent="-228600" eaLnBrk="0" fontAlgn="base" hangingPunct="0">
+              <a:spcBef>
+                <a:spcPct val="20000"/>
+              </a:spcBef>
+              <a:spcAft>
+                <a:spcPct val="0"/>
+              </a:spcAft>
+              <a:buClr>
+                <a:srgbClr val="3C0000"/>
+              </a:buClr>
+              <a:buFont typeface="Wingdings" charset="2"/>
+              <a:buChar char=""/>
+              <a:defRPr kumimoji="1" sz="2000">
+                <a:solidFill>
+                  <a:schemeClr val="tx2"/>
+                </a:solidFill>
+                <a:latin typeface="Arial" charset="0"/>
+                <a:ea typeface="ＭＳ Ｐゴシック" charset="-128"/>
+              </a:defRPr>
+            </a:lvl7pPr>
+            <a:lvl8pPr marL="3429000" indent="-228600" eaLnBrk="0" fontAlgn="base" hangingPunct="0">
+              <a:spcBef>
+                <a:spcPct val="20000"/>
+              </a:spcBef>
+              <a:spcAft>
+                <a:spcPct val="0"/>
+              </a:spcAft>
+              <a:buClr>
+                <a:srgbClr val="3C0000"/>
+              </a:buClr>
+              <a:buFont typeface="Wingdings" charset="2"/>
+              <a:buChar char=""/>
+              <a:defRPr kumimoji="1" sz="2000">
+                <a:solidFill>
+                  <a:schemeClr val="tx2"/>
+                </a:solidFill>
+                <a:latin typeface="Arial" charset="0"/>
+                <a:ea typeface="ＭＳ Ｐゴシック" charset="-128"/>
+              </a:defRPr>
+            </a:lvl8pPr>
+            <a:lvl9pPr marL="3886200" indent="-228600" eaLnBrk="0" fontAlgn="base" hangingPunct="0">
+              <a:spcBef>
+                <a:spcPct val="20000"/>
+              </a:spcBef>
+              <a:spcAft>
+                <a:spcPct val="0"/>
+              </a:spcAft>
+              <a:buClr>
+                <a:srgbClr val="3C0000"/>
+              </a:buClr>
+              <a:buFont typeface="Wingdings" charset="2"/>
+              <a:buChar char=""/>
+              <a:defRPr kumimoji="1" sz="2000">
+                <a:solidFill>
+                  <a:schemeClr val="tx2"/>
+                </a:solidFill>
+                <a:latin typeface="Arial" charset="0"/>
+                <a:ea typeface="ＭＳ Ｐゴシック" charset="-128"/>
+              </a:defRPr>
+            </a:lvl9pPr>
+          </a:lstStyle>
+          <a:p>
+            <a:pPr>
+              <a:spcBef>
+                <a:spcPct val="0"/>
+              </a:spcBef>
+              <a:buClrTx/>
+              <a:buFontTx/>
+              <a:buNone/>
+            </a:pPr>
+            <a:fld id="{BF661D85-A786-FD41-B77B-FBF64CF3CCFF}" type="slidenum">
+              <a:rPr kumimoji="0" lang="en-US" altLang="x-none" sz="1400">
+                <a:solidFill>
+                  <a:srgbClr val="FF8000"/>
+                </a:solidFill>
+              </a:rPr>
+              <a:pPr>
+                <a:spcBef>
+                  <a:spcPct val="0"/>
+                </a:spcBef>
+                <a:buClrTx/>
+                <a:buFontTx/>
+                <a:buNone/>
+              </a:pPr>
+              <a:t>12</a:t>
+            </a:fld>
+            <a:endParaRPr kumimoji="0" lang="en-US" altLang="x-none" sz="1400">
+              <a:solidFill>
+                <a:srgbClr val="FF8000"/>
+              </a:solidFill>
+            </a:endParaRPr>
+          </a:p>
+        </p:txBody>
+      </p:sp>
+      <p:pic>
+        <p:nvPicPr>
+          <p:cNvPr id="34819" name="Picture 1" descr="Screen Shot 2014-07-01 at 10.23.17 PM.png"/>
+          <p:cNvPicPr>
+            <a:picLocks noChangeAspect="1"/>
+          </p:cNvPicPr>
+          <p:nvPr/>
+        </p:nvPicPr>
+        <p:blipFill>
+          <a:blip r:embed="rId2">
+            <a:extLst>
+              <a:ext uri="{28A0092B-C50C-407E-A947-70E740481C1C}">
+                <a14:useLocalDpi xmlns:a14="http://schemas.microsoft.com/office/drawing/2010/main" val="0"/>
+              </a:ext>
+            </a:extLst>
+          </a:blip>
+          <a:srcRect b="4378"/>
+          <a:stretch>
+            <a:fillRect/>
+          </a:stretch>
+        </p:blipFill>
+        <p:spPr bwMode="auto">
+          <a:xfrm>
+            <a:off x="722313" y="147638"/>
+            <a:ext cx="7672387" cy="5000625"/>
+          </a:xfrm>
+          <a:prstGeom prst="rect">
+            <a:avLst/>
+          </a:prstGeom>
+          <a:noFill/>
+          <a:ln>
+            <a:noFill/>
+          </a:ln>
+          <a:extLst>
+            <a:ext uri="{909E8E84-426E-40DD-AFC4-6F175D3DCCD1}">
+              <a14:hiddenFill xmlns:a14="http://schemas.microsoft.com/office/drawing/2010/main">
+                <a:solidFill>
+                  <a:srgbClr val="FFFFFF"/>
+                </a:solidFill>
+              </a14:hiddenFill>
+            </a:ext>
+            <a:ext uri="{91240B29-F687-4F45-9708-019B960494DF}">
+              <a14:hiddenLine xmlns:a14="http://schemas.microsoft.com/office/drawing/2010/main" w="9525">
+                <a:solidFill>
+                  <a:srgbClr val="000000"/>
+                </a:solidFill>
+                <a:miter lim="800000"/>
+                <a:headEnd/>
+                <a:tailEnd/>
+              </a14:hiddenLine>
+            </a:ext>
+          </a:extLst>
+        </p:spPr>
+      </p:pic>
+      <p:sp>
+        <p:nvSpPr>
+          <p:cNvPr id="34820" name="Rectangle 4"/>
+          <p:cNvSpPr>
+            <a:spLocks noChangeArrowheads="1"/>
+          </p:cNvSpPr>
+          <p:nvPr/>
+        </p:nvSpPr>
+        <p:spPr bwMode="auto">
+          <a:xfrm>
+            <a:off x="2468563" y="4587875"/>
+            <a:ext cx="2611437" cy="266700"/>
+          </a:xfrm>
+          <a:prstGeom prst="rect">
+            <a:avLst/>
+          </a:prstGeom>
+          <a:noFill/>
+          <a:ln w="76200">
+            <a:solidFill>
+              <a:schemeClr val="accent1"/>
+            </a:solidFill>
+            <a:round/>
+            <a:headEnd/>
+            <a:tailEnd/>
+          </a:ln>
+          <a:extLst>
+            <a:ext uri="{909E8E84-426E-40DD-AFC4-6F175D3DCCD1}">
+              <a14:hiddenFill xmlns:a14="http://schemas.microsoft.com/office/drawing/2010/main">
+                <a:solidFill>
+                  <a:srgbClr val="FFFFFF"/>
+                </a:solidFill>
+              </a14:hiddenFill>
+            </a:ext>
+          </a:extLst>
+        </p:spPr>
+        <p:txBody>
+          <a:bodyPr/>
+          <a:lstStyle>
+            <a:lvl1pPr>
+              <a:spcBef>
+                <a:spcPct val="20000"/>
+              </a:spcBef>
+              <a:buClr>
+                <a:srgbClr val="000080"/>
+              </a:buClr>
+              <a:buFont typeface="Times" charset="0"/>
+              <a:buChar char="•"/>
+              <a:defRPr kumimoji="1" sz="3200">
+                <a:solidFill>
+                  <a:schemeClr val="tx2"/>
+                </a:solidFill>
+                <a:latin typeface="Arial" charset="0"/>
+                <a:ea typeface="ＭＳ Ｐゴシック" charset="-128"/>
+              </a:defRPr>
+            </a:lvl1pPr>
+            <a:lvl2pPr marL="742950" indent="-285750">
+              <a:spcBef>
+                <a:spcPct val="20000"/>
+              </a:spcBef>
+              <a:buClr>
+                <a:srgbClr val="3C0000"/>
+              </a:buClr>
+              <a:buFont typeface="Symbol" charset="2"/>
+              <a:buChar char=""/>
+              <a:defRPr kumimoji="1" sz="2800">
+                <a:solidFill>
+                  <a:schemeClr val="tx2"/>
+                </a:solidFill>
+                <a:latin typeface="Arial" charset="0"/>
+                <a:ea typeface="ＭＳ Ｐゴシック" charset="-128"/>
+              </a:defRPr>
+            </a:lvl2pPr>
+            <a:lvl3pPr marL="1143000" indent="-228600">
+              <a:spcBef>
+                <a:spcPct val="20000"/>
+              </a:spcBef>
+              <a:buClr>
+                <a:srgbClr val="3C0000"/>
+              </a:buClr>
+              <a:buFont typeface="Wingdings" charset="2"/>
+              <a:buChar char="§"/>
+              <a:defRPr kumimoji="1" sz="2400">
+                <a:solidFill>
+                  <a:schemeClr val="tx2"/>
+                </a:solidFill>
+                <a:latin typeface="Arial" charset="0"/>
+                <a:ea typeface="ＭＳ Ｐゴシック" charset="-128"/>
+              </a:defRPr>
+            </a:lvl3pPr>
+            <a:lvl4pPr marL="1600200" indent="-228600">
+              <a:spcBef>
+                <a:spcPct val="20000"/>
+              </a:spcBef>
+              <a:buClr>
+                <a:srgbClr val="3C0000"/>
+              </a:buClr>
+              <a:buFont typeface="Wingdings" charset="2"/>
+              <a:buChar char=""/>
+              <a:defRPr kumimoji="1" sz="2000">
+                <a:solidFill>
+                  <a:schemeClr val="tx2"/>
+                </a:solidFill>
+                <a:latin typeface="Arial" charset="0"/>
+                <a:ea typeface="ＭＳ Ｐゴシック" charset="-128"/>
+              </a:defRPr>
+            </a:lvl4pPr>
+            <a:lvl5pPr marL="2057400" indent="-228600">
+              <a:spcBef>
+                <a:spcPct val="20000"/>
+              </a:spcBef>
+              <a:buClr>
+                <a:srgbClr val="3C0000"/>
+              </a:buClr>
+              <a:buFont typeface="Wingdings" charset="2"/>
+              <a:buChar char=""/>
+              <a:defRPr kumimoji="1" sz="2000">
+                <a:solidFill>
+                  <a:schemeClr val="tx2"/>
+                </a:solidFill>
+                <a:latin typeface="Arial" charset="0"/>
+                <a:ea typeface="ＭＳ Ｐゴシック" charset="-128"/>
+              </a:defRPr>
+            </a:lvl5pPr>
+            <a:lvl6pPr marL="2514600" indent="-228600" eaLnBrk="0" fontAlgn="base" hangingPunct="0">
+              <a:spcBef>
+                <a:spcPct val="20000"/>
+              </a:spcBef>
+              <a:spcAft>
+                <a:spcPct val="0"/>
+              </a:spcAft>
+              <a:buClr>
+                <a:srgbClr val="3C0000"/>
+              </a:buClr>
+              <a:buFont typeface="Wingdings" charset="2"/>
+              <a:buChar char=""/>
+              <a:defRPr kumimoji="1" sz="2000">
+                <a:solidFill>
+                  <a:schemeClr val="tx2"/>
+                </a:solidFill>
+                <a:latin typeface="Arial" charset="0"/>
+                <a:ea typeface="ＭＳ Ｐゴシック" charset="-128"/>
+              </a:defRPr>
+            </a:lvl6pPr>
+            <a:lvl7pPr marL="2971800" indent="-228600" eaLnBrk="0" fontAlgn="base" hangingPunct="0">
+              <a:spcBef>
+                <a:spcPct val="20000"/>
+              </a:spcBef>
+              <a:spcAft>
+                <a:spcPct val="0"/>
+              </a:spcAft>
+              <a:buClr>
+                <a:srgbClr val="3C0000"/>
+              </a:buClr>
+              <a:buFont typeface="Wingdings" charset="2"/>
+              <a:buChar char=""/>
+              <a:defRPr kumimoji="1" sz="2000">
+                <a:solidFill>
+                  <a:schemeClr val="tx2"/>
+                </a:solidFill>
+                <a:latin typeface="Arial" charset="0"/>
+                <a:ea typeface="ＭＳ Ｐゴシック" charset="-128"/>
+              </a:defRPr>
+            </a:lvl7pPr>
+            <a:lvl8pPr marL="3429000" indent="-228600" eaLnBrk="0" fontAlgn="base" hangingPunct="0">
+              <a:spcBef>
+                <a:spcPct val="20000"/>
+              </a:spcBef>
+              <a:spcAft>
+                <a:spcPct val="0"/>
+              </a:spcAft>
+              <a:buClr>
+                <a:srgbClr val="3C0000"/>
+              </a:buClr>
+              <a:buFont typeface="Wingdings" charset="2"/>
+              <a:buChar char=""/>
+              <a:defRPr kumimoji="1" sz="2000">
+                <a:solidFill>
+                  <a:schemeClr val="tx2"/>
+                </a:solidFill>
+                <a:latin typeface="Arial" charset="0"/>
+                <a:ea typeface="ＭＳ Ｐゴシック" charset="-128"/>
+              </a:defRPr>
+            </a:lvl8pPr>
+            <a:lvl9pPr marL="3886200" indent="-228600" eaLnBrk="0" fontAlgn="base" hangingPunct="0">
+              <a:spcBef>
+                <a:spcPct val="20000"/>
+              </a:spcBef>
+              <a:spcAft>
+                <a:spcPct val="0"/>
+              </a:spcAft>
+              <a:buClr>
+                <a:srgbClr val="3C0000"/>
+              </a:buClr>
+              <a:buFont typeface="Wingdings" charset="2"/>
+              <a:buChar char=""/>
+              <a:defRPr kumimoji="1" sz="2000">
+                <a:solidFill>
+                  <a:schemeClr val="tx2"/>
+                </a:solidFill>
+                <a:latin typeface="Arial" charset="0"/>
+                <a:ea typeface="ＭＳ Ｐゴシック" charset="-128"/>
+              </a:defRPr>
+            </a:lvl9pPr>
+          </a:lstStyle>
+          <a:p>
+            <a:pPr eaLnBrk="1" hangingPunct="1">
+              <a:buClrTx/>
+              <a:buFontTx/>
+              <a:buChar char="•"/>
+            </a:pPr>
+            <a:endParaRPr kumimoji="0" lang="x-none" altLang="x-none" sz="2400">
+              <a:solidFill>
+                <a:schemeClr val="tx1"/>
+              </a:solidFill>
+            </a:endParaRPr>
+          </a:p>
+        </p:txBody>
+      </p:sp>
+      <p:sp>
+        <p:nvSpPr>
+          <p:cNvPr id="34821" name="Right Arrow 5"/>
+          <p:cNvSpPr>
+            <a:spLocks noChangeArrowheads="1"/>
+          </p:cNvSpPr>
+          <p:nvPr/>
+        </p:nvSpPr>
+        <p:spPr bwMode="auto">
+          <a:xfrm rot="5400000">
+            <a:off x="7204869" y="4020344"/>
+            <a:ext cx="1014413" cy="974725"/>
+          </a:xfrm>
+          <a:prstGeom prst="rightArrow">
+            <a:avLst>
+              <a:gd name="adj1" fmla="val 50000"/>
+              <a:gd name="adj2" fmla="val 49873"/>
+            </a:avLst>
+          </a:prstGeom>
+          <a:solidFill>
+            <a:schemeClr val="accent1"/>
+          </a:solidFill>
+          <a:ln>
+            <a:noFill/>
+          </a:ln>
+          <a:extLst>
+            <a:ext uri="{91240B29-F687-4F45-9708-019B960494DF}">
+              <a14:hiddenLine xmlns:a14="http://schemas.microsoft.com/office/drawing/2010/main" w="9525">
+                <a:solidFill>
+                  <a:srgbClr val="000000"/>
+                </a:solidFill>
+                <a:round/>
+                <a:headEnd/>
+                <a:tailEnd/>
+              </a14:hiddenLine>
+            </a:ext>
+          </a:extLst>
+        </p:spPr>
+        <p:txBody>
+          <a:bodyPr/>
+          <a:lstStyle>
+            <a:lvl1pPr>
+              <a:spcBef>
+                <a:spcPct val="20000"/>
+              </a:spcBef>
+              <a:buClr>
+                <a:srgbClr val="000080"/>
+              </a:buClr>
+              <a:buFont typeface="Times" charset="0"/>
+              <a:buChar char="•"/>
+              <a:defRPr kumimoji="1" sz="3200">
+                <a:solidFill>
+                  <a:schemeClr val="tx2"/>
+                </a:solidFill>
+                <a:latin typeface="Arial" charset="0"/>
+                <a:ea typeface="ＭＳ Ｐゴシック" charset="-128"/>
+              </a:defRPr>
+            </a:lvl1pPr>
+            <a:lvl2pPr marL="742950" indent="-285750">
+              <a:spcBef>
+                <a:spcPct val="20000"/>
+              </a:spcBef>
+              <a:buClr>
+                <a:srgbClr val="3C0000"/>
+              </a:buClr>
+              <a:buFont typeface="Symbol" charset="2"/>
+              <a:buChar char=""/>
+              <a:defRPr kumimoji="1" sz="2800">
+                <a:solidFill>
+                  <a:schemeClr val="tx2"/>
+                </a:solidFill>
+                <a:latin typeface="Arial" charset="0"/>
+                <a:ea typeface="ＭＳ Ｐゴシック" charset="-128"/>
+              </a:defRPr>
+            </a:lvl2pPr>
+            <a:lvl3pPr marL="1143000" indent="-228600">
+              <a:spcBef>
+                <a:spcPct val="20000"/>
+              </a:spcBef>
+              <a:buClr>
+                <a:srgbClr val="3C0000"/>
+              </a:buClr>
+              <a:buFont typeface="Wingdings" charset="2"/>
+              <a:buChar char="§"/>
+              <a:defRPr kumimoji="1" sz="2400">
+                <a:solidFill>
+                  <a:schemeClr val="tx2"/>
+                </a:solidFill>
+                <a:latin typeface="Arial" charset="0"/>
+                <a:ea typeface="ＭＳ Ｐゴシック" charset="-128"/>
+              </a:defRPr>
+            </a:lvl3pPr>
+            <a:lvl4pPr marL="1600200" indent="-228600">
+              <a:spcBef>
+                <a:spcPct val="20000"/>
+              </a:spcBef>
+              <a:buClr>
+                <a:srgbClr val="3C0000"/>
+              </a:buClr>
+              <a:buFont typeface="Wingdings" charset="2"/>
+              <a:buChar char=""/>
+              <a:defRPr kumimoji="1" sz="2000">
+                <a:solidFill>
+                  <a:schemeClr val="tx2"/>
+                </a:solidFill>
+                <a:latin typeface="Arial" charset="0"/>
+                <a:ea typeface="ＭＳ Ｐゴシック" charset="-128"/>
+              </a:defRPr>
+            </a:lvl4pPr>
+            <a:lvl5pPr marL="2057400" indent="-228600">
+              <a:spcBef>
+                <a:spcPct val="20000"/>
+              </a:spcBef>
+              <a:buClr>
+                <a:srgbClr val="3C0000"/>
+              </a:buClr>
+              <a:buFont typeface="Wingdings" charset="2"/>
+              <a:buChar char=""/>
+              <a:defRPr kumimoji="1" sz="2000">
+                <a:solidFill>
+                  <a:schemeClr val="tx2"/>
+                </a:solidFill>
+                <a:latin typeface="Arial" charset="0"/>
+                <a:ea typeface="ＭＳ Ｐゴシック" charset="-128"/>
+              </a:defRPr>
+            </a:lvl5pPr>
+            <a:lvl6pPr marL="2514600" indent="-228600" eaLnBrk="0" fontAlgn="base" hangingPunct="0">
+              <a:spcBef>
+                <a:spcPct val="20000"/>
+              </a:spcBef>
+              <a:spcAft>
+                <a:spcPct val="0"/>
+              </a:spcAft>
+              <a:buClr>
+                <a:srgbClr val="3C0000"/>
+              </a:buClr>
+              <a:buFont typeface="Wingdings" charset="2"/>
+              <a:buChar char=""/>
+              <a:defRPr kumimoji="1" sz="2000">
+                <a:solidFill>
+                  <a:schemeClr val="tx2"/>
+                </a:solidFill>
+                <a:latin typeface="Arial" charset="0"/>
+                <a:ea typeface="ＭＳ Ｐゴシック" charset="-128"/>
+              </a:defRPr>
+            </a:lvl6pPr>
+            <a:lvl7pPr marL="2971800" indent="-228600" eaLnBrk="0" fontAlgn="base" hangingPunct="0">
+              <a:spcBef>
+                <a:spcPct val="20000"/>
+              </a:spcBef>
+              <a:spcAft>
+                <a:spcPct val="0"/>
+              </a:spcAft>
+              <a:buClr>
+                <a:srgbClr val="3C0000"/>
+              </a:buClr>
+              <a:buFont typeface="Wingdings" charset="2"/>
+              <a:buChar char=""/>
+              <a:defRPr kumimoji="1" sz="2000">
+                <a:solidFill>
+                  <a:schemeClr val="tx2"/>
+                </a:solidFill>
+                <a:latin typeface="Arial" charset="0"/>
+                <a:ea typeface="ＭＳ Ｐゴシック" charset="-128"/>
+              </a:defRPr>
+            </a:lvl7pPr>
+            <a:lvl8pPr marL="3429000" indent="-228600" eaLnBrk="0" fontAlgn="base" hangingPunct="0">
+              <a:spcBef>
+                <a:spcPct val="20000"/>
+              </a:spcBef>
+              <a:spcAft>
+                <a:spcPct val="0"/>
+              </a:spcAft>
+              <a:buClr>
+                <a:srgbClr val="3C0000"/>
+              </a:buClr>
+              <a:buFont typeface="Wingdings" charset="2"/>
+              <a:buChar char=""/>
+              <a:defRPr kumimoji="1" sz="2000">
+                <a:solidFill>
+                  <a:schemeClr val="tx2"/>
+                </a:solidFill>
+                <a:latin typeface="Arial" charset="0"/>
+                <a:ea typeface="ＭＳ Ｐゴシック" charset="-128"/>
+              </a:defRPr>
+            </a:lvl8pPr>
+            <a:lvl9pPr marL="3886200" indent="-228600" eaLnBrk="0" fontAlgn="base" hangingPunct="0">
+              <a:spcBef>
+                <a:spcPct val="20000"/>
+              </a:spcBef>
+              <a:spcAft>
+                <a:spcPct val="0"/>
+              </a:spcAft>
+              <a:buClr>
+                <a:srgbClr val="3C0000"/>
+              </a:buClr>
+              <a:buFont typeface="Wingdings" charset="2"/>
+              <a:buChar char=""/>
+              <a:defRPr kumimoji="1" sz="2000">
+                <a:solidFill>
+                  <a:schemeClr val="tx2"/>
+                </a:solidFill>
+                <a:latin typeface="Arial" charset="0"/>
+                <a:ea typeface="ＭＳ Ｐゴシック" charset="-128"/>
+              </a:defRPr>
+            </a:lvl9pPr>
+          </a:lstStyle>
+          <a:p>
+            <a:pPr eaLnBrk="1" hangingPunct="1">
+              <a:buClrTx/>
+              <a:buFontTx/>
+              <a:buChar char="•"/>
+            </a:pPr>
+            <a:endParaRPr kumimoji="0" lang="x-none" altLang="x-none" sz="2400">
+              <a:solidFill>
+                <a:schemeClr val="tx1"/>
+              </a:solidFill>
+            </a:endParaRPr>
+          </a:p>
+        </p:txBody>
+      </p:sp>
+    </p:spTree>
+  </p:cSld>
+  <p:clrMapOvr>
+    <a:masterClrMapping/>
+  </p:clrMapOvr>
+  <p:timing>
+    <p:tnLst>
+      <p:par>
+        <p:cTn id="1" dur="indefinite" restart="never" nodeType="tmRoot"/>
+      </p:par>
+    </p:tnLst>
+  </p:timing>
+</p:sld>
+</file>
+
+<file path=ppt/slides/slide13.xml><?xml version="1.0" encoding="utf-8"?>
+<p:sld xmlns:a="http://schemas.openxmlformats.org/drawingml/2006/main" xmlns:r="http://schemas.openxmlformats.org/officeDocument/2006/relationships" xmlns:p="http://schemas.openxmlformats.org/presentationml/2006/main">
+  <p:cSld>
+    <p:spTree>
+      <p:nvGrpSpPr>
+        <p:cNvPr id="1" name=""/>
+        <p:cNvGrpSpPr/>
+        <p:nvPr/>
+      </p:nvGrpSpPr>
+      <p:grpSpPr>
+        <a:xfrm>
+          <a:off x="0" y="0"/>
+          <a:ext cx="0" cy="0"/>
+          <a:chOff x="0" y="0"/>
+          <a:chExt cx="0" cy="0"/>
+        </a:xfrm>
+      </p:grpSpPr>
+      <p:sp>
+        <p:nvSpPr>
           <p:cNvPr id="36865" name="Title 1"/>
           <p:cNvSpPr>
             <a:spLocks noGrp="1"/>
@@ -4534,2366 +6876,11 @@
                 <a:buFontTx/>
                 <a:buNone/>
               </a:pPr>
-              <a:t>10</a:t>
-            </a:fld>
-            <a:endParaRPr kumimoji="0" lang="en-US" altLang="x-none" sz="1400">
-              <a:solidFill>
-                <a:srgbClr val="FF8000"/>
-              </a:solidFill>
-            </a:endParaRPr>
-          </a:p>
-        </p:txBody>
-      </p:sp>
-    </p:spTree>
-  </p:cSld>
-  <p:clrMapOvr>
-    <a:masterClrMapping/>
-  </p:clrMapOvr>
-  <p:timing>
-    <p:tnLst>
-      <p:par>
-        <p:cTn id="1" dur="indefinite" restart="never" nodeType="tmRoot"/>
-      </p:par>
-    </p:tnLst>
-  </p:timing>
-</p:sld>
-</file>
-
-<file path=ppt/slides/slide11.xml><?xml version="1.0" encoding="utf-8"?>
-<p:sld xmlns:a="http://schemas.openxmlformats.org/drawingml/2006/main" xmlns:r="http://schemas.openxmlformats.org/officeDocument/2006/relationships" xmlns:p="http://schemas.openxmlformats.org/presentationml/2006/main">
-  <p:cSld>
-    <p:spTree>
-      <p:nvGrpSpPr>
-        <p:cNvPr id="1" name=""/>
-        <p:cNvGrpSpPr/>
-        <p:nvPr/>
-      </p:nvGrpSpPr>
-      <p:grpSpPr>
-        <a:xfrm>
-          <a:off x="0" y="0"/>
-          <a:ext cx="0" cy="0"/>
-          <a:chOff x="0" y="0"/>
-          <a:chExt cx="0" cy="0"/>
-        </a:xfrm>
-      </p:grpSpPr>
-      <p:sp>
-        <p:nvSpPr>
-          <p:cNvPr id="32769" name="Title 1"/>
-          <p:cNvSpPr>
-            <a:spLocks noGrp="1"/>
-          </p:cNvSpPr>
-          <p:nvPr>
-            <p:ph type="title"/>
-          </p:nvPr>
-        </p:nvSpPr>
-        <p:spPr/>
-        <p:txBody>
-          <a:bodyPr/>
-          <a:lstStyle/>
-          <a:p>
-            <a:r>
-              <a:rPr lang="en-US" altLang="x-none">
-                <a:latin typeface="Futura" charset="0"/>
-                <a:cs typeface="Helvetica" charset="0"/>
-              </a:rPr>
-              <a:t>… to the real world</a:t>
-            </a:r>
-          </a:p>
-        </p:txBody>
-      </p:sp>
-      <p:sp>
-        <p:nvSpPr>
-          <p:cNvPr id="32770" name="Slide Number Placeholder 3"/>
-          <p:cNvSpPr>
-            <a:spLocks noGrp="1"/>
-          </p:cNvSpPr>
-          <p:nvPr>
-            <p:ph type="sldNum" sz="quarter" idx="10"/>
-          </p:nvPr>
-        </p:nvSpPr>
-        <p:spPr>
-          <a:noFill/>
-          <a:ln/>
-          <a:extLst>
-            <a:ext uri="{909E8E84-426E-40DD-AFC4-6F175D3DCCD1}">
-              <a14:hiddenFill xmlns:a14="http://schemas.microsoft.com/office/drawing/2010/main">
-                <a:solidFill>
-                  <a:srgbClr val="FFFFFF"/>
-                </a:solidFill>
-              </a14:hiddenFill>
-            </a:ext>
-            <a:ext uri="{91240B29-F687-4F45-9708-019B960494DF}">
-              <a14:hiddenLine xmlns:a14="http://schemas.microsoft.com/office/drawing/2010/main" w="9525">
-                <a:solidFill>
-                  <a:srgbClr val="000000"/>
-                </a:solidFill>
-                <a:miter lim="800000"/>
-                <a:headEnd/>
-                <a:tailEnd/>
-              </a14:hiddenLine>
-            </a:ext>
-          </a:extLst>
-        </p:spPr>
-        <p:txBody>
-          <a:bodyPr/>
-          <a:lstStyle>
-            <a:lvl1pPr>
-              <a:spcBef>
-                <a:spcPct val="20000"/>
-              </a:spcBef>
-              <a:buClr>
-                <a:srgbClr val="000080"/>
-              </a:buClr>
-              <a:buFont typeface="Times" charset="0"/>
-              <a:buChar char="•"/>
-              <a:defRPr kumimoji="1" sz="3200">
-                <a:solidFill>
-                  <a:schemeClr val="tx2"/>
-                </a:solidFill>
-                <a:latin typeface="Arial" charset="0"/>
-                <a:ea typeface="ＭＳ Ｐゴシック" charset="-128"/>
-              </a:defRPr>
-            </a:lvl1pPr>
-            <a:lvl2pPr marL="742950" indent="-285750">
-              <a:spcBef>
-                <a:spcPct val="20000"/>
-              </a:spcBef>
-              <a:buClr>
-                <a:srgbClr val="3C0000"/>
-              </a:buClr>
-              <a:buFont typeface="Symbol" charset="2"/>
-              <a:buChar char=""/>
-              <a:defRPr kumimoji="1" sz="2800">
-                <a:solidFill>
-                  <a:schemeClr val="tx2"/>
-                </a:solidFill>
-                <a:latin typeface="Arial" charset="0"/>
-                <a:ea typeface="ＭＳ Ｐゴシック" charset="-128"/>
-              </a:defRPr>
-            </a:lvl2pPr>
-            <a:lvl3pPr marL="1143000" indent="-228600">
-              <a:spcBef>
-                <a:spcPct val="20000"/>
-              </a:spcBef>
-              <a:buClr>
-                <a:srgbClr val="3C0000"/>
-              </a:buClr>
-              <a:buFont typeface="Wingdings" charset="2"/>
-              <a:buChar char="§"/>
-              <a:defRPr kumimoji="1" sz="2400">
-                <a:solidFill>
-                  <a:schemeClr val="tx2"/>
-                </a:solidFill>
-                <a:latin typeface="Arial" charset="0"/>
-                <a:ea typeface="ＭＳ Ｐゴシック" charset="-128"/>
-              </a:defRPr>
-            </a:lvl3pPr>
-            <a:lvl4pPr marL="1600200" indent="-228600">
-              <a:spcBef>
-                <a:spcPct val="20000"/>
-              </a:spcBef>
-              <a:buClr>
-                <a:srgbClr val="3C0000"/>
-              </a:buClr>
-              <a:buFont typeface="Wingdings" charset="2"/>
-              <a:buChar char=""/>
-              <a:defRPr kumimoji="1" sz="2000">
-                <a:solidFill>
-                  <a:schemeClr val="tx2"/>
-                </a:solidFill>
-                <a:latin typeface="Arial" charset="0"/>
-                <a:ea typeface="ＭＳ Ｐゴシック" charset="-128"/>
-              </a:defRPr>
-            </a:lvl4pPr>
-            <a:lvl5pPr marL="2057400" indent="-228600">
-              <a:spcBef>
-                <a:spcPct val="20000"/>
-              </a:spcBef>
-              <a:buClr>
-                <a:srgbClr val="3C0000"/>
-              </a:buClr>
-              <a:buFont typeface="Wingdings" charset="2"/>
-              <a:buChar char=""/>
-              <a:defRPr kumimoji="1" sz="2000">
-                <a:solidFill>
-                  <a:schemeClr val="tx2"/>
-                </a:solidFill>
-                <a:latin typeface="Arial" charset="0"/>
-                <a:ea typeface="ＭＳ Ｐゴシック" charset="-128"/>
-              </a:defRPr>
-            </a:lvl5pPr>
-            <a:lvl6pPr marL="2514600" indent="-228600" eaLnBrk="0" fontAlgn="base" hangingPunct="0">
-              <a:spcBef>
-                <a:spcPct val="20000"/>
-              </a:spcBef>
-              <a:spcAft>
-                <a:spcPct val="0"/>
-              </a:spcAft>
-              <a:buClr>
-                <a:srgbClr val="3C0000"/>
-              </a:buClr>
-              <a:buFont typeface="Wingdings" charset="2"/>
-              <a:buChar char=""/>
-              <a:defRPr kumimoji="1" sz="2000">
-                <a:solidFill>
-                  <a:schemeClr val="tx2"/>
-                </a:solidFill>
-                <a:latin typeface="Arial" charset="0"/>
-                <a:ea typeface="ＭＳ Ｐゴシック" charset="-128"/>
-              </a:defRPr>
-            </a:lvl6pPr>
-            <a:lvl7pPr marL="2971800" indent="-228600" eaLnBrk="0" fontAlgn="base" hangingPunct="0">
-              <a:spcBef>
-                <a:spcPct val="20000"/>
-              </a:spcBef>
-              <a:spcAft>
-                <a:spcPct val="0"/>
-              </a:spcAft>
-              <a:buClr>
-                <a:srgbClr val="3C0000"/>
-              </a:buClr>
-              <a:buFont typeface="Wingdings" charset="2"/>
-              <a:buChar char=""/>
-              <a:defRPr kumimoji="1" sz="2000">
-                <a:solidFill>
-                  <a:schemeClr val="tx2"/>
-                </a:solidFill>
-                <a:latin typeface="Arial" charset="0"/>
-                <a:ea typeface="ＭＳ Ｐゴシック" charset="-128"/>
-              </a:defRPr>
-            </a:lvl7pPr>
-            <a:lvl8pPr marL="3429000" indent="-228600" eaLnBrk="0" fontAlgn="base" hangingPunct="0">
-              <a:spcBef>
-                <a:spcPct val="20000"/>
-              </a:spcBef>
-              <a:spcAft>
-                <a:spcPct val="0"/>
-              </a:spcAft>
-              <a:buClr>
-                <a:srgbClr val="3C0000"/>
-              </a:buClr>
-              <a:buFont typeface="Wingdings" charset="2"/>
-              <a:buChar char=""/>
-              <a:defRPr kumimoji="1" sz="2000">
-                <a:solidFill>
-                  <a:schemeClr val="tx2"/>
-                </a:solidFill>
-                <a:latin typeface="Arial" charset="0"/>
-                <a:ea typeface="ＭＳ Ｐゴシック" charset="-128"/>
-              </a:defRPr>
-            </a:lvl8pPr>
-            <a:lvl9pPr marL="3886200" indent="-228600" eaLnBrk="0" fontAlgn="base" hangingPunct="0">
-              <a:spcBef>
-                <a:spcPct val="20000"/>
-              </a:spcBef>
-              <a:spcAft>
-                <a:spcPct val="0"/>
-              </a:spcAft>
-              <a:buClr>
-                <a:srgbClr val="3C0000"/>
-              </a:buClr>
-              <a:buFont typeface="Wingdings" charset="2"/>
-              <a:buChar char=""/>
-              <a:defRPr kumimoji="1" sz="2000">
-                <a:solidFill>
-                  <a:schemeClr val="tx2"/>
-                </a:solidFill>
-                <a:latin typeface="Arial" charset="0"/>
-                <a:ea typeface="ＭＳ Ｐゴシック" charset="-128"/>
-              </a:defRPr>
-            </a:lvl9pPr>
-          </a:lstStyle>
-          <a:p>
-            <a:pPr>
-              <a:spcBef>
-                <a:spcPct val="0"/>
-              </a:spcBef>
-              <a:buClrTx/>
-              <a:buFontTx/>
-              <a:buNone/>
-            </a:pPr>
-            <a:fld id="{400D195C-3EBB-914A-B29F-CC788E253E3E}" type="slidenum">
-              <a:rPr kumimoji="0" lang="en-US" altLang="x-none" sz="1400">
-                <a:solidFill>
-                  <a:srgbClr val="FF8000"/>
-                </a:solidFill>
-              </a:rPr>
-              <a:pPr>
-                <a:spcBef>
-                  <a:spcPct val="0"/>
-                </a:spcBef>
-                <a:buClrTx/>
-                <a:buFontTx/>
-                <a:buNone/>
-              </a:pPr>
-              <a:t>11</a:t>
-            </a:fld>
-            <a:endParaRPr kumimoji="0" lang="en-US" altLang="x-none" sz="1400">
-              <a:solidFill>
-                <a:srgbClr val="FF8000"/>
-              </a:solidFill>
-            </a:endParaRPr>
-          </a:p>
-        </p:txBody>
-      </p:sp>
-      <p:pic>
-        <p:nvPicPr>
-          <p:cNvPr id="32771" name="Picture 1" descr="Screen Shot 2014-07-01 at 10.17.39 PM.png"/>
-          <p:cNvPicPr>
-            <a:picLocks noChangeAspect="1"/>
-          </p:cNvPicPr>
-          <p:nvPr/>
-        </p:nvPicPr>
-        <p:blipFill>
-          <a:blip r:embed="rId2">
-            <a:extLst>
-              <a:ext uri="{28A0092B-C50C-407E-A947-70E740481C1C}">
-                <a14:useLocalDpi xmlns:a14="http://schemas.microsoft.com/office/drawing/2010/main" val="0"/>
-              </a:ext>
-            </a:extLst>
-          </a:blip>
-          <a:srcRect/>
-          <a:stretch>
-            <a:fillRect/>
-          </a:stretch>
-        </p:blipFill>
-        <p:spPr bwMode="auto">
-          <a:xfrm>
-            <a:off x="617538" y="212725"/>
-            <a:ext cx="7934325" cy="4889500"/>
-          </a:xfrm>
-          <a:prstGeom prst="rect">
-            <a:avLst/>
-          </a:prstGeom>
-          <a:noFill/>
-          <a:ln>
-            <a:noFill/>
-          </a:ln>
-          <a:extLst>
-            <a:ext uri="{909E8E84-426E-40DD-AFC4-6F175D3DCCD1}">
-              <a14:hiddenFill xmlns:a14="http://schemas.microsoft.com/office/drawing/2010/main">
-                <a:solidFill>
-                  <a:srgbClr val="FFFFFF"/>
-                </a:solidFill>
-              </a14:hiddenFill>
-            </a:ext>
-            <a:ext uri="{91240B29-F687-4F45-9708-019B960494DF}">
-              <a14:hiddenLine xmlns:a14="http://schemas.microsoft.com/office/drawing/2010/main" w="9525">
-                <a:solidFill>
-                  <a:srgbClr val="000000"/>
-                </a:solidFill>
-                <a:miter lim="800000"/>
-                <a:headEnd/>
-                <a:tailEnd/>
-              </a14:hiddenLine>
-            </a:ext>
-          </a:extLst>
-        </p:spPr>
-      </p:pic>
-      <p:sp>
-        <p:nvSpPr>
-          <p:cNvPr id="32772" name="Rectangle 2"/>
-          <p:cNvSpPr>
-            <a:spLocks noChangeArrowheads="1"/>
-          </p:cNvSpPr>
-          <p:nvPr/>
-        </p:nvSpPr>
-        <p:spPr bwMode="auto">
-          <a:xfrm>
-            <a:off x="6473825" y="528638"/>
-            <a:ext cx="833438" cy="412750"/>
-          </a:xfrm>
-          <a:prstGeom prst="rect">
-            <a:avLst/>
-          </a:prstGeom>
-          <a:noFill/>
-          <a:ln w="76200">
-            <a:solidFill>
-              <a:schemeClr val="accent1"/>
-            </a:solidFill>
-            <a:round/>
-            <a:headEnd/>
-            <a:tailEnd/>
-          </a:ln>
-          <a:extLst>
-            <a:ext uri="{909E8E84-426E-40DD-AFC4-6F175D3DCCD1}">
-              <a14:hiddenFill xmlns:a14="http://schemas.microsoft.com/office/drawing/2010/main">
-                <a:solidFill>
-                  <a:srgbClr val="FFFFFF"/>
-                </a:solidFill>
-              </a14:hiddenFill>
-            </a:ext>
-          </a:extLst>
-        </p:spPr>
-        <p:txBody>
-          <a:bodyPr/>
-          <a:lstStyle>
-            <a:lvl1pPr>
-              <a:spcBef>
-                <a:spcPct val="20000"/>
-              </a:spcBef>
-              <a:buClr>
-                <a:srgbClr val="000080"/>
-              </a:buClr>
-              <a:buFont typeface="Times" charset="0"/>
-              <a:buChar char="•"/>
-              <a:defRPr kumimoji="1" sz="3200">
-                <a:solidFill>
-                  <a:schemeClr val="tx2"/>
-                </a:solidFill>
-                <a:latin typeface="Arial" charset="0"/>
-                <a:ea typeface="ＭＳ Ｐゴシック" charset="-128"/>
-              </a:defRPr>
-            </a:lvl1pPr>
-            <a:lvl2pPr marL="742950" indent="-285750">
-              <a:spcBef>
-                <a:spcPct val="20000"/>
-              </a:spcBef>
-              <a:buClr>
-                <a:srgbClr val="3C0000"/>
-              </a:buClr>
-              <a:buFont typeface="Symbol" charset="2"/>
-              <a:buChar char=""/>
-              <a:defRPr kumimoji="1" sz="2800">
-                <a:solidFill>
-                  <a:schemeClr val="tx2"/>
-                </a:solidFill>
-                <a:latin typeface="Arial" charset="0"/>
-                <a:ea typeface="ＭＳ Ｐゴシック" charset="-128"/>
-              </a:defRPr>
-            </a:lvl2pPr>
-            <a:lvl3pPr marL="1143000" indent="-228600">
-              <a:spcBef>
-                <a:spcPct val="20000"/>
-              </a:spcBef>
-              <a:buClr>
-                <a:srgbClr val="3C0000"/>
-              </a:buClr>
-              <a:buFont typeface="Wingdings" charset="2"/>
-              <a:buChar char="§"/>
-              <a:defRPr kumimoji="1" sz="2400">
-                <a:solidFill>
-                  <a:schemeClr val="tx2"/>
-                </a:solidFill>
-                <a:latin typeface="Arial" charset="0"/>
-                <a:ea typeface="ＭＳ Ｐゴシック" charset="-128"/>
-              </a:defRPr>
-            </a:lvl3pPr>
-            <a:lvl4pPr marL="1600200" indent="-228600">
-              <a:spcBef>
-                <a:spcPct val="20000"/>
-              </a:spcBef>
-              <a:buClr>
-                <a:srgbClr val="3C0000"/>
-              </a:buClr>
-              <a:buFont typeface="Wingdings" charset="2"/>
-              <a:buChar char=""/>
-              <a:defRPr kumimoji="1" sz="2000">
-                <a:solidFill>
-                  <a:schemeClr val="tx2"/>
-                </a:solidFill>
-                <a:latin typeface="Arial" charset="0"/>
-                <a:ea typeface="ＭＳ Ｐゴシック" charset="-128"/>
-              </a:defRPr>
-            </a:lvl4pPr>
-            <a:lvl5pPr marL="2057400" indent="-228600">
-              <a:spcBef>
-                <a:spcPct val="20000"/>
-              </a:spcBef>
-              <a:buClr>
-                <a:srgbClr val="3C0000"/>
-              </a:buClr>
-              <a:buFont typeface="Wingdings" charset="2"/>
-              <a:buChar char=""/>
-              <a:defRPr kumimoji="1" sz="2000">
-                <a:solidFill>
-                  <a:schemeClr val="tx2"/>
-                </a:solidFill>
-                <a:latin typeface="Arial" charset="0"/>
-                <a:ea typeface="ＭＳ Ｐゴシック" charset="-128"/>
-              </a:defRPr>
-            </a:lvl5pPr>
-            <a:lvl6pPr marL="2514600" indent="-228600" eaLnBrk="0" fontAlgn="base" hangingPunct="0">
-              <a:spcBef>
-                <a:spcPct val="20000"/>
-              </a:spcBef>
-              <a:spcAft>
-                <a:spcPct val="0"/>
-              </a:spcAft>
-              <a:buClr>
-                <a:srgbClr val="3C0000"/>
-              </a:buClr>
-              <a:buFont typeface="Wingdings" charset="2"/>
-              <a:buChar char=""/>
-              <a:defRPr kumimoji="1" sz="2000">
-                <a:solidFill>
-                  <a:schemeClr val="tx2"/>
-                </a:solidFill>
-                <a:latin typeface="Arial" charset="0"/>
-                <a:ea typeface="ＭＳ Ｐゴシック" charset="-128"/>
-              </a:defRPr>
-            </a:lvl6pPr>
-            <a:lvl7pPr marL="2971800" indent="-228600" eaLnBrk="0" fontAlgn="base" hangingPunct="0">
-              <a:spcBef>
-                <a:spcPct val="20000"/>
-              </a:spcBef>
-              <a:spcAft>
-                <a:spcPct val="0"/>
-              </a:spcAft>
-              <a:buClr>
-                <a:srgbClr val="3C0000"/>
-              </a:buClr>
-              <a:buFont typeface="Wingdings" charset="2"/>
-              <a:buChar char=""/>
-              <a:defRPr kumimoji="1" sz="2000">
-                <a:solidFill>
-                  <a:schemeClr val="tx2"/>
-                </a:solidFill>
-                <a:latin typeface="Arial" charset="0"/>
-                <a:ea typeface="ＭＳ Ｐゴシック" charset="-128"/>
-              </a:defRPr>
-            </a:lvl7pPr>
-            <a:lvl8pPr marL="3429000" indent="-228600" eaLnBrk="0" fontAlgn="base" hangingPunct="0">
-              <a:spcBef>
-                <a:spcPct val="20000"/>
-              </a:spcBef>
-              <a:spcAft>
-                <a:spcPct val="0"/>
-              </a:spcAft>
-              <a:buClr>
-                <a:srgbClr val="3C0000"/>
-              </a:buClr>
-              <a:buFont typeface="Wingdings" charset="2"/>
-              <a:buChar char=""/>
-              <a:defRPr kumimoji="1" sz="2000">
-                <a:solidFill>
-                  <a:schemeClr val="tx2"/>
-                </a:solidFill>
-                <a:latin typeface="Arial" charset="0"/>
-                <a:ea typeface="ＭＳ Ｐゴシック" charset="-128"/>
-              </a:defRPr>
-            </a:lvl8pPr>
-            <a:lvl9pPr marL="3886200" indent="-228600" eaLnBrk="0" fontAlgn="base" hangingPunct="0">
-              <a:spcBef>
-                <a:spcPct val="20000"/>
-              </a:spcBef>
-              <a:spcAft>
-                <a:spcPct val="0"/>
-              </a:spcAft>
-              <a:buClr>
-                <a:srgbClr val="3C0000"/>
-              </a:buClr>
-              <a:buFont typeface="Wingdings" charset="2"/>
-              <a:buChar char=""/>
-              <a:defRPr kumimoji="1" sz="2000">
-                <a:solidFill>
-                  <a:schemeClr val="tx2"/>
-                </a:solidFill>
-                <a:latin typeface="Arial" charset="0"/>
-                <a:ea typeface="ＭＳ Ｐゴシック" charset="-128"/>
-              </a:defRPr>
-            </a:lvl9pPr>
-          </a:lstStyle>
-          <a:p>
-            <a:pPr eaLnBrk="1" hangingPunct="1">
-              <a:buClrTx/>
-              <a:buFontTx/>
-              <a:buChar char="•"/>
-            </a:pPr>
-            <a:endParaRPr kumimoji="0" lang="x-none" altLang="x-none" sz="2400">
-              <a:solidFill>
-                <a:schemeClr val="tx1"/>
-              </a:solidFill>
-            </a:endParaRPr>
-          </a:p>
-        </p:txBody>
-      </p:sp>
-      <p:sp>
-        <p:nvSpPr>
-          <p:cNvPr id="32773" name="Right Arrow 3"/>
-          <p:cNvSpPr>
-            <a:spLocks noChangeArrowheads="1"/>
-          </p:cNvSpPr>
-          <p:nvPr/>
-        </p:nvSpPr>
-        <p:spPr bwMode="auto">
-          <a:xfrm rot="-5400000">
-            <a:off x="6403976" y="1000125"/>
-            <a:ext cx="1016000" cy="974725"/>
-          </a:xfrm>
-          <a:prstGeom prst="rightArrow">
-            <a:avLst>
-              <a:gd name="adj1" fmla="val 50000"/>
-              <a:gd name="adj2" fmla="val 49951"/>
-            </a:avLst>
-          </a:prstGeom>
-          <a:solidFill>
-            <a:schemeClr val="accent1"/>
-          </a:solidFill>
-          <a:ln>
-            <a:noFill/>
-          </a:ln>
-          <a:extLst>
-            <a:ext uri="{91240B29-F687-4F45-9708-019B960494DF}">
-              <a14:hiddenLine xmlns:a14="http://schemas.microsoft.com/office/drawing/2010/main" w="9525">
-                <a:solidFill>
-                  <a:srgbClr val="000000"/>
-                </a:solidFill>
-                <a:round/>
-                <a:headEnd/>
-                <a:tailEnd/>
-              </a14:hiddenLine>
-            </a:ext>
-          </a:extLst>
-        </p:spPr>
-        <p:txBody>
-          <a:bodyPr/>
-          <a:lstStyle>
-            <a:lvl1pPr>
-              <a:spcBef>
-                <a:spcPct val="20000"/>
-              </a:spcBef>
-              <a:buClr>
-                <a:srgbClr val="000080"/>
-              </a:buClr>
-              <a:buFont typeface="Times" charset="0"/>
-              <a:buChar char="•"/>
-              <a:defRPr kumimoji="1" sz="3200">
-                <a:solidFill>
-                  <a:schemeClr val="tx2"/>
-                </a:solidFill>
-                <a:latin typeface="Arial" charset="0"/>
-                <a:ea typeface="ＭＳ Ｐゴシック" charset="-128"/>
-              </a:defRPr>
-            </a:lvl1pPr>
-            <a:lvl2pPr marL="742950" indent="-285750">
-              <a:spcBef>
-                <a:spcPct val="20000"/>
-              </a:spcBef>
-              <a:buClr>
-                <a:srgbClr val="3C0000"/>
-              </a:buClr>
-              <a:buFont typeface="Symbol" charset="2"/>
-              <a:buChar char=""/>
-              <a:defRPr kumimoji="1" sz="2800">
-                <a:solidFill>
-                  <a:schemeClr val="tx2"/>
-                </a:solidFill>
-                <a:latin typeface="Arial" charset="0"/>
-                <a:ea typeface="ＭＳ Ｐゴシック" charset="-128"/>
-              </a:defRPr>
-            </a:lvl2pPr>
-            <a:lvl3pPr marL="1143000" indent="-228600">
-              <a:spcBef>
-                <a:spcPct val="20000"/>
-              </a:spcBef>
-              <a:buClr>
-                <a:srgbClr val="3C0000"/>
-              </a:buClr>
-              <a:buFont typeface="Wingdings" charset="2"/>
-              <a:buChar char="§"/>
-              <a:defRPr kumimoji="1" sz="2400">
-                <a:solidFill>
-                  <a:schemeClr val="tx2"/>
-                </a:solidFill>
-                <a:latin typeface="Arial" charset="0"/>
-                <a:ea typeface="ＭＳ Ｐゴシック" charset="-128"/>
-              </a:defRPr>
-            </a:lvl3pPr>
-            <a:lvl4pPr marL="1600200" indent="-228600">
-              <a:spcBef>
-                <a:spcPct val="20000"/>
-              </a:spcBef>
-              <a:buClr>
-                <a:srgbClr val="3C0000"/>
-              </a:buClr>
-              <a:buFont typeface="Wingdings" charset="2"/>
-              <a:buChar char=""/>
-              <a:defRPr kumimoji="1" sz="2000">
-                <a:solidFill>
-                  <a:schemeClr val="tx2"/>
-                </a:solidFill>
-                <a:latin typeface="Arial" charset="0"/>
-                <a:ea typeface="ＭＳ Ｐゴシック" charset="-128"/>
-              </a:defRPr>
-            </a:lvl4pPr>
-            <a:lvl5pPr marL="2057400" indent="-228600">
-              <a:spcBef>
-                <a:spcPct val="20000"/>
-              </a:spcBef>
-              <a:buClr>
-                <a:srgbClr val="3C0000"/>
-              </a:buClr>
-              <a:buFont typeface="Wingdings" charset="2"/>
-              <a:buChar char=""/>
-              <a:defRPr kumimoji="1" sz="2000">
-                <a:solidFill>
-                  <a:schemeClr val="tx2"/>
-                </a:solidFill>
-                <a:latin typeface="Arial" charset="0"/>
-                <a:ea typeface="ＭＳ Ｐゴシック" charset="-128"/>
-              </a:defRPr>
-            </a:lvl5pPr>
-            <a:lvl6pPr marL="2514600" indent="-228600" eaLnBrk="0" fontAlgn="base" hangingPunct="0">
-              <a:spcBef>
-                <a:spcPct val="20000"/>
-              </a:spcBef>
-              <a:spcAft>
-                <a:spcPct val="0"/>
-              </a:spcAft>
-              <a:buClr>
-                <a:srgbClr val="3C0000"/>
-              </a:buClr>
-              <a:buFont typeface="Wingdings" charset="2"/>
-              <a:buChar char=""/>
-              <a:defRPr kumimoji="1" sz="2000">
-                <a:solidFill>
-                  <a:schemeClr val="tx2"/>
-                </a:solidFill>
-                <a:latin typeface="Arial" charset="0"/>
-                <a:ea typeface="ＭＳ Ｐゴシック" charset="-128"/>
-              </a:defRPr>
-            </a:lvl6pPr>
-            <a:lvl7pPr marL="2971800" indent="-228600" eaLnBrk="0" fontAlgn="base" hangingPunct="0">
-              <a:spcBef>
-                <a:spcPct val="20000"/>
-              </a:spcBef>
-              <a:spcAft>
-                <a:spcPct val="0"/>
-              </a:spcAft>
-              <a:buClr>
-                <a:srgbClr val="3C0000"/>
-              </a:buClr>
-              <a:buFont typeface="Wingdings" charset="2"/>
-              <a:buChar char=""/>
-              <a:defRPr kumimoji="1" sz="2000">
-                <a:solidFill>
-                  <a:schemeClr val="tx2"/>
-                </a:solidFill>
-                <a:latin typeface="Arial" charset="0"/>
-                <a:ea typeface="ＭＳ Ｐゴシック" charset="-128"/>
-              </a:defRPr>
-            </a:lvl7pPr>
-            <a:lvl8pPr marL="3429000" indent="-228600" eaLnBrk="0" fontAlgn="base" hangingPunct="0">
-              <a:spcBef>
-                <a:spcPct val="20000"/>
-              </a:spcBef>
-              <a:spcAft>
-                <a:spcPct val="0"/>
-              </a:spcAft>
-              <a:buClr>
-                <a:srgbClr val="3C0000"/>
-              </a:buClr>
-              <a:buFont typeface="Wingdings" charset="2"/>
-              <a:buChar char=""/>
-              <a:defRPr kumimoji="1" sz="2000">
-                <a:solidFill>
-                  <a:schemeClr val="tx2"/>
-                </a:solidFill>
-                <a:latin typeface="Arial" charset="0"/>
-                <a:ea typeface="ＭＳ Ｐゴシック" charset="-128"/>
-              </a:defRPr>
-            </a:lvl8pPr>
-            <a:lvl9pPr marL="3886200" indent="-228600" eaLnBrk="0" fontAlgn="base" hangingPunct="0">
-              <a:spcBef>
-                <a:spcPct val="20000"/>
-              </a:spcBef>
-              <a:spcAft>
-                <a:spcPct val="0"/>
-              </a:spcAft>
-              <a:buClr>
-                <a:srgbClr val="3C0000"/>
-              </a:buClr>
-              <a:buFont typeface="Wingdings" charset="2"/>
-              <a:buChar char=""/>
-              <a:defRPr kumimoji="1" sz="2000">
-                <a:solidFill>
-                  <a:schemeClr val="tx2"/>
-                </a:solidFill>
-                <a:latin typeface="Arial" charset="0"/>
-                <a:ea typeface="ＭＳ Ｐゴシック" charset="-128"/>
-              </a:defRPr>
-            </a:lvl9pPr>
-          </a:lstStyle>
-          <a:p>
-            <a:pPr eaLnBrk="1" hangingPunct="1">
-              <a:buClrTx/>
-              <a:buFontTx/>
-              <a:buChar char="•"/>
-            </a:pPr>
-            <a:endParaRPr kumimoji="0" lang="x-none" altLang="x-none" sz="2400">
-              <a:solidFill>
-                <a:schemeClr val="tx1"/>
-              </a:solidFill>
-            </a:endParaRPr>
-          </a:p>
-        </p:txBody>
-      </p:sp>
-    </p:spTree>
-  </p:cSld>
-  <p:clrMapOvr>
-    <a:masterClrMapping/>
-  </p:clrMapOvr>
-  <p:timing>
-    <p:tnLst>
-      <p:par>
-        <p:cTn id="1" dur="indefinite" restart="never" nodeType="tmRoot"/>
-      </p:par>
-    </p:tnLst>
-  </p:timing>
-</p:sld>
-</file>
-
-<file path=ppt/slides/slide12.xml><?xml version="1.0" encoding="utf-8"?>
-<p:sld xmlns:a="http://schemas.openxmlformats.org/drawingml/2006/main" xmlns:r="http://schemas.openxmlformats.org/officeDocument/2006/relationships" xmlns:p="http://schemas.openxmlformats.org/presentationml/2006/main">
-  <p:cSld>
-    <p:spTree>
-      <p:nvGrpSpPr>
-        <p:cNvPr id="1" name=""/>
-        <p:cNvGrpSpPr/>
-        <p:nvPr/>
-      </p:nvGrpSpPr>
-      <p:grpSpPr>
-        <a:xfrm>
-          <a:off x="0" y="0"/>
-          <a:ext cx="0" cy="0"/>
-          <a:chOff x="0" y="0"/>
-          <a:chExt cx="0" cy="0"/>
-        </a:xfrm>
-      </p:grpSpPr>
-      <p:sp>
-        <p:nvSpPr>
-          <p:cNvPr id="33793" name="Title 1"/>
-          <p:cNvSpPr>
-            <a:spLocks noGrp="1"/>
-          </p:cNvSpPr>
-          <p:nvPr>
-            <p:ph type="title"/>
-          </p:nvPr>
-        </p:nvSpPr>
-        <p:spPr/>
-        <p:txBody>
-          <a:bodyPr/>
-          <a:lstStyle/>
-          <a:p>
-            <a:r>
-              <a:rPr lang="en-US" altLang="x-none">
-                <a:latin typeface="Futura" charset="0"/>
-                <a:cs typeface="Helvetica" charset="0"/>
-              </a:rPr>
-              <a:t>… to the real world</a:t>
-            </a:r>
-          </a:p>
-        </p:txBody>
-      </p:sp>
-      <p:sp>
-        <p:nvSpPr>
-          <p:cNvPr id="33794" name="Slide Number Placeholder 3"/>
-          <p:cNvSpPr>
-            <a:spLocks noGrp="1"/>
-          </p:cNvSpPr>
-          <p:nvPr>
-            <p:ph type="sldNum" sz="quarter" idx="10"/>
-          </p:nvPr>
-        </p:nvSpPr>
-        <p:spPr>
-          <a:noFill/>
-          <a:ln/>
-          <a:extLst>
-            <a:ext uri="{909E8E84-426E-40DD-AFC4-6F175D3DCCD1}">
-              <a14:hiddenFill xmlns:a14="http://schemas.microsoft.com/office/drawing/2010/main">
-                <a:solidFill>
-                  <a:srgbClr val="FFFFFF"/>
-                </a:solidFill>
-              </a14:hiddenFill>
-            </a:ext>
-            <a:ext uri="{91240B29-F687-4F45-9708-019B960494DF}">
-              <a14:hiddenLine xmlns:a14="http://schemas.microsoft.com/office/drawing/2010/main" w="9525">
-                <a:solidFill>
-                  <a:srgbClr val="000000"/>
-                </a:solidFill>
-                <a:miter lim="800000"/>
-                <a:headEnd/>
-                <a:tailEnd/>
-              </a14:hiddenLine>
-            </a:ext>
-          </a:extLst>
-        </p:spPr>
-        <p:txBody>
-          <a:bodyPr/>
-          <a:lstStyle>
-            <a:lvl1pPr>
-              <a:spcBef>
-                <a:spcPct val="20000"/>
-              </a:spcBef>
-              <a:buClr>
-                <a:srgbClr val="000080"/>
-              </a:buClr>
-              <a:buFont typeface="Times" charset="0"/>
-              <a:buChar char="•"/>
-              <a:defRPr kumimoji="1" sz="3200">
-                <a:solidFill>
-                  <a:schemeClr val="tx2"/>
-                </a:solidFill>
-                <a:latin typeface="Arial" charset="0"/>
-                <a:ea typeface="ＭＳ Ｐゴシック" charset="-128"/>
-              </a:defRPr>
-            </a:lvl1pPr>
-            <a:lvl2pPr marL="742950" indent="-285750">
-              <a:spcBef>
-                <a:spcPct val="20000"/>
-              </a:spcBef>
-              <a:buClr>
-                <a:srgbClr val="3C0000"/>
-              </a:buClr>
-              <a:buFont typeface="Symbol" charset="2"/>
-              <a:buChar char=""/>
-              <a:defRPr kumimoji="1" sz="2800">
-                <a:solidFill>
-                  <a:schemeClr val="tx2"/>
-                </a:solidFill>
-                <a:latin typeface="Arial" charset="0"/>
-                <a:ea typeface="ＭＳ Ｐゴシック" charset="-128"/>
-              </a:defRPr>
-            </a:lvl2pPr>
-            <a:lvl3pPr marL="1143000" indent="-228600">
-              <a:spcBef>
-                <a:spcPct val="20000"/>
-              </a:spcBef>
-              <a:buClr>
-                <a:srgbClr val="3C0000"/>
-              </a:buClr>
-              <a:buFont typeface="Wingdings" charset="2"/>
-              <a:buChar char="§"/>
-              <a:defRPr kumimoji="1" sz="2400">
-                <a:solidFill>
-                  <a:schemeClr val="tx2"/>
-                </a:solidFill>
-                <a:latin typeface="Arial" charset="0"/>
-                <a:ea typeface="ＭＳ Ｐゴシック" charset="-128"/>
-              </a:defRPr>
-            </a:lvl3pPr>
-            <a:lvl4pPr marL="1600200" indent="-228600">
-              <a:spcBef>
-                <a:spcPct val="20000"/>
-              </a:spcBef>
-              <a:buClr>
-                <a:srgbClr val="3C0000"/>
-              </a:buClr>
-              <a:buFont typeface="Wingdings" charset="2"/>
-              <a:buChar char=""/>
-              <a:defRPr kumimoji="1" sz="2000">
-                <a:solidFill>
-                  <a:schemeClr val="tx2"/>
-                </a:solidFill>
-                <a:latin typeface="Arial" charset="0"/>
-                <a:ea typeface="ＭＳ Ｐゴシック" charset="-128"/>
-              </a:defRPr>
-            </a:lvl4pPr>
-            <a:lvl5pPr marL="2057400" indent="-228600">
-              <a:spcBef>
-                <a:spcPct val="20000"/>
-              </a:spcBef>
-              <a:buClr>
-                <a:srgbClr val="3C0000"/>
-              </a:buClr>
-              <a:buFont typeface="Wingdings" charset="2"/>
-              <a:buChar char=""/>
-              <a:defRPr kumimoji="1" sz="2000">
-                <a:solidFill>
-                  <a:schemeClr val="tx2"/>
-                </a:solidFill>
-                <a:latin typeface="Arial" charset="0"/>
-                <a:ea typeface="ＭＳ Ｐゴシック" charset="-128"/>
-              </a:defRPr>
-            </a:lvl5pPr>
-            <a:lvl6pPr marL="2514600" indent="-228600" eaLnBrk="0" fontAlgn="base" hangingPunct="0">
-              <a:spcBef>
-                <a:spcPct val="20000"/>
-              </a:spcBef>
-              <a:spcAft>
-                <a:spcPct val="0"/>
-              </a:spcAft>
-              <a:buClr>
-                <a:srgbClr val="3C0000"/>
-              </a:buClr>
-              <a:buFont typeface="Wingdings" charset="2"/>
-              <a:buChar char=""/>
-              <a:defRPr kumimoji="1" sz="2000">
-                <a:solidFill>
-                  <a:schemeClr val="tx2"/>
-                </a:solidFill>
-                <a:latin typeface="Arial" charset="0"/>
-                <a:ea typeface="ＭＳ Ｐゴシック" charset="-128"/>
-              </a:defRPr>
-            </a:lvl6pPr>
-            <a:lvl7pPr marL="2971800" indent="-228600" eaLnBrk="0" fontAlgn="base" hangingPunct="0">
-              <a:spcBef>
-                <a:spcPct val="20000"/>
-              </a:spcBef>
-              <a:spcAft>
-                <a:spcPct val="0"/>
-              </a:spcAft>
-              <a:buClr>
-                <a:srgbClr val="3C0000"/>
-              </a:buClr>
-              <a:buFont typeface="Wingdings" charset="2"/>
-              <a:buChar char=""/>
-              <a:defRPr kumimoji="1" sz="2000">
-                <a:solidFill>
-                  <a:schemeClr val="tx2"/>
-                </a:solidFill>
-                <a:latin typeface="Arial" charset="0"/>
-                <a:ea typeface="ＭＳ Ｐゴシック" charset="-128"/>
-              </a:defRPr>
-            </a:lvl7pPr>
-            <a:lvl8pPr marL="3429000" indent="-228600" eaLnBrk="0" fontAlgn="base" hangingPunct="0">
-              <a:spcBef>
-                <a:spcPct val="20000"/>
-              </a:spcBef>
-              <a:spcAft>
-                <a:spcPct val="0"/>
-              </a:spcAft>
-              <a:buClr>
-                <a:srgbClr val="3C0000"/>
-              </a:buClr>
-              <a:buFont typeface="Wingdings" charset="2"/>
-              <a:buChar char=""/>
-              <a:defRPr kumimoji="1" sz="2000">
-                <a:solidFill>
-                  <a:schemeClr val="tx2"/>
-                </a:solidFill>
-                <a:latin typeface="Arial" charset="0"/>
-                <a:ea typeface="ＭＳ Ｐゴシック" charset="-128"/>
-              </a:defRPr>
-            </a:lvl8pPr>
-            <a:lvl9pPr marL="3886200" indent="-228600" eaLnBrk="0" fontAlgn="base" hangingPunct="0">
-              <a:spcBef>
-                <a:spcPct val="20000"/>
-              </a:spcBef>
-              <a:spcAft>
-                <a:spcPct val="0"/>
-              </a:spcAft>
-              <a:buClr>
-                <a:srgbClr val="3C0000"/>
-              </a:buClr>
-              <a:buFont typeface="Wingdings" charset="2"/>
-              <a:buChar char=""/>
-              <a:defRPr kumimoji="1" sz="2000">
-                <a:solidFill>
-                  <a:schemeClr val="tx2"/>
-                </a:solidFill>
-                <a:latin typeface="Arial" charset="0"/>
-                <a:ea typeface="ＭＳ Ｐゴシック" charset="-128"/>
-              </a:defRPr>
-            </a:lvl9pPr>
-          </a:lstStyle>
-          <a:p>
-            <a:pPr>
-              <a:spcBef>
-                <a:spcPct val="0"/>
-              </a:spcBef>
-              <a:buClrTx/>
-              <a:buFontTx/>
-              <a:buNone/>
-            </a:pPr>
-            <a:fld id="{B0818E29-435B-0248-AD23-F11B67BA0B27}" type="slidenum">
-              <a:rPr kumimoji="0" lang="en-US" altLang="x-none" sz="1400">
-                <a:solidFill>
-                  <a:srgbClr val="FF8000"/>
-                </a:solidFill>
-              </a:rPr>
-              <a:pPr>
-                <a:spcBef>
-                  <a:spcPct val="0"/>
-                </a:spcBef>
-                <a:buClrTx/>
-                <a:buFontTx/>
-                <a:buNone/>
-              </a:pPr>
-              <a:t>12</a:t>
-            </a:fld>
-            <a:endParaRPr kumimoji="0" lang="en-US" altLang="x-none" sz="1400">
-              <a:solidFill>
-                <a:srgbClr val="FF8000"/>
-              </a:solidFill>
-            </a:endParaRPr>
-          </a:p>
-        </p:txBody>
-      </p:sp>
-      <p:pic>
-        <p:nvPicPr>
-          <p:cNvPr id="33795" name="Picture 2" descr="Screen Shot 2014-07-01 at 10.21.14 PM.png"/>
-          <p:cNvPicPr>
-            <a:picLocks noChangeAspect="1"/>
-          </p:cNvPicPr>
-          <p:nvPr/>
-        </p:nvPicPr>
-        <p:blipFill>
-          <a:blip r:embed="rId2">
-            <a:extLst>
-              <a:ext uri="{28A0092B-C50C-407E-A947-70E740481C1C}">
-                <a14:useLocalDpi xmlns:a14="http://schemas.microsoft.com/office/drawing/2010/main" val="0"/>
-              </a:ext>
-            </a:extLst>
-          </a:blip>
-          <a:srcRect/>
-          <a:stretch>
-            <a:fillRect/>
-          </a:stretch>
-        </p:blipFill>
-        <p:spPr bwMode="auto">
-          <a:xfrm>
-            <a:off x="711200" y="31750"/>
-            <a:ext cx="7759700" cy="5110163"/>
-          </a:xfrm>
-          <a:prstGeom prst="rect">
-            <a:avLst/>
-          </a:prstGeom>
-          <a:noFill/>
-          <a:ln>
-            <a:noFill/>
-          </a:ln>
-          <a:extLst>
-            <a:ext uri="{909E8E84-426E-40DD-AFC4-6F175D3DCCD1}">
-              <a14:hiddenFill xmlns:a14="http://schemas.microsoft.com/office/drawing/2010/main">
-                <a:solidFill>
-                  <a:srgbClr val="FFFFFF"/>
-                </a:solidFill>
-              </a14:hiddenFill>
-            </a:ext>
-            <a:ext uri="{91240B29-F687-4F45-9708-019B960494DF}">
-              <a14:hiddenLine xmlns:a14="http://schemas.microsoft.com/office/drawing/2010/main" w="9525">
-                <a:solidFill>
-                  <a:srgbClr val="000000"/>
-                </a:solidFill>
-                <a:miter lim="800000"/>
-                <a:headEnd/>
-                <a:tailEnd/>
-              </a14:hiddenLine>
-            </a:ext>
-          </a:extLst>
-        </p:spPr>
-      </p:pic>
-      <p:sp>
-        <p:nvSpPr>
-          <p:cNvPr id="33796" name="Rectangle 5"/>
-          <p:cNvSpPr>
-            <a:spLocks noChangeArrowheads="1"/>
-          </p:cNvSpPr>
-          <p:nvPr/>
-        </p:nvSpPr>
-        <p:spPr bwMode="auto">
-          <a:xfrm>
-            <a:off x="842963" y="1381125"/>
-            <a:ext cx="1974850" cy="263525"/>
-          </a:xfrm>
-          <a:prstGeom prst="rect">
-            <a:avLst/>
-          </a:prstGeom>
-          <a:noFill/>
-          <a:ln w="76200">
-            <a:solidFill>
-              <a:schemeClr val="accent1"/>
-            </a:solidFill>
-            <a:round/>
-            <a:headEnd/>
-            <a:tailEnd/>
-          </a:ln>
-          <a:extLst>
-            <a:ext uri="{909E8E84-426E-40DD-AFC4-6F175D3DCCD1}">
-              <a14:hiddenFill xmlns:a14="http://schemas.microsoft.com/office/drawing/2010/main">
-                <a:solidFill>
-                  <a:srgbClr val="FFFFFF"/>
-                </a:solidFill>
-              </a14:hiddenFill>
-            </a:ext>
-          </a:extLst>
-        </p:spPr>
-        <p:txBody>
-          <a:bodyPr/>
-          <a:lstStyle>
-            <a:lvl1pPr>
-              <a:spcBef>
-                <a:spcPct val="20000"/>
-              </a:spcBef>
-              <a:buClr>
-                <a:srgbClr val="000080"/>
-              </a:buClr>
-              <a:buFont typeface="Times" charset="0"/>
-              <a:buChar char="•"/>
-              <a:defRPr kumimoji="1" sz="3200">
-                <a:solidFill>
-                  <a:schemeClr val="tx2"/>
-                </a:solidFill>
-                <a:latin typeface="Arial" charset="0"/>
-                <a:ea typeface="ＭＳ Ｐゴシック" charset="-128"/>
-              </a:defRPr>
-            </a:lvl1pPr>
-            <a:lvl2pPr marL="742950" indent="-285750">
-              <a:spcBef>
-                <a:spcPct val="20000"/>
-              </a:spcBef>
-              <a:buClr>
-                <a:srgbClr val="3C0000"/>
-              </a:buClr>
-              <a:buFont typeface="Symbol" charset="2"/>
-              <a:buChar char=""/>
-              <a:defRPr kumimoji="1" sz="2800">
-                <a:solidFill>
-                  <a:schemeClr val="tx2"/>
-                </a:solidFill>
-                <a:latin typeface="Arial" charset="0"/>
-                <a:ea typeface="ＭＳ Ｐゴシック" charset="-128"/>
-              </a:defRPr>
-            </a:lvl2pPr>
-            <a:lvl3pPr marL="1143000" indent="-228600">
-              <a:spcBef>
-                <a:spcPct val="20000"/>
-              </a:spcBef>
-              <a:buClr>
-                <a:srgbClr val="3C0000"/>
-              </a:buClr>
-              <a:buFont typeface="Wingdings" charset="2"/>
-              <a:buChar char="§"/>
-              <a:defRPr kumimoji="1" sz="2400">
-                <a:solidFill>
-                  <a:schemeClr val="tx2"/>
-                </a:solidFill>
-                <a:latin typeface="Arial" charset="0"/>
-                <a:ea typeface="ＭＳ Ｐゴシック" charset="-128"/>
-              </a:defRPr>
-            </a:lvl3pPr>
-            <a:lvl4pPr marL="1600200" indent="-228600">
-              <a:spcBef>
-                <a:spcPct val="20000"/>
-              </a:spcBef>
-              <a:buClr>
-                <a:srgbClr val="3C0000"/>
-              </a:buClr>
-              <a:buFont typeface="Wingdings" charset="2"/>
-              <a:buChar char=""/>
-              <a:defRPr kumimoji="1" sz="2000">
-                <a:solidFill>
-                  <a:schemeClr val="tx2"/>
-                </a:solidFill>
-                <a:latin typeface="Arial" charset="0"/>
-                <a:ea typeface="ＭＳ Ｐゴシック" charset="-128"/>
-              </a:defRPr>
-            </a:lvl4pPr>
-            <a:lvl5pPr marL="2057400" indent="-228600">
-              <a:spcBef>
-                <a:spcPct val="20000"/>
-              </a:spcBef>
-              <a:buClr>
-                <a:srgbClr val="3C0000"/>
-              </a:buClr>
-              <a:buFont typeface="Wingdings" charset="2"/>
-              <a:buChar char=""/>
-              <a:defRPr kumimoji="1" sz="2000">
-                <a:solidFill>
-                  <a:schemeClr val="tx2"/>
-                </a:solidFill>
-                <a:latin typeface="Arial" charset="0"/>
-                <a:ea typeface="ＭＳ Ｐゴシック" charset="-128"/>
-              </a:defRPr>
-            </a:lvl5pPr>
-            <a:lvl6pPr marL="2514600" indent="-228600" eaLnBrk="0" fontAlgn="base" hangingPunct="0">
-              <a:spcBef>
-                <a:spcPct val="20000"/>
-              </a:spcBef>
-              <a:spcAft>
-                <a:spcPct val="0"/>
-              </a:spcAft>
-              <a:buClr>
-                <a:srgbClr val="3C0000"/>
-              </a:buClr>
-              <a:buFont typeface="Wingdings" charset="2"/>
-              <a:buChar char=""/>
-              <a:defRPr kumimoji="1" sz="2000">
-                <a:solidFill>
-                  <a:schemeClr val="tx2"/>
-                </a:solidFill>
-                <a:latin typeface="Arial" charset="0"/>
-                <a:ea typeface="ＭＳ Ｐゴシック" charset="-128"/>
-              </a:defRPr>
-            </a:lvl6pPr>
-            <a:lvl7pPr marL="2971800" indent="-228600" eaLnBrk="0" fontAlgn="base" hangingPunct="0">
-              <a:spcBef>
-                <a:spcPct val="20000"/>
-              </a:spcBef>
-              <a:spcAft>
-                <a:spcPct val="0"/>
-              </a:spcAft>
-              <a:buClr>
-                <a:srgbClr val="3C0000"/>
-              </a:buClr>
-              <a:buFont typeface="Wingdings" charset="2"/>
-              <a:buChar char=""/>
-              <a:defRPr kumimoji="1" sz="2000">
-                <a:solidFill>
-                  <a:schemeClr val="tx2"/>
-                </a:solidFill>
-                <a:latin typeface="Arial" charset="0"/>
-                <a:ea typeface="ＭＳ Ｐゴシック" charset="-128"/>
-              </a:defRPr>
-            </a:lvl7pPr>
-            <a:lvl8pPr marL="3429000" indent="-228600" eaLnBrk="0" fontAlgn="base" hangingPunct="0">
-              <a:spcBef>
-                <a:spcPct val="20000"/>
-              </a:spcBef>
-              <a:spcAft>
-                <a:spcPct val="0"/>
-              </a:spcAft>
-              <a:buClr>
-                <a:srgbClr val="3C0000"/>
-              </a:buClr>
-              <a:buFont typeface="Wingdings" charset="2"/>
-              <a:buChar char=""/>
-              <a:defRPr kumimoji="1" sz="2000">
-                <a:solidFill>
-                  <a:schemeClr val="tx2"/>
-                </a:solidFill>
-                <a:latin typeface="Arial" charset="0"/>
-                <a:ea typeface="ＭＳ Ｐゴシック" charset="-128"/>
-              </a:defRPr>
-            </a:lvl8pPr>
-            <a:lvl9pPr marL="3886200" indent="-228600" eaLnBrk="0" fontAlgn="base" hangingPunct="0">
-              <a:spcBef>
-                <a:spcPct val="20000"/>
-              </a:spcBef>
-              <a:spcAft>
-                <a:spcPct val="0"/>
-              </a:spcAft>
-              <a:buClr>
-                <a:srgbClr val="3C0000"/>
-              </a:buClr>
-              <a:buFont typeface="Wingdings" charset="2"/>
-              <a:buChar char=""/>
-              <a:defRPr kumimoji="1" sz="2000">
-                <a:solidFill>
-                  <a:schemeClr val="tx2"/>
-                </a:solidFill>
-                <a:latin typeface="Arial" charset="0"/>
-                <a:ea typeface="ＭＳ Ｐゴシック" charset="-128"/>
-              </a:defRPr>
-            </a:lvl9pPr>
-          </a:lstStyle>
-          <a:p>
-            <a:pPr eaLnBrk="1" hangingPunct="1">
-              <a:buClrTx/>
-              <a:buFontTx/>
-              <a:buChar char="•"/>
-            </a:pPr>
-            <a:endParaRPr kumimoji="0" lang="x-none" altLang="x-none" sz="2400">
-              <a:solidFill>
-                <a:schemeClr val="tx1"/>
-              </a:solidFill>
-            </a:endParaRPr>
-          </a:p>
-        </p:txBody>
-      </p:sp>
-      <p:sp>
-        <p:nvSpPr>
-          <p:cNvPr id="33797" name="Right Arrow 6"/>
-          <p:cNvSpPr>
-            <a:spLocks noChangeArrowheads="1"/>
-          </p:cNvSpPr>
-          <p:nvPr/>
-        </p:nvSpPr>
-        <p:spPr bwMode="auto">
-          <a:xfrm rot="-5400000">
-            <a:off x="870744" y="1650206"/>
-            <a:ext cx="1016000" cy="973138"/>
-          </a:xfrm>
-          <a:prstGeom prst="rightArrow">
-            <a:avLst>
-              <a:gd name="adj1" fmla="val 50000"/>
-              <a:gd name="adj2" fmla="val 50032"/>
-            </a:avLst>
-          </a:prstGeom>
-          <a:solidFill>
-            <a:schemeClr val="accent1"/>
-          </a:solidFill>
-          <a:ln>
-            <a:noFill/>
-          </a:ln>
-          <a:extLst>
-            <a:ext uri="{91240B29-F687-4F45-9708-019B960494DF}">
-              <a14:hiddenLine xmlns:a14="http://schemas.microsoft.com/office/drawing/2010/main" w="9525">
-                <a:solidFill>
-                  <a:srgbClr val="000000"/>
-                </a:solidFill>
-                <a:round/>
-                <a:headEnd/>
-                <a:tailEnd/>
-              </a14:hiddenLine>
-            </a:ext>
-          </a:extLst>
-        </p:spPr>
-        <p:txBody>
-          <a:bodyPr/>
-          <a:lstStyle>
-            <a:lvl1pPr>
-              <a:spcBef>
-                <a:spcPct val="20000"/>
-              </a:spcBef>
-              <a:buClr>
-                <a:srgbClr val="000080"/>
-              </a:buClr>
-              <a:buFont typeface="Times" charset="0"/>
-              <a:buChar char="•"/>
-              <a:defRPr kumimoji="1" sz="3200">
-                <a:solidFill>
-                  <a:schemeClr val="tx2"/>
-                </a:solidFill>
-                <a:latin typeface="Arial" charset="0"/>
-                <a:ea typeface="ＭＳ Ｐゴシック" charset="-128"/>
-              </a:defRPr>
-            </a:lvl1pPr>
-            <a:lvl2pPr marL="742950" indent="-285750">
-              <a:spcBef>
-                <a:spcPct val="20000"/>
-              </a:spcBef>
-              <a:buClr>
-                <a:srgbClr val="3C0000"/>
-              </a:buClr>
-              <a:buFont typeface="Symbol" charset="2"/>
-              <a:buChar char=""/>
-              <a:defRPr kumimoji="1" sz="2800">
-                <a:solidFill>
-                  <a:schemeClr val="tx2"/>
-                </a:solidFill>
-                <a:latin typeface="Arial" charset="0"/>
-                <a:ea typeface="ＭＳ Ｐゴシック" charset="-128"/>
-              </a:defRPr>
-            </a:lvl2pPr>
-            <a:lvl3pPr marL="1143000" indent="-228600">
-              <a:spcBef>
-                <a:spcPct val="20000"/>
-              </a:spcBef>
-              <a:buClr>
-                <a:srgbClr val="3C0000"/>
-              </a:buClr>
-              <a:buFont typeface="Wingdings" charset="2"/>
-              <a:buChar char="§"/>
-              <a:defRPr kumimoji="1" sz="2400">
-                <a:solidFill>
-                  <a:schemeClr val="tx2"/>
-                </a:solidFill>
-                <a:latin typeface="Arial" charset="0"/>
-                <a:ea typeface="ＭＳ Ｐゴシック" charset="-128"/>
-              </a:defRPr>
-            </a:lvl3pPr>
-            <a:lvl4pPr marL="1600200" indent="-228600">
-              <a:spcBef>
-                <a:spcPct val="20000"/>
-              </a:spcBef>
-              <a:buClr>
-                <a:srgbClr val="3C0000"/>
-              </a:buClr>
-              <a:buFont typeface="Wingdings" charset="2"/>
-              <a:buChar char=""/>
-              <a:defRPr kumimoji="1" sz="2000">
-                <a:solidFill>
-                  <a:schemeClr val="tx2"/>
-                </a:solidFill>
-                <a:latin typeface="Arial" charset="0"/>
-                <a:ea typeface="ＭＳ Ｐゴシック" charset="-128"/>
-              </a:defRPr>
-            </a:lvl4pPr>
-            <a:lvl5pPr marL="2057400" indent="-228600">
-              <a:spcBef>
-                <a:spcPct val="20000"/>
-              </a:spcBef>
-              <a:buClr>
-                <a:srgbClr val="3C0000"/>
-              </a:buClr>
-              <a:buFont typeface="Wingdings" charset="2"/>
-              <a:buChar char=""/>
-              <a:defRPr kumimoji="1" sz="2000">
-                <a:solidFill>
-                  <a:schemeClr val="tx2"/>
-                </a:solidFill>
-                <a:latin typeface="Arial" charset="0"/>
-                <a:ea typeface="ＭＳ Ｐゴシック" charset="-128"/>
-              </a:defRPr>
-            </a:lvl5pPr>
-            <a:lvl6pPr marL="2514600" indent="-228600" eaLnBrk="0" fontAlgn="base" hangingPunct="0">
-              <a:spcBef>
-                <a:spcPct val="20000"/>
-              </a:spcBef>
-              <a:spcAft>
-                <a:spcPct val="0"/>
-              </a:spcAft>
-              <a:buClr>
-                <a:srgbClr val="3C0000"/>
-              </a:buClr>
-              <a:buFont typeface="Wingdings" charset="2"/>
-              <a:buChar char=""/>
-              <a:defRPr kumimoji="1" sz="2000">
-                <a:solidFill>
-                  <a:schemeClr val="tx2"/>
-                </a:solidFill>
-                <a:latin typeface="Arial" charset="0"/>
-                <a:ea typeface="ＭＳ Ｐゴシック" charset="-128"/>
-              </a:defRPr>
-            </a:lvl6pPr>
-            <a:lvl7pPr marL="2971800" indent="-228600" eaLnBrk="0" fontAlgn="base" hangingPunct="0">
-              <a:spcBef>
-                <a:spcPct val="20000"/>
-              </a:spcBef>
-              <a:spcAft>
-                <a:spcPct val="0"/>
-              </a:spcAft>
-              <a:buClr>
-                <a:srgbClr val="3C0000"/>
-              </a:buClr>
-              <a:buFont typeface="Wingdings" charset="2"/>
-              <a:buChar char=""/>
-              <a:defRPr kumimoji="1" sz="2000">
-                <a:solidFill>
-                  <a:schemeClr val="tx2"/>
-                </a:solidFill>
-                <a:latin typeface="Arial" charset="0"/>
-                <a:ea typeface="ＭＳ Ｐゴシック" charset="-128"/>
-              </a:defRPr>
-            </a:lvl7pPr>
-            <a:lvl8pPr marL="3429000" indent="-228600" eaLnBrk="0" fontAlgn="base" hangingPunct="0">
-              <a:spcBef>
-                <a:spcPct val="20000"/>
-              </a:spcBef>
-              <a:spcAft>
-                <a:spcPct val="0"/>
-              </a:spcAft>
-              <a:buClr>
-                <a:srgbClr val="3C0000"/>
-              </a:buClr>
-              <a:buFont typeface="Wingdings" charset="2"/>
-              <a:buChar char=""/>
-              <a:defRPr kumimoji="1" sz="2000">
-                <a:solidFill>
-                  <a:schemeClr val="tx2"/>
-                </a:solidFill>
-                <a:latin typeface="Arial" charset="0"/>
-                <a:ea typeface="ＭＳ Ｐゴシック" charset="-128"/>
-              </a:defRPr>
-            </a:lvl8pPr>
-            <a:lvl9pPr marL="3886200" indent="-228600" eaLnBrk="0" fontAlgn="base" hangingPunct="0">
-              <a:spcBef>
-                <a:spcPct val="20000"/>
-              </a:spcBef>
-              <a:spcAft>
-                <a:spcPct val="0"/>
-              </a:spcAft>
-              <a:buClr>
-                <a:srgbClr val="3C0000"/>
-              </a:buClr>
-              <a:buFont typeface="Wingdings" charset="2"/>
-              <a:buChar char=""/>
-              <a:defRPr kumimoji="1" sz="2000">
-                <a:solidFill>
-                  <a:schemeClr val="tx2"/>
-                </a:solidFill>
-                <a:latin typeface="Arial" charset="0"/>
-                <a:ea typeface="ＭＳ Ｐゴシック" charset="-128"/>
-              </a:defRPr>
-            </a:lvl9pPr>
-          </a:lstStyle>
-          <a:p>
-            <a:pPr eaLnBrk="1" hangingPunct="1">
-              <a:buClrTx/>
-              <a:buFontTx/>
-              <a:buChar char="•"/>
-            </a:pPr>
-            <a:endParaRPr kumimoji="0" lang="x-none" altLang="x-none" sz="2400">
-              <a:solidFill>
-                <a:schemeClr val="tx1"/>
-              </a:solidFill>
-            </a:endParaRPr>
-          </a:p>
-        </p:txBody>
-      </p:sp>
-    </p:spTree>
-  </p:cSld>
-  <p:clrMapOvr>
-    <a:masterClrMapping/>
-  </p:clrMapOvr>
-  <p:timing>
-    <p:tnLst>
-      <p:par>
-        <p:cTn id="1" dur="indefinite" restart="never" nodeType="tmRoot"/>
-      </p:par>
-    </p:tnLst>
-  </p:timing>
-</p:sld>
-</file>
-
-<file path=ppt/slides/slide13.xml><?xml version="1.0" encoding="utf-8"?>
-<p:sld xmlns:a="http://schemas.openxmlformats.org/drawingml/2006/main" xmlns:r="http://schemas.openxmlformats.org/officeDocument/2006/relationships" xmlns:p="http://schemas.openxmlformats.org/presentationml/2006/main">
-  <p:cSld>
-    <p:spTree>
-      <p:nvGrpSpPr>
-        <p:cNvPr id="1" name=""/>
-        <p:cNvGrpSpPr/>
-        <p:nvPr/>
-      </p:nvGrpSpPr>
-      <p:grpSpPr>
-        <a:xfrm>
-          <a:off x="0" y="0"/>
-          <a:ext cx="0" cy="0"/>
-          <a:chOff x="0" y="0"/>
-          <a:chExt cx="0" cy="0"/>
-        </a:xfrm>
-      </p:grpSpPr>
-      <p:sp>
-        <p:nvSpPr>
-          <p:cNvPr id="34817" name="Title 1"/>
-          <p:cNvSpPr>
-            <a:spLocks noGrp="1"/>
-          </p:cNvSpPr>
-          <p:nvPr>
-            <p:ph type="title"/>
-          </p:nvPr>
-        </p:nvSpPr>
-        <p:spPr/>
-        <p:txBody>
-          <a:bodyPr/>
-          <a:lstStyle/>
-          <a:p>
-            <a:r>
-              <a:rPr lang="en-US" altLang="x-none">
-                <a:latin typeface="Futura" charset="0"/>
-                <a:cs typeface="Helvetica" charset="0"/>
-              </a:rPr>
-              <a:t>… to the real world</a:t>
-            </a:r>
-          </a:p>
-        </p:txBody>
-      </p:sp>
-      <p:sp>
-        <p:nvSpPr>
-          <p:cNvPr id="34818" name="Slide Number Placeholder 3"/>
-          <p:cNvSpPr>
-            <a:spLocks noGrp="1"/>
-          </p:cNvSpPr>
-          <p:nvPr>
-            <p:ph type="sldNum" sz="quarter" idx="10"/>
-          </p:nvPr>
-        </p:nvSpPr>
-        <p:spPr>
-          <a:noFill/>
-          <a:ln/>
-          <a:extLst>
-            <a:ext uri="{909E8E84-426E-40DD-AFC4-6F175D3DCCD1}">
-              <a14:hiddenFill xmlns:a14="http://schemas.microsoft.com/office/drawing/2010/main">
-                <a:solidFill>
-                  <a:srgbClr val="FFFFFF"/>
-                </a:solidFill>
-              </a14:hiddenFill>
-            </a:ext>
-            <a:ext uri="{91240B29-F687-4F45-9708-019B960494DF}">
-              <a14:hiddenLine xmlns:a14="http://schemas.microsoft.com/office/drawing/2010/main" w="9525">
-                <a:solidFill>
-                  <a:srgbClr val="000000"/>
-                </a:solidFill>
-                <a:miter lim="800000"/>
-                <a:headEnd/>
-                <a:tailEnd/>
-              </a14:hiddenLine>
-            </a:ext>
-          </a:extLst>
-        </p:spPr>
-        <p:txBody>
-          <a:bodyPr/>
-          <a:lstStyle>
-            <a:lvl1pPr>
-              <a:spcBef>
-                <a:spcPct val="20000"/>
-              </a:spcBef>
-              <a:buClr>
-                <a:srgbClr val="000080"/>
-              </a:buClr>
-              <a:buFont typeface="Times" charset="0"/>
-              <a:buChar char="•"/>
-              <a:defRPr kumimoji="1" sz="3200">
-                <a:solidFill>
-                  <a:schemeClr val="tx2"/>
-                </a:solidFill>
-                <a:latin typeface="Arial" charset="0"/>
-                <a:ea typeface="ＭＳ Ｐゴシック" charset="-128"/>
-              </a:defRPr>
-            </a:lvl1pPr>
-            <a:lvl2pPr marL="742950" indent="-285750">
-              <a:spcBef>
-                <a:spcPct val="20000"/>
-              </a:spcBef>
-              <a:buClr>
-                <a:srgbClr val="3C0000"/>
-              </a:buClr>
-              <a:buFont typeface="Symbol" charset="2"/>
-              <a:buChar char=""/>
-              <a:defRPr kumimoji="1" sz="2800">
-                <a:solidFill>
-                  <a:schemeClr val="tx2"/>
-                </a:solidFill>
-                <a:latin typeface="Arial" charset="0"/>
-                <a:ea typeface="ＭＳ Ｐゴシック" charset="-128"/>
-              </a:defRPr>
-            </a:lvl2pPr>
-            <a:lvl3pPr marL="1143000" indent="-228600">
-              <a:spcBef>
-                <a:spcPct val="20000"/>
-              </a:spcBef>
-              <a:buClr>
-                <a:srgbClr val="3C0000"/>
-              </a:buClr>
-              <a:buFont typeface="Wingdings" charset="2"/>
-              <a:buChar char="§"/>
-              <a:defRPr kumimoji="1" sz="2400">
-                <a:solidFill>
-                  <a:schemeClr val="tx2"/>
-                </a:solidFill>
-                <a:latin typeface="Arial" charset="0"/>
-                <a:ea typeface="ＭＳ Ｐゴシック" charset="-128"/>
-              </a:defRPr>
-            </a:lvl3pPr>
-            <a:lvl4pPr marL="1600200" indent="-228600">
-              <a:spcBef>
-                <a:spcPct val="20000"/>
-              </a:spcBef>
-              <a:buClr>
-                <a:srgbClr val="3C0000"/>
-              </a:buClr>
-              <a:buFont typeface="Wingdings" charset="2"/>
-              <a:buChar char=""/>
-              <a:defRPr kumimoji="1" sz="2000">
-                <a:solidFill>
-                  <a:schemeClr val="tx2"/>
-                </a:solidFill>
-                <a:latin typeface="Arial" charset="0"/>
-                <a:ea typeface="ＭＳ Ｐゴシック" charset="-128"/>
-              </a:defRPr>
-            </a:lvl4pPr>
-            <a:lvl5pPr marL="2057400" indent="-228600">
-              <a:spcBef>
-                <a:spcPct val="20000"/>
-              </a:spcBef>
-              <a:buClr>
-                <a:srgbClr val="3C0000"/>
-              </a:buClr>
-              <a:buFont typeface="Wingdings" charset="2"/>
-              <a:buChar char=""/>
-              <a:defRPr kumimoji="1" sz="2000">
-                <a:solidFill>
-                  <a:schemeClr val="tx2"/>
-                </a:solidFill>
-                <a:latin typeface="Arial" charset="0"/>
-                <a:ea typeface="ＭＳ Ｐゴシック" charset="-128"/>
-              </a:defRPr>
-            </a:lvl5pPr>
-            <a:lvl6pPr marL="2514600" indent="-228600" eaLnBrk="0" fontAlgn="base" hangingPunct="0">
-              <a:spcBef>
-                <a:spcPct val="20000"/>
-              </a:spcBef>
-              <a:spcAft>
-                <a:spcPct val="0"/>
-              </a:spcAft>
-              <a:buClr>
-                <a:srgbClr val="3C0000"/>
-              </a:buClr>
-              <a:buFont typeface="Wingdings" charset="2"/>
-              <a:buChar char=""/>
-              <a:defRPr kumimoji="1" sz="2000">
-                <a:solidFill>
-                  <a:schemeClr val="tx2"/>
-                </a:solidFill>
-                <a:latin typeface="Arial" charset="0"/>
-                <a:ea typeface="ＭＳ Ｐゴシック" charset="-128"/>
-              </a:defRPr>
-            </a:lvl6pPr>
-            <a:lvl7pPr marL="2971800" indent="-228600" eaLnBrk="0" fontAlgn="base" hangingPunct="0">
-              <a:spcBef>
-                <a:spcPct val="20000"/>
-              </a:spcBef>
-              <a:spcAft>
-                <a:spcPct val="0"/>
-              </a:spcAft>
-              <a:buClr>
-                <a:srgbClr val="3C0000"/>
-              </a:buClr>
-              <a:buFont typeface="Wingdings" charset="2"/>
-              <a:buChar char=""/>
-              <a:defRPr kumimoji="1" sz="2000">
-                <a:solidFill>
-                  <a:schemeClr val="tx2"/>
-                </a:solidFill>
-                <a:latin typeface="Arial" charset="0"/>
-                <a:ea typeface="ＭＳ Ｐゴシック" charset="-128"/>
-              </a:defRPr>
-            </a:lvl7pPr>
-            <a:lvl8pPr marL="3429000" indent="-228600" eaLnBrk="0" fontAlgn="base" hangingPunct="0">
-              <a:spcBef>
-                <a:spcPct val="20000"/>
-              </a:spcBef>
-              <a:spcAft>
-                <a:spcPct val="0"/>
-              </a:spcAft>
-              <a:buClr>
-                <a:srgbClr val="3C0000"/>
-              </a:buClr>
-              <a:buFont typeface="Wingdings" charset="2"/>
-              <a:buChar char=""/>
-              <a:defRPr kumimoji="1" sz="2000">
-                <a:solidFill>
-                  <a:schemeClr val="tx2"/>
-                </a:solidFill>
-                <a:latin typeface="Arial" charset="0"/>
-                <a:ea typeface="ＭＳ Ｐゴシック" charset="-128"/>
-              </a:defRPr>
-            </a:lvl8pPr>
-            <a:lvl9pPr marL="3886200" indent="-228600" eaLnBrk="0" fontAlgn="base" hangingPunct="0">
-              <a:spcBef>
-                <a:spcPct val="20000"/>
-              </a:spcBef>
-              <a:spcAft>
-                <a:spcPct val="0"/>
-              </a:spcAft>
-              <a:buClr>
-                <a:srgbClr val="3C0000"/>
-              </a:buClr>
-              <a:buFont typeface="Wingdings" charset="2"/>
-              <a:buChar char=""/>
-              <a:defRPr kumimoji="1" sz="2000">
-                <a:solidFill>
-                  <a:schemeClr val="tx2"/>
-                </a:solidFill>
-                <a:latin typeface="Arial" charset="0"/>
-                <a:ea typeface="ＭＳ Ｐゴシック" charset="-128"/>
-              </a:defRPr>
-            </a:lvl9pPr>
-          </a:lstStyle>
-          <a:p>
-            <a:pPr>
-              <a:spcBef>
-                <a:spcPct val="0"/>
-              </a:spcBef>
-              <a:buClrTx/>
-              <a:buFontTx/>
-              <a:buNone/>
-            </a:pPr>
-            <a:fld id="{BF661D85-A786-FD41-B77B-FBF64CF3CCFF}" type="slidenum">
-              <a:rPr kumimoji="0" lang="en-US" altLang="x-none" sz="1400">
-                <a:solidFill>
-                  <a:srgbClr val="FF8000"/>
-                </a:solidFill>
-              </a:rPr>
-              <a:pPr>
-                <a:spcBef>
-                  <a:spcPct val="0"/>
-                </a:spcBef>
-                <a:buClrTx/>
-                <a:buFontTx/>
-                <a:buNone/>
-              </a:pPr>
               <a:t>13</a:t>
             </a:fld>
             <a:endParaRPr kumimoji="0" lang="en-US" altLang="x-none" sz="1400">
               <a:solidFill>
                 <a:srgbClr val="FF8000"/>
-              </a:solidFill>
-            </a:endParaRPr>
-          </a:p>
-        </p:txBody>
-      </p:sp>
-      <p:pic>
-        <p:nvPicPr>
-          <p:cNvPr id="34819" name="Picture 1" descr="Screen Shot 2014-07-01 at 10.23.17 PM.png"/>
-          <p:cNvPicPr>
-            <a:picLocks noChangeAspect="1"/>
-          </p:cNvPicPr>
-          <p:nvPr/>
-        </p:nvPicPr>
-        <p:blipFill>
-          <a:blip r:embed="rId2">
-            <a:extLst>
-              <a:ext uri="{28A0092B-C50C-407E-A947-70E740481C1C}">
-                <a14:useLocalDpi xmlns:a14="http://schemas.microsoft.com/office/drawing/2010/main" val="0"/>
-              </a:ext>
-            </a:extLst>
-          </a:blip>
-          <a:srcRect b="4378"/>
-          <a:stretch>
-            <a:fillRect/>
-          </a:stretch>
-        </p:blipFill>
-        <p:spPr bwMode="auto">
-          <a:xfrm>
-            <a:off x="722313" y="147638"/>
-            <a:ext cx="7672387" cy="5000625"/>
-          </a:xfrm>
-          <a:prstGeom prst="rect">
-            <a:avLst/>
-          </a:prstGeom>
-          <a:noFill/>
-          <a:ln>
-            <a:noFill/>
-          </a:ln>
-          <a:extLst>
-            <a:ext uri="{909E8E84-426E-40DD-AFC4-6F175D3DCCD1}">
-              <a14:hiddenFill xmlns:a14="http://schemas.microsoft.com/office/drawing/2010/main">
-                <a:solidFill>
-                  <a:srgbClr val="FFFFFF"/>
-                </a:solidFill>
-              </a14:hiddenFill>
-            </a:ext>
-            <a:ext uri="{91240B29-F687-4F45-9708-019B960494DF}">
-              <a14:hiddenLine xmlns:a14="http://schemas.microsoft.com/office/drawing/2010/main" w="9525">
-                <a:solidFill>
-                  <a:srgbClr val="000000"/>
-                </a:solidFill>
-                <a:miter lim="800000"/>
-                <a:headEnd/>
-                <a:tailEnd/>
-              </a14:hiddenLine>
-            </a:ext>
-          </a:extLst>
-        </p:spPr>
-      </p:pic>
-      <p:sp>
-        <p:nvSpPr>
-          <p:cNvPr id="34820" name="Rectangle 4"/>
-          <p:cNvSpPr>
-            <a:spLocks noChangeArrowheads="1"/>
-          </p:cNvSpPr>
-          <p:nvPr/>
-        </p:nvSpPr>
-        <p:spPr bwMode="auto">
-          <a:xfrm>
-            <a:off x="2468563" y="4587875"/>
-            <a:ext cx="2611437" cy="266700"/>
-          </a:xfrm>
-          <a:prstGeom prst="rect">
-            <a:avLst/>
-          </a:prstGeom>
-          <a:noFill/>
-          <a:ln w="76200">
-            <a:solidFill>
-              <a:schemeClr val="accent1"/>
-            </a:solidFill>
-            <a:round/>
-            <a:headEnd/>
-            <a:tailEnd/>
-          </a:ln>
-          <a:extLst>
-            <a:ext uri="{909E8E84-426E-40DD-AFC4-6F175D3DCCD1}">
-              <a14:hiddenFill xmlns:a14="http://schemas.microsoft.com/office/drawing/2010/main">
-                <a:solidFill>
-                  <a:srgbClr val="FFFFFF"/>
-                </a:solidFill>
-              </a14:hiddenFill>
-            </a:ext>
-          </a:extLst>
-        </p:spPr>
-        <p:txBody>
-          <a:bodyPr/>
-          <a:lstStyle>
-            <a:lvl1pPr>
-              <a:spcBef>
-                <a:spcPct val="20000"/>
-              </a:spcBef>
-              <a:buClr>
-                <a:srgbClr val="000080"/>
-              </a:buClr>
-              <a:buFont typeface="Times" charset="0"/>
-              <a:buChar char="•"/>
-              <a:defRPr kumimoji="1" sz="3200">
-                <a:solidFill>
-                  <a:schemeClr val="tx2"/>
-                </a:solidFill>
-                <a:latin typeface="Arial" charset="0"/>
-                <a:ea typeface="ＭＳ Ｐゴシック" charset="-128"/>
-              </a:defRPr>
-            </a:lvl1pPr>
-            <a:lvl2pPr marL="742950" indent="-285750">
-              <a:spcBef>
-                <a:spcPct val="20000"/>
-              </a:spcBef>
-              <a:buClr>
-                <a:srgbClr val="3C0000"/>
-              </a:buClr>
-              <a:buFont typeface="Symbol" charset="2"/>
-              <a:buChar char=""/>
-              <a:defRPr kumimoji="1" sz="2800">
-                <a:solidFill>
-                  <a:schemeClr val="tx2"/>
-                </a:solidFill>
-                <a:latin typeface="Arial" charset="0"/>
-                <a:ea typeface="ＭＳ Ｐゴシック" charset="-128"/>
-              </a:defRPr>
-            </a:lvl2pPr>
-            <a:lvl3pPr marL="1143000" indent="-228600">
-              <a:spcBef>
-                <a:spcPct val="20000"/>
-              </a:spcBef>
-              <a:buClr>
-                <a:srgbClr val="3C0000"/>
-              </a:buClr>
-              <a:buFont typeface="Wingdings" charset="2"/>
-              <a:buChar char="§"/>
-              <a:defRPr kumimoji="1" sz="2400">
-                <a:solidFill>
-                  <a:schemeClr val="tx2"/>
-                </a:solidFill>
-                <a:latin typeface="Arial" charset="0"/>
-                <a:ea typeface="ＭＳ Ｐゴシック" charset="-128"/>
-              </a:defRPr>
-            </a:lvl3pPr>
-            <a:lvl4pPr marL="1600200" indent="-228600">
-              <a:spcBef>
-                <a:spcPct val="20000"/>
-              </a:spcBef>
-              <a:buClr>
-                <a:srgbClr val="3C0000"/>
-              </a:buClr>
-              <a:buFont typeface="Wingdings" charset="2"/>
-              <a:buChar char=""/>
-              <a:defRPr kumimoji="1" sz="2000">
-                <a:solidFill>
-                  <a:schemeClr val="tx2"/>
-                </a:solidFill>
-                <a:latin typeface="Arial" charset="0"/>
-                <a:ea typeface="ＭＳ Ｐゴシック" charset="-128"/>
-              </a:defRPr>
-            </a:lvl4pPr>
-            <a:lvl5pPr marL="2057400" indent="-228600">
-              <a:spcBef>
-                <a:spcPct val="20000"/>
-              </a:spcBef>
-              <a:buClr>
-                <a:srgbClr val="3C0000"/>
-              </a:buClr>
-              <a:buFont typeface="Wingdings" charset="2"/>
-              <a:buChar char=""/>
-              <a:defRPr kumimoji="1" sz="2000">
-                <a:solidFill>
-                  <a:schemeClr val="tx2"/>
-                </a:solidFill>
-                <a:latin typeface="Arial" charset="0"/>
-                <a:ea typeface="ＭＳ Ｐゴシック" charset="-128"/>
-              </a:defRPr>
-            </a:lvl5pPr>
-            <a:lvl6pPr marL="2514600" indent="-228600" eaLnBrk="0" fontAlgn="base" hangingPunct="0">
-              <a:spcBef>
-                <a:spcPct val="20000"/>
-              </a:spcBef>
-              <a:spcAft>
-                <a:spcPct val="0"/>
-              </a:spcAft>
-              <a:buClr>
-                <a:srgbClr val="3C0000"/>
-              </a:buClr>
-              <a:buFont typeface="Wingdings" charset="2"/>
-              <a:buChar char=""/>
-              <a:defRPr kumimoji="1" sz="2000">
-                <a:solidFill>
-                  <a:schemeClr val="tx2"/>
-                </a:solidFill>
-                <a:latin typeface="Arial" charset="0"/>
-                <a:ea typeface="ＭＳ Ｐゴシック" charset="-128"/>
-              </a:defRPr>
-            </a:lvl6pPr>
-            <a:lvl7pPr marL="2971800" indent="-228600" eaLnBrk="0" fontAlgn="base" hangingPunct="0">
-              <a:spcBef>
-                <a:spcPct val="20000"/>
-              </a:spcBef>
-              <a:spcAft>
-                <a:spcPct val="0"/>
-              </a:spcAft>
-              <a:buClr>
-                <a:srgbClr val="3C0000"/>
-              </a:buClr>
-              <a:buFont typeface="Wingdings" charset="2"/>
-              <a:buChar char=""/>
-              <a:defRPr kumimoji="1" sz="2000">
-                <a:solidFill>
-                  <a:schemeClr val="tx2"/>
-                </a:solidFill>
-                <a:latin typeface="Arial" charset="0"/>
-                <a:ea typeface="ＭＳ Ｐゴシック" charset="-128"/>
-              </a:defRPr>
-            </a:lvl7pPr>
-            <a:lvl8pPr marL="3429000" indent="-228600" eaLnBrk="0" fontAlgn="base" hangingPunct="0">
-              <a:spcBef>
-                <a:spcPct val="20000"/>
-              </a:spcBef>
-              <a:spcAft>
-                <a:spcPct val="0"/>
-              </a:spcAft>
-              <a:buClr>
-                <a:srgbClr val="3C0000"/>
-              </a:buClr>
-              <a:buFont typeface="Wingdings" charset="2"/>
-              <a:buChar char=""/>
-              <a:defRPr kumimoji="1" sz="2000">
-                <a:solidFill>
-                  <a:schemeClr val="tx2"/>
-                </a:solidFill>
-                <a:latin typeface="Arial" charset="0"/>
-                <a:ea typeface="ＭＳ Ｐゴシック" charset="-128"/>
-              </a:defRPr>
-            </a:lvl8pPr>
-            <a:lvl9pPr marL="3886200" indent="-228600" eaLnBrk="0" fontAlgn="base" hangingPunct="0">
-              <a:spcBef>
-                <a:spcPct val="20000"/>
-              </a:spcBef>
-              <a:spcAft>
-                <a:spcPct val="0"/>
-              </a:spcAft>
-              <a:buClr>
-                <a:srgbClr val="3C0000"/>
-              </a:buClr>
-              <a:buFont typeface="Wingdings" charset="2"/>
-              <a:buChar char=""/>
-              <a:defRPr kumimoji="1" sz="2000">
-                <a:solidFill>
-                  <a:schemeClr val="tx2"/>
-                </a:solidFill>
-                <a:latin typeface="Arial" charset="0"/>
-                <a:ea typeface="ＭＳ Ｐゴシック" charset="-128"/>
-              </a:defRPr>
-            </a:lvl9pPr>
-          </a:lstStyle>
-          <a:p>
-            <a:pPr eaLnBrk="1" hangingPunct="1">
-              <a:buClrTx/>
-              <a:buFontTx/>
-              <a:buChar char="•"/>
-            </a:pPr>
-            <a:endParaRPr kumimoji="0" lang="x-none" altLang="x-none" sz="2400">
-              <a:solidFill>
-                <a:schemeClr val="tx1"/>
-              </a:solidFill>
-            </a:endParaRPr>
-          </a:p>
-        </p:txBody>
-      </p:sp>
-      <p:sp>
-        <p:nvSpPr>
-          <p:cNvPr id="34821" name="Right Arrow 5"/>
-          <p:cNvSpPr>
-            <a:spLocks noChangeArrowheads="1"/>
-          </p:cNvSpPr>
-          <p:nvPr/>
-        </p:nvSpPr>
-        <p:spPr bwMode="auto">
-          <a:xfrm rot="5400000">
-            <a:off x="7204869" y="4020344"/>
-            <a:ext cx="1014413" cy="974725"/>
-          </a:xfrm>
-          <a:prstGeom prst="rightArrow">
-            <a:avLst>
-              <a:gd name="adj1" fmla="val 50000"/>
-              <a:gd name="adj2" fmla="val 49873"/>
-            </a:avLst>
-          </a:prstGeom>
-          <a:solidFill>
-            <a:schemeClr val="accent1"/>
-          </a:solidFill>
-          <a:ln>
-            <a:noFill/>
-          </a:ln>
-          <a:extLst>
-            <a:ext uri="{91240B29-F687-4F45-9708-019B960494DF}">
-              <a14:hiddenLine xmlns:a14="http://schemas.microsoft.com/office/drawing/2010/main" w="9525">
-                <a:solidFill>
-                  <a:srgbClr val="000000"/>
-                </a:solidFill>
-                <a:round/>
-                <a:headEnd/>
-                <a:tailEnd/>
-              </a14:hiddenLine>
-            </a:ext>
-          </a:extLst>
-        </p:spPr>
-        <p:txBody>
-          <a:bodyPr/>
-          <a:lstStyle>
-            <a:lvl1pPr>
-              <a:spcBef>
-                <a:spcPct val="20000"/>
-              </a:spcBef>
-              <a:buClr>
-                <a:srgbClr val="000080"/>
-              </a:buClr>
-              <a:buFont typeface="Times" charset="0"/>
-              <a:buChar char="•"/>
-              <a:defRPr kumimoji="1" sz="3200">
-                <a:solidFill>
-                  <a:schemeClr val="tx2"/>
-                </a:solidFill>
-                <a:latin typeface="Arial" charset="0"/>
-                <a:ea typeface="ＭＳ Ｐゴシック" charset="-128"/>
-              </a:defRPr>
-            </a:lvl1pPr>
-            <a:lvl2pPr marL="742950" indent="-285750">
-              <a:spcBef>
-                <a:spcPct val="20000"/>
-              </a:spcBef>
-              <a:buClr>
-                <a:srgbClr val="3C0000"/>
-              </a:buClr>
-              <a:buFont typeface="Symbol" charset="2"/>
-              <a:buChar char=""/>
-              <a:defRPr kumimoji="1" sz="2800">
-                <a:solidFill>
-                  <a:schemeClr val="tx2"/>
-                </a:solidFill>
-                <a:latin typeface="Arial" charset="0"/>
-                <a:ea typeface="ＭＳ Ｐゴシック" charset="-128"/>
-              </a:defRPr>
-            </a:lvl2pPr>
-            <a:lvl3pPr marL="1143000" indent="-228600">
-              <a:spcBef>
-                <a:spcPct val="20000"/>
-              </a:spcBef>
-              <a:buClr>
-                <a:srgbClr val="3C0000"/>
-              </a:buClr>
-              <a:buFont typeface="Wingdings" charset="2"/>
-              <a:buChar char="§"/>
-              <a:defRPr kumimoji="1" sz="2400">
-                <a:solidFill>
-                  <a:schemeClr val="tx2"/>
-                </a:solidFill>
-                <a:latin typeface="Arial" charset="0"/>
-                <a:ea typeface="ＭＳ Ｐゴシック" charset="-128"/>
-              </a:defRPr>
-            </a:lvl3pPr>
-            <a:lvl4pPr marL="1600200" indent="-228600">
-              <a:spcBef>
-                <a:spcPct val="20000"/>
-              </a:spcBef>
-              <a:buClr>
-                <a:srgbClr val="3C0000"/>
-              </a:buClr>
-              <a:buFont typeface="Wingdings" charset="2"/>
-              <a:buChar char=""/>
-              <a:defRPr kumimoji="1" sz="2000">
-                <a:solidFill>
-                  <a:schemeClr val="tx2"/>
-                </a:solidFill>
-                <a:latin typeface="Arial" charset="0"/>
-                <a:ea typeface="ＭＳ Ｐゴシック" charset="-128"/>
-              </a:defRPr>
-            </a:lvl4pPr>
-            <a:lvl5pPr marL="2057400" indent="-228600">
-              <a:spcBef>
-                <a:spcPct val="20000"/>
-              </a:spcBef>
-              <a:buClr>
-                <a:srgbClr val="3C0000"/>
-              </a:buClr>
-              <a:buFont typeface="Wingdings" charset="2"/>
-              <a:buChar char=""/>
-              <a:defRPr kumimoji="1" sz="2000">
-                <a:solidFill>
-                  <a:schemeClr val="tx2"/>
-                </a:solidFill>
-                <a:latin typeface="Arial" charset="0"/>
-                <a:ea typeface="ＭＳ Ｐゴシック" charset="-128"/>
-              </a:defRPr>
-            </a:lvl5pPr>
-            <a:lvl6pPr marL="2514600" indent="-228600" eaLnBrk="0" fontAlgn="base" hangingPunct="0">
-              <a:spcBef>
-                <a:spcPct val="20000"/>
-              </a:spcBef>
-              <a:spcAft>
-                <a:spcPct val="0"/>
-              </a:spcAft>
-              <a:buClr>
-                <a:srgbClr val="3C0000"/>
-              </a:buClr>
-              <a:buFont typeface="Wingdings" charset="2"/>
-              <a:buChar char=""/>
-              <a:defRPr kumimoji="1" sz="2000">
-                <a:solidFill>
-                  <a:schemeClr val="tx2"/>
-                </a:solidFill>
-                <a:latin typeface="Arial" charset="0"/>
-                <a:ea typeface="ＭＳ Ｐゴシック" charset="-128"/>
-              </a:defRPr>
-            </a:lvl6pPr>
-            <a:lvl7pPr marL="2971800" indent="-228600" eaLnBrk="0" fontAlgn="base" hangingPunct="0">
-              <a:spcBef>
-                <a:spcPct val="20000"/>
-              </a:spcBef>
-              <a:spcAft>
-                <a:spcPct val="0"/>
-              </a:spcAft>
-              <a:buClr>
-                <a:srgbClr val="3C0000"/>
-              </a:buClr>
-              <a:buFont typeface="Wingdings" charset="2"/>
-              <a:buChar char=""/>
-              <a:defRPr kumimoji="1" sz="2000">
-                <a:solidFill>
-                  <a:schemeClr val="tx2"/>
-                </a:solidFill>
-                <a:latin typeface="Arial" charset="0"/>
-                <a:ea typeface="ＭＳ Ｐゴシック" charset="-128"/>
-              </a:defRPr>
-            </a:lvl7pPr>
-            <a:lvl8pPr marL="3429000" indent="-228600" eaLnBrk="0" fontAlgn="base" hangingPunct="0">
-              <a:spcBef>
-                <a:spcPct val="20000"/>
-              </a:spcBef>
-              <a:spcAft>
-                <a:spcPct val="0"/>
-              </a:spcAft>
-              <a:buClr>
-                <a:srgbClr val="3C0000"/>
-              </a:buClr>
-              <a:buFont typeface="Wingdings" charset="2"/>
-              <a:buChar char=""/>
-              <a:defRPr kumimoji="1" sz="2000">
-                <a:solidFill>
-                  <a:schemeClr val="tx2"/>
-                </a:solidFill>
-                <a:latin typeface="Arial" charset="0"/>
-                <a:ea typeface="ＭＳ Ｐゴシック" charset="-128"/>
-              </a:defRPr>
-            </a:lvl8pPr>
-            <a:lvl9pPr marL="3886200" indent="-228600" eaLnBrk="0" fontAlgn="base" hangingPunct="0">
-              <a:spcBef>
-                <a:spcPct val="20000"/>
-              </a:spcBef>
-              <a:spcAft>
-                <a:spcPct val="0"/>
-              </a:spcAft>
-              <a:buClr>
-                <a:srgbClr val="3C0000"/>
-              </a:buClr>
-              <a:buFont typeface="Wingdings" charset="2"/>
-              <a:buChar char=""/>
-              <a:defRPr kumimoji="1" sz="2000">
-                <a:solidFill>
-                  <a:schemeClr val="tx2"/>
-                </a:solidFill>
-                <a:latin typeface="Arial" charset="0"/>
-                <a:ea typeface="ＭＳ Ｐゴシック" charset="-128"/>
-              </a:defRPr>
-            </a:lvl9pPr>
-          </a:lstStyle>
-          <a:p>
-            <a:pPr eaLnBrk="1" hangingPunct="1">
-              <a:buClrTx/>
-              <a:buFontTx/>
-              <a:buChar char="•"/>
-            </a:pPr>
-            <a:endParaRPr kumimoji="0" lang="x-none" altLang="x-none" sz="2400">
-              <a:solidFill>
-                <a:schemeClr val="tx1"/>
               </a:solidFill>
             </a:endParaRPr>
           </a:p>
@@ -8584,29 +8571,14 @@
               <a:t>limited online guides specific to OSG-XSEDE, but similar to submission via </a:t>
             </a:r>
             <a:r>
-              <a:rPr lang="en-US" altLang="x-none" dirty="0" err="1"/>
-              <a:t>osg</a:t>
+              <a:rPr lang="en-US" altLang="x-none" dirty="0" err="1" smtClean="0"/>
+              <a:t>osg-learn.cht</a:t>
             </a:r>
             <a:r>
-              <a:rPr lang="en-US" altLang="x-none" dirty="0"/>
-              <a:t>-</a:t>
+              <a:rPr lang="en-US" altLang="x-none" dirty="0" err="1" smtClean="0"/>
+              <a:t>c.wisc.edu</a:t>
             </a:r>
-            <a:r>
-              <a:rPr lang="en-US" altLang="x-none" dirty="0" err="1"/>
-              <a:t>ss</a:t>
-            </a:r>
-            <a:r>
-              <a:rPr lang="en-US" altLang="x-none" dirty="0"/>
-              <a:t>-</a:t>
-            </a:r>
-            <a:r>
-              <a:rPr lang="en-US" altLang="x-none" dirty="0" err="1"/>
-              <a:t>glidein</a:t>
-            </a:r>
-            <a:r>
-              <a:rPr lang="en-US" altLang="x-none" dirty="0"/>
-              <a:t>-submit</a:t>
-            </a:r>
+            <a:endParaRPr lang="en-US" altLang="x-none" dirty="0"/>
           </a:p>
         </p:txBody>
       </p:sp>
@@ -9738,11 +9710,7 @@
             </a:pPr>
             <a:r>
               <a:rPr lang="en-US" sz="2800" dirty="0" smtClean="0"/>
-              <a:t>Types of </a:t>
-            </a:r>
-            <a:r>
-              <a:rPr lang="en-US" sz="2800" dirty="0" smtClean="0"/>
-              <a:t>HTC/OSG </a:t>
+              <a:t>Types of HTC/OSG </a:t>
             </a:r>
             <a:r>
               <a:rPr lang="en-US" sz="2800" dirty="0"/>
@@ -9815,15 +9783,7 @@
             </a:pPr>
             <a:r>
               <a:rPr lang="en-US" sz="2000" dirty="0" smtClean="0"/>
-              <a:t>OSG </a:t>
-            </a:r>
-            <a:r>
-              <a:rPr lang="en-US" sz="2000" dirty="0" smtClean="0"/>
-              <a:t>via </a:t>
-            </a:r>
-            <a:r>
-              <a:rPr lang="en-US" sz="2000" dirty="0" smtClean="0"/>
-              <a:t>XSEDE</a:t>
+              <a:t>OSG via XSEDE</a:t>
             </a:r>
             <a:endParaRPr lang="en-US" sz="2000" dirty="0"/>
           </a:p>
@@ -10643,6 +10603,13 @@
   <p:clrMapOvr>
     <a:masterClrMapping/>
   </p:clrMapOvr>
+  <p:timing>
+    <p:tnLst>
+      <p:par>
+        <p:cTn id="1" dur="indefinite" restart="never" nodeType="tmRoot"/>
+      </p:par>
+    </p:tnLst>
+  </p:timing>
 </p:sld>
 </file>
 
@@ -11195,6 +11162,13 @@
   <p:clrMapOvr>
     <a:masterClrMapping/>
   </p:clrMapOvr>
+  <p:timing>
+    <p:tnLst>
+      <p:par>
+        <p:cTn id="1" dur="indefinite" restart="never" nodeType="tmRoot"/>
+      </p:par>
+    </p:tnLst>
+  </p:timing>
 </p:sld>
 </file>
 
@@ -11260,11 +11234,7 @@
             </a:pPr>
             <a:r>
               <a:rPr lang="en-US" sz="2800" dirty="0" smtClean="0"/>
-              <a:t>Types of </a:t>
-            </a:r>
-            <a:r>
-              <a:rPr lang="en-US" sz="2800" dirty="0" smtClean="0"/>
-              <a:t>HTC/OSG </a:t>
+              <a:t>Types of HTC/OSG </a:t>
             </a:r>
             <a:r>
               <a:rPr lang="en-US" sz="2800" dirty="0"/>
@@ -11337,15 +11307,7 @@
             </a:pPr>
             <a:r>
               <a:rPr lang="en-US" sz="2000" dirty="0" smtClean="0"/>
-              <a:t>OSG </a:t>
-            </a:r>
-            <a:r>
-              <a:rPr lang="en-US" sz="2000" dirty="0" smtClean="0"/>
-              <a:t>via </a:t>
-            </a:r>
-            <a:r>
-              <a:rPr lang="en-US" sz="2000" dirty="0" smtClean="0"/>
-              <a:t>XSEDE</a:t>
+              <a:t>OSG via XSEDE</a:t>
             </a:r>
             <a:endParaRPr lang="en-US" sz="2000" dirty="0"/>
           </a:p>
@@ -15148,12 +15110,16 @@
           <a:lstStyle/>
           <a:p>
             <a:r>
-              <a:rPr lang="en-US" altLang="x-none" sz="3200">
+              <a:rPr lang="en-US" altLang="x-none" sz="3200" dirty="0" smtClean="0">
                 <a:latin typeface="Helvetica" charset="0"/>
                 <a:cs typeface="Helvetica" charset="0"/>
               </a:rPr>
-              <a:t>OSG School Submit (1yr access)</a:t>
+              <a:t>OSG Access Points</a:t>
             </a:r>
+            <a:endParaRPr lang="en-US" altLang="x-none" sz="3200" dirty="0">
+              <a:latin typeface="Helvetica" charset="0"/>
+              <a:cs typeface="Helvetica" charset="0"/>
+            </a:endParaRPr>
           </a:p>
         </p:txBody>
       </p:sp>
@@ -15387,220 +15353,6 @@
             <a:endParaRPr kumimoji="0" lang="en-US" altLang="x-none" sz="1400">
               <a:solidFill>
                 <a:srgbClr val="FF8000"/>
-              </a:solidFill>
-            </a:endParaRPr>
-          </a:p>
-        </p:txBody>
-      </p:sp>
-      <p:sp>
-        <p:nvSpPr>
-          <p:cNvPr id="23555" name="Right Arrow 3"/>
-          <p:cNvSpPr>
-            <a:spLocks noChangeArrowheads="1"/>
-          </p:cNvSpPr>
-          <p:nvPr/>
-        </p:nvSpPr>
-        <p:spPr bwMode="auto">
-          <a:xfrm>
-            <a:off x="2465388" y="1495425"/>
-            <a:ext cx="1314450" cy="330200"/>
-          </a:xfrm>
-          <a:prstGeom prst="rightArrow">
-            <a:avLst>
-              <a:gd name="adj1" fmla="val 50000"/>
-              <a:gd name="adj2" fmla="val 49907"/>
-            </a:avLst>
-          </a:prstGeom>
-          <a:solidFill>
-            <a:srgbClr val="62C5FF"/>
-          </a:solidFill>
-          <a:ln w="28575">
-            <a:solidFill>
-              <a:srgbClr val="1C1BCA"/>
-            </a:solidFill>
-            <a:round/>
-            <a:headEnd/>
-            <a:tailEnd/>
-          </a:ln>
-        </p:spPr>
-        <p:txBody>
-          <a:bodyPr/>
-          <a:lstStyle>
-            <a:lvl1pPr>
-              <a:spcBef>
-                <a:spcPct val="20000"/>
-              </a:spcBef>
-              <a:buClr>
-                <a:srgbClr val="000080"/>
-              </a:buClr>
-              <a:buFont typeface="Times" charset="0"/>
-              <a:buChar char="•"/>
-              <a:defRPr kumimoji="1" sz="3200">
-                <a:solidFill>
-                  <a:schemeClr val="tx2"/>
-                </a:solidFill>
-                <a:latin typeface="Arial" charset="0"/>
-                <a:ea typeface="ＭＳ Ｐゴシック" charset="-128"/>
-              </a:defRPr>
-            </a:lvl1pPr>
-            <a:lvl2pPr marL="742950" indent="-285750">
-              <a:spcBef>
-                <a:spcPct val="20000"/>
-              </a:spcBef>
-              <a:buClr>
-                <a:srgbClr val="3C0000"/>
-              </a:buClr>
-              <a:buFont typeface="Symbol" charset="2"/>
-              <a:buChar char=""/>
-              <a:defRPr kumimoji="1" sz="2800">
-                <a:solidFill>
-                  <a:schemeClr val="tx2"/>
-                </a:solidFill>
-                <a:latin typeface="Arial" charset="0"/>
-                <a:ea typeface="ＭＳ Ｐゴシック" charset="-128"/>
-              </a:defRPr>
-            </a:lvl2pPr>
-            <a:lvl3pPr marL="1143000" indent="-228600">
-              <a:spcBef>
-                <a:spcPct val="20000"/>
-              </a:spcBef>
-              <a:buClr>
-                <a:srgbClr val="3C0000"/>
-              </a:buClr>
-              <a:buFont typeface="Wingdings" charset="2"/>
-              <a:buChar char="§"/>
-              <a:defRPr kumimoji="1" sz="2400">
-                <a:solidFill>
-                  <a:schemeClr val="tx2"/>
-                </a:solidFill>
-                <a:latin typeface="Arial" charset="0"/>
-                <a:ea typeface="ＭＳ Ｐゴシック" charset="-128"/>
-              </a:defRPr>
-            </a:lvl3pPr>
-            <a:lvl4pPr marL="1600200" indent="-228600">
-              <a:spcBef>
-                <a:spcPct val="20000"/>
-              </a:spcBef>
-              <a:buClr>
-                <a:srgbClr val="3C0000"/>
-              </a:buClr>
-              <a:buFont typeface="Wingdings" charset="2"/>
-              <a:buChar char=""/>
-              <a:defRPr kumimoji="1" sz="2000">
-                <a:solidFill>
-                  <a:schemeClr val="tx2"/>
-                </a:solidFill>
-                <a:latin typeface="Arial" charset="0"/>
-                <a:ea typeface="ＭＳ Ｐゴシック" charset="-128"/>
-              </a:defRPr>
-            </a:lvl4pPr>
-            <a:lvl5pPr marL="2057400" indent="-228600">
-              <a:spcBef>
-                <a:spcPct val="20000"/>
-              </a:spcBef>
-              <a:buClr>
-                <a:srgbClr val="3C0000"/>
-              </a:buClr>
-              <a:buFont typeface="Wingdings" charset="2"/>
-              <a:buChar char=""/>
-              <a:defRPr kumimoji="1" sz="2000">
-                <a:solidFill>
-                  <a:schemeClr val="tx2"/>
-                </a:solidFill>
-                <a:latin typeface="Arial" charset="0"/>
-                <a:ea typeface="ＭＳ Ｐゴシック" charset="-128"/>
-              </a:defRPr>
-            </a:lvl5pPr>
-            <a:lvl6pPr marL="2514600" indent="-228600" eaLnBrk="0" fontAlgn="base" hangingPunct="0">
-              <a:spcBef>
-                <a:spcPct val="20000"/>
-              </a:spcBef>
-              <a:spcAft>
-                <a:spcPct val="0"/>
-              </a:spcAft>
-              <a:buClr>
-                <a:srgbClr val="3C0000"/>
-              </a:buClr>
-              <a:buFont typeface="Wingdings" charset="2"/>
-              <a:buChar char=""/>
-              <a:defRPr kumimoji="1" sz="2000">
-                <a:solidFill>
-                  <a:schemeClr val="tx2"/>
-                </a:solidFill>
-                <a:latin typeface="Arial" charset="0"/>
-                <a:ea typeface="ＭＳ Ｐゴシック" charset="-128"/>
-              </a:defRPr>
-            </a:lvl6pPr>
-            <a:lvl7pPr marL="2971800" indent="-228600" eaLnBrk="0" fontAlgn="base" hangingPunct="0">
-              <a:spcBef>
-                <a:spcPct val="20000"/>
-              </a:spcBef>
-              <a:spcAft>
-                <a:spcPct val="0"/>
-              </a:spcAft>
-              <a:buClr>
-                <a:srgbClr val="3C0000"/>
-              </a:buClr>
-              <a:buFont typeface="Wingdings" charset="2"/>
-              <a:buChar char=""/>
-              <a:defRPr kumimoji="1" sz="2000">
-                <a:solidFill>
-                  <a:schemeClr val="tx2"/>
-                </a:solidFill>
-                <a:latin typeface="Arial" charset="0"/>
-                <a:ea typeface="ＭＳ Ｐゴシック" charset="-128"/>
-              </a:defRPr>
-            </a:lvl7pPr>
-            <a:lvl8pPr marL="3429000" indent="-228600" eaLnBrk="0" fontAlgn="base" hangingPunct="0">
-              <a:spcBef>
-                <a:spcPct val="20000"/>
-              </a:spcBef>
-              <a:spcAft>
-                <a:spcPct val="0"/>
-              </a:spcAft>
-              <a:buClr>
-                <a:srgbClr val="3C0000"/>
-              </a:buClr>
-              <a:buFont typeface="Wingdings" charset="2"/>
-              <a:buChar char=""/>
-              <a:defRPr kumimoji="1" sz="2000">
-                <a:solidFill>
-                  <a:schemeClr val="tx2"/>
-                </a:solidFill>
-                <a:latin typeface="Arial" charset="0"/>
-                <a:ea typeface="ＭＳ Ｐゴシック" charset="-128"/>
-              </a:defRPr>
-            </a:lvl8pPr>
-            <a:lvl9pPr marL="3886200" indent="-228600" eaLnBrk="0" fontAlgn="base" hangingPunct="0">
-              <a:spcBef>
-                <a:spcPct val="20000"/>
-              </a:spcBef>
-              <a:spcAft>
-                <a:spcPct val="0"/>
-              </a:spcAft>
-              <a:buClr>
-                <a:srgbClr val="3C0000"/>
-              </a:buClr>
-              <a:buFont typeface="Wingdings" charset="2"/>
-              <a:buChar char=""/>
-              <a:defRPr kumimoji="1" sz="2000">
-                <a:solidFill>
-                  <a:schemeClr val="tx2"/>
-                </a:solidFill>
-                <a:latin typeface="Arial" charset="0"/>
-                <a:ea typeface="ＭＳ Ｐゴシック" charset="-128"/>
-              </a:defRPr>
-            </a:lvl9pPr>
-          </a:lstStyle>
-          <a:p>
-            <a:pPr eaLnBrk="1" hangingPunct="1">
-              <a:buClrTx/>
-              <a:buFontTx/>
-              <a:buChar char="•"/>
-            </a:pPr>
-            <a:endParaRPr kumimoji="0" lang="x-none" altLang="x-none" sz="2400">
-              <a:solidFill>
-                <a:schemeClr val="tx1"/>
               </a:solidFill>
             </a:endParaRPr>
           </a:p>
@@ -15652,7 +15404,7 @@
             <a:r>
               <a:rPr lang="en-US" sz="6600" b="1" dirty="0">
                 <a:solidFill>
-                  <a:srgbClr val="033367"/>
+                  <a:schemeClr val="tx2"/>
                 </a:solidFill>
                 <a:ea typeface="ＭＳ Ｐゴシック" charset="0"/>
               </a:rPr>
@@ -15667,53 +15419,15 @@
               <a:defRPr/>
             </a:pPr>
             <a:r>
-              <a:rPr lang="en-US" sz="3600" dirty="0" smtClean="0">
+              <a:rPr lang="en-US" sz="3200" b="1" dirty="0" smtClean="0">
+                <a:solidFill>
+                  <a:schemeClr val="tx2"/>
+                </a:solidFill>
                 <a:ea typeface="ＭＳ Ｐゴシック" charset="0"/>
               </a:rPr>
               <a:t>pool</a:t>
             </a:r>
-            <a:endParaRPr lang="en-US" sz="3600" dirty="0">
-              <a:ea typeface="ＭＳ Ｐゴシック" charset="0"/>
-            </a:endParaRPr>
           </a:p>
-        </p:txBody>
-      </p:sp>
-      <p:sp>
-        <p:nvSpPr>
-          <p:cNvPr id="9" name="Oval 8"/>
-          <p:cNvSpPr/>
-          <p:nvPr/>
-        </p:nvSpPr>
-        <p:spPr bwMode="auto">
-          <a:xfrm>
-            <a:off x="6411009" y="976678"/>
-            <a:ext cx="2494846" cy="1291053"/>
-          </a:xfrm>
-          <a:prstGeom prst="ellipse">
-            <a:avLst/>
-          </a:prstGeom>
-          <a:solidFill>
-            <a:schemeClr val="accent1"/>
-          </a:solidFill>
-          <a:ln w="9525" cap="flat" cmpd="sng" algn="ctr">
-            <a:noFill/>
-            <a:prstDash val="solid"/>
-            <a:round/>
-            <a:headEnd type="none" w="med" len="med"/>
-            <a:tailEnd type="none" w="med" len="med"/>
-          </a:ln>
-          <a:effectLst/>
-          <a:scene3d>
-            <a:camera prst="orthographicFront"/>
-            <a:lightRig rig="threePt" dir="t"/>
-          </a:scene3d>
-          <a:sp3d>
-            <a:bevelT prst="angle"/>
-          </a:sp3d>
-        </p:spPr>
-        <p:txBody>
-          <a:bodyPr anchor="ctr"/>
-          <a:lstStyle/>
           <a:p>
             <a:pPr algn="ctr" eaLnBrk="1" hangingPunct="1">
               <a:spcBef>
@@ -15722,251 +15436,13 @@
               <a:defRPr/>
             </a:pPr>
             <a:r>
-              <a:rPr lang="en-US" dirty="0" err="1">
+              <a:rPr lang="en-US" sz="1800" dirty="0" smtClean="0">
                 <a:ea typeface="ＭＳ Ｐゴシック" charset="0"/>
               </a:rPr>
-              <a:t>HTCondor</a:t>
+              <a:t>(per VO entry point)</a:t>
             </a:r>
-            <a:r>
-              <a:rPr lang="en-US" dirty="0">
-                <a:ea typeface="ＭＳ Ｐゴシック" charset="0"/>
-              </a:rPr>
-              <a:t> Pool </a:t>
-            </a:r>
-          </a:p>
-          <a:p>
-            <a:pPr algn="ctr" eaLnBrk="1" hangingPunct="1">
-              <a:spcBef>
-                <a:spcPct val="20000"/>
-              </a:spcBef>
-              <a:defRPr/>
-            </a:pPr>
-            <a:r>
-              <a:rPr lang="en-US" sz="1600" dirty="0">
-                <a:ea typeface="ＭＳ Ｐゴシック" charset="0"/>
-              </a:rPr>
-              <a:t>(or other Cluster)</a:t>
-            </a:r>
-          </a:p>
-        </p:txBody>
-      </p:sp>
-      <p:sp>
-        <p:nvSpPr>
-          <p:cNvPr id="23562" name="Left-Right Arrow 9"/>
-          <p:cNvSpPr>
-            <a:spLocks noChangeArrowheads="1"/>
-          </p:cNvSpPr>
-          <p:nvPr/>
-        </p:nvSpPr>
-        <p:spPr bwMode="auto">
-          <a:xfrm>
-            <a:off x="5292725" y="1485900"/>
-            <a:ext cx="1073150" cy="361950"/>
-          </a:xfrm>
-          <a:prstGeom prst="leftRightArrow">
-            <a:avLst>
-              <a:gd name="adj1" fmla="val 50000"/>
-              <a:gd name="adj2" fmla="val 50102"/>
-            </a:avLst>
-          </a:prstGeom>
-          <a:solidFill>
-            <a:schemeClr val="tx1"/>
-          </a:solidFill>
-          <a:ln>
-            <a:noFill/>
-          </a:ln>
-          <a:extLst>
-            <a:ext uri="{91240B29-F687-4F45-9708-019B960494DF}">
-              <a14:hiddenLine xmlns:a14="http://schemas.microsoft.com/office/drawing/2010/main" w="9525">
-                <a:solidFill>
-                  <a:srgbClr val="000000"/>
-                </a:solidFill>
-                <a:round/>
-                <a:headEnd/>
-                <a:tailEnd/>
-              </a14:hiddenLine>
-            </a:ext>
-          </a:extLst>
-        </p:spPr>
-        <p:txBody>
-          <a:bodyPr/>
-          <a:lstStyle>
-            <a:lvl1pPr>
-              <a:spcBef>
-                <a:spcPct val="20000"/>
-              </a:spcBef>
-              <a:buClr>
-                <a:srgbClr val="000080"/>
-              </a:buClr>
-              <a:buFont typeface="Times" charset="0"/>
-              <a:buChar char="•"/>
-              <a:defRPr kumimoji="1" sz="3200">
-                <a:solidFill>
-                  <a:schemeClr val="tx2"/>
-                </a:solidFill>
-                <a:latin typeface="Arial" charset="0"/>
-                <a:ea typeface="ＭＳ Ｐゴシック" charset="-128"/>
-              </a:defRPr>
-            </a:lvl1pPr>
-            <a:lvl2pPr marL="742950" indent="-285750">
-              <a:spcBef>
-                <a:spcPct val="20000"/>
-              </a:spcBef>
-              <a:buClr>
-                <a:srgbClr val="3C0000"/>
-              </a:buClr>
-              <a:buFont typeface="Symbol" charset="2"/>
-              <a:buChar char=""/>
-              <a:defRPr kumimoji="1" sz="2800">
-                <a:solidFill>
-                  <a:schemeClr val="tx2"/>
-                </a:solidFill>
-                <a:latin typeface="Arial" charset="0"/>
-                <a:ea typeface="ＭＳ Ｐゴシック" charset="-128"/>
-              </a:defRPr>
-            </a:lvl2pPr>
-            <a:lvl3pPr marL="1143000" indent="-228600">
-              <a:spcBef>
-                <a:spcPct val="20000"/>
-              </a:spcBef>
-              <a:buClr>
-                <a:srgbClr val="3C0000"/>
-              </a:buClr>
-              <a:buFont typeface="Wingdings" charset="2"/>
-              <a:buChar char="§"/>
-              <a:defRPr kumimoji="1" sz="2400">
-                <a:solidFill>
-                  <a:schemeClr val="tx2"/>
-                </a:solidFill>
-                <a:latin typeface="Arial" charset="0"/>
-                <a:ea typeface="ＭＳ Ｐゴシック" charset="-128"/>
-              </a:defRPr>
-            </a:lvl3pPr>
-            <a:lvl4pPr marL="1600200" indent="-228600">
-              <a:spcBef>
-                <a:spcPct val="20000"/>
-              </a:spcBef>
-              <a:buClr>
-                <a:srgbClr val="3C0000"/>
-              </a:buClr>
-              <a:buFont typeface="Wingdings" charset="2"/>
-              <a:buChar char=""/>
-              <a:defRPr kumimoji="1" sz="2000">
-                <a:solidFill>
-                  <a:schemeClr val="tx2"/>
-                </a:solidFill>
-                <a:latin typeface="Arial" charset="0"/>
-                <a:ea typeface="ＭＳ Ｐゴシック" charset="-128"/>
-              </a:defRPr>
-            </a:lvl4pPr>
-            <a:lvl5pPr marL="2057400" indent="-228600">
-              <a:spcBef>
-                <a:spcPct val="20000"/>
-              </a:spcBef>
-              <a:buClr>
-                <a:srgbClr val="3C0000"/>
-              </a:buClr>
-              <a:buFont typeface="Wingdings" charset="2"/>
-              <a:buChar char=""/>
-              <a:defRPr kumimoji="1" sz="2000">
-                <a:solidFill>
-                  <a:schemeClr val="tx2"/>
-                </a:solidFill>
-                <a:latin typeface="Arial" charset="0"/>
-                <a:ea typeface="ＭＳ Ｐゴシック" charset="-128"/>
-              </a:defRPr>
-            </a:lvl5pPr>
-            <a:lvl6pPr marL="2514600" indent="-228600" eaLnBrk="0" fontAlgn="base" hangingPunct="0">
-              <a:spcBef>
-                <a:spcPct val="20000"/>
-              </a:spcBef>
-              <a:spcAft>
-                <a:spcPct val="0"/>
-              </a:spcAft>
-              <a:buClr>
-                <a:srgbClr val="3C0000"/>
-              </a:buClr>
-              <a:buFont typeface="Wingdings" charset="2"/>
-              <a:buChar char=""/>
-              <a:defRPr kumimoji="1" sz="2000">
-                <a:solidFill>
-                  <a:schemeClr val="tx2"/>
-                </a:solidFill>
-                <a:latin typeface="Arial" charset="0"/>
-                <a:ea typeface="ＭＳ Ｐゴシック" charset="-128"/>
-              </a:defRPr>
-            </a:lvl6pPr>
-            <a:lvl7pPr marL="2971800" indent="-228600" eaLnBrk="0" fontAlgn="base" hangingPunct="0">
-              <a:spcBef>
-                <a:spcPct val="20000"/>
-              </a:spcBef>
-              <a:spcAft>
-                <a:spcPct val="0"/>
-              </a:spcAft>
-              <a:buClr>
-                <a:srgbClr val="3C0000"/>
-              </a:buClr>
-              <a:buFont typeface="Wingdings" charset="2"/>
-              <a:buChar char=""/>
-              <a:defRPr kumimoji="1" sz="2000">
-                <a:solidFill>
-                  <a:schemeClr val="tx2"/>
-                </a:solidFill>
-                <a:latin typeface="Arial" charset="0"/>
-                <a:ea typeface="ＭＳ Ｐゴシック" charset="-128"/>
-              </a:defRPr>
-            </a:lvl7pPr>
-            <a:lvl8pPr marL="3429000" indent="-228600" eaLnBrk="0" fontAlgn="base" hangingPunct="0">
-              <a:spcBef>
-                <a:spcPct val="20000"/>
-              </a:spcBef>
-              <a:spcAft>
-                <a:spcPct val="0"/>
-              </a:spcAft>
-              <a:buClr>
-                <a:srgbClr val="3C0000"/>
-              </a:buClr>
-              <a:buFont typeface="Wingdings" charset="2"/>
-              <a:buChar char=""/>
-              <a:defRPr kumimoji="1" sz="2000">
-                <a:solidFill>
-                  <a:schemeClr val="tx2"/>
-                </a:solidFill>
-                <a:latin typeface="Arial" charset="0"/>
-                <a:ea typeface="ＭＳ Ｐゴシック" charset="-128"/>
-              </a:defRPr>
-            </a:lvl8pPr>
-            <a:lvl9pPr marL="3886200" indent="-228600" eaLnBrk="0" fontAlgn="base" hangingPunct="0">
-              <a:spcBef>
-                <a:spcPct val="20000"/>
-              </a:spcBef>
-              <a:spcAft>
-                <a:spcPct val="0"/>
-              </a:spcAft>
-              <a:buClr>
-                <a:srgbClr val="3C0000"/>
-              </a:buClr>
-              <a:buFont typeface="Wingdings" charset="2"/>
-              <a:buChar char=""/>
-              <a:defRPr kumimoji="1" sz="2000">
-                <a:solidFill>
-                  <a:schemeClr val="tx2"/>
-                </a:solidFill>
-                <a:latin typeface="Arial" charset="0"/>
-                <a:ea typeface="ＭＳ Ｐゴシック" charset="-128"/>
-              </a:defRPr>
-            </a:lvl9pPr>
-          </a:lstStyle>
-          <a:p>
-            <a:pPr eaLnBrk="1" hangingPunct="1">
-              <a:buClrTx/>
-              <a:buFontTx/>
-              <a:buChar char="•"/>
-            </a:pPr>
-            <a:endParaRPr kumimoji="0" lang="x-none" altLang="x-none" sz="2400">
-              <a:solidFill>
-                <a:schemeClr val="tx1"/>
-              </a:solidFill>
+            <a:endParaRPr lang="en-US" sz="1800" dirty="0">
+              <a:ea typeface="ＭＳ Ｐゴシック" charset="0"/>
             </a:endParaRPr>
           </a:p>
         </p:txBody>
@@ -16798,48 +16274,41 @@
       </p:pic>
       <p:sp>
         <p:nvSpPr>
-          <p:cNvPr id="23575" name="TextBox 1"/>
-          <p:cNvSpPr txBox="1">
+          <p:cNvPr id="17" name="Right Arrow 19"/>
+          <p:cNvSpPr>
             <a:spLocks noChangeArrowheads="1"/>
           </p:cNvSpPr>
           <p:nvPr/>
         </p:nvSpPr>
         <p:spPr bwMode="auto">
-          <a:xfrm>
-            <a:off x="3160059" y="1012825"/>
-            <a:ext cx="2656541" cy="400110"/>
+          <a:xfrm rot="3415342">
+            <a:off x="1888720" y="2564577"/>
+            <a:ext cx="1222789" cy="381754"/>
           </a:xfrm>
-          <a:prstGeom prst="rect">
-            <a:avLst/>
+          <a:prstGeom prst="rightArrow">
+            <a:avLst>
+              <a:gd name="adj1" fmla="val 50000"/>
+              <a:gd name="adj2" fmla="val 50010"/>
+            </a:avLst>
           </a:prstGeom>
-          <a:noFill/>
-          <a:ln>
-            <a:noFill/>
+          <a:solidFill>
+            <a:srgbClr val="62C5FF">
+              <a:alpha val="35000"/>
+            </a:srgbClr>
+          </a:solidFill>
+          <a:ln w="28575">
+            <a:solidFill>
+              <a:srgbClr val="1C1BCA">
+                <a:alpha val="35000"/>
+              </a:srgbClr>
+            </a:solidFill>
+            <a:round/>
+            <a:headEnd/>
+            <a:tailEnd/>
           </a:ln>
-          <a:extLst>
-            <a:ext uri="{909E8E84-426E-40DD-AFC4-6F175D3DCCD1}">
-              <a14:hiddenFill xmlns:a14="http://schemas.microsoft.com/office/drawing/2010/main">
-                <a:solidFill>
-                  <a:srgbClr val="FFFFFF"/>
-                </a:solidFill>
-              </a14:hiddenFill>
-            </a:ext>
-            <a:ext uri="{91240B29-F687-4F45-9708-019B960494DF}">
-              <a14:hiddenLine xmlns:a14="http://schemas.microsoft.com/office/drawing/2010/main" w="9525">
-                <a:solidFill>
-                  <a:srgbClr val="000000"/>
-                </a:solidFill>
-                <a:miter lim="800000"/>
-                <a:headEnd/>
-                <a:tailEnd/>
-              </a14:hiddenLine>
-            </a:ext>
-          </a:extLst>
         </p:spPr>
         <p:txBody>
-          <a:bodyPr wrap="square">
-            <a:spAutoFit/>
-          </a:bodyPr>
+          <a:bodyPr/>
           <a:lstStyle>
             <a:lvl1pPr>
               <a:spcBef>
@@ -17008,368 +16477,12 @@
             </a:lvl9pPr>
           </a:lstStyle>
           <a:p>
-            <a:pPr algn="ctr" eaLnBrk="1" hangingPunct="1">
+            <a:pPr eaLnBrk="1" hangingPunct="1">
               <a:buClrTx/>
               <a:buFontTx/>
-              <a:buNone/>
+              <a:buChar char="•"/>
             </a:pPr>
-            <a:r>
-              <a:rPr kumimoji="0" lang="en-US" altLang="x-none" sz="2000" smtClean="0">
-                <a:solidFill>
-                  <a:schemeClr val="tx1"/>
-                </a:solidFill>
-              </a:rPr>
-              <a:t>(</a:t>
-            </a:r>
-            <a:r>
-              <a:rPr kumimoji="0" lang="en-US" altLang="x-none" sz="2000" dirty="0" err="1" smtClean="0">
-                <a:solidFill>
-                  <a:schemeClr val="tx1"/>
-                </a:solidFill>
-              </a:rPr>
-              <a:t>learn.chtc.wisc.edu</a:t>
-            </a:r>
-            <a:r>
-              <a:rPr kumimoji="0" lang="en-US" altLang="x-none" sz="2000" dirty="0" smtClean="0">
-                <a:solidFill>
-                  <a:schemeClr val="tx1"/>
-                </a:solidFill>
-              </a:rPr>
-              <a:t>)</a:t>
-            </a:r>
-            <a:endParaRPr kumimoji="0" lang="en-US" altLang="x-none" sz="2000" dirty="0">
-              <a:solidFill>
-                <a:schemeClr val="tx1"/>
-              </a:solidFill>
-            </a:endParaRPr>
-          </a:p>
-        </p:txBody>
-      </p:sp>
-      <p:sp>
-        <p:nvSpPr>
-          <p:cNvPr id="20" name="Rounded Rectangle 19"/>
-          <p:cNvSpPr/>
-          <p:nvPr/>
-        </p:nvSpPr>
-        <p:spPr bwMode="auto">
-          <a:xfrm>
-            <a:off x="3931275" y="1371976"/>
-            <a:ext cx="1285219" cy="657643"/>
-          </a:xfrm>
-          <a:prstGeom prst="roundRect">
-            <a:avLst/>
-          </a:prstGeom>
-          <a:solidFill>
-            <a:srgbClr val="62C5FF"/>
-          </a:solidFill>
-          <a:ln w="9525" cap="flat" cmpd="sng" algn="ctr">
-            <a:noFill/>
-            <a:prstDash val="solid"/>
-            <a:round/>
-            <a:headEnd type="none" w="med" len="med"/>
-            <a:tailEnd type="none" w="med" len="med"/>
-          </a:ln>
-          <a:effectLst/>
-          <a:scene3d>
-            <a:camera prst="orthographicFront"/>
-            <a:lightRig rig="threePt" dir="t"/>
-          </a:scene3d>
-          <a:sp3d>
-            <a:bevelT prst="angle"/>
-          </a:sp3d>
-        </p:spPr>
-        <p:txBody>
-          <a:bodyPr anchor="ctr"/>
-          <a:lstStyle/>
-          <a:p>
-            <a:pPr algn="ctr" eaLnBrk="1" hangingPunct="1">
-              <a:spcBef>
-                <a:spcPct val="20000"/>
-              </a:spcBef>
-              <a:defRPr/>
-            </a:pPr>
-            <a:r>
-              <a:rPr lang="en-US" sz="2000" dirty="0">
-                <a:ea typeface="ＭＳ Ｐゴシック" charset="0"/>
-              </a:rPr>
-              <a:t>Submit Server</a:t>
-            </a:r>
-          </a:p>
-        </p:txBody>
-      </p:sp>
-      <p:sp>
-        <p:nvSpPr>
-          <p:cNvPr id="23580" name="TextBox 21"/>
-          <p:cNvSpPr txBox="1">
-            <a:spLocks noChangeArrowheads="1"/>
-          </p:cNvSpPr>
-          <p:nvPr/>
-        </p:nvSpPr>
-        <p:spPr bwMode="auto">
-          <a:xfrm>
-            <a:off x="-354293" y="3760136"/>
-            <a:ext cx="3303588" cy="701731"/>
-          </a:xfrm>
-          <a:prstGeom prst="rect">
-            <a:avLst/>
-          </a:prstGeom>
-          <a:noFill/>
-          <a:ln>
-            <a:noFill/>
-          </a:ln>
-          <a:extLst>
-            <a:ext uri="{909E8E84-426E-40DD-AFC4-6F175D3DCCD1}">
-              <a14:hiddenFill xmlns:a14="http://schemas.microsoft.com/office/drawing/2010/main">
-                <a:solidFill>
-                  <a:srgbClr val="FFFFFF"/>
-                </a:solidFill>
-              </a14:hiddenFill>
-            </a:ext>
-            <a:ext uri="{91240B29-F687-4F45-9708-019B960494DF}">
-              <a14:hiddenLine xmlns:a14="http://schemas.microsoft.com/office/drawing/2010/main" w="9525">
-                <a:solidFill>
-                  <a:srgbClr val="000000"/>
-                </a:solidFill>
-                <a:miter lim="800000"/>
-                <a:headEnd/>
-                <a:tailEnd/>
-              </a14:hiddenLine>
-            </a:ext>
-          </a:extLst>
-        </p:spPr>
-        <p:txBody>
-          <a:bodyPr>
-            <a:spAutoFit/>
-          </a:bodyPr>
-          <a:lstStyle>
-            <a:lvl1pPr>
-              <a:spcBef>
-                <a:spcPct val="20000"/>
-              </a:spcBef>
-              <a:buClr>
-                <a:srgbClr val="000080"/>
-              </a:buClr>
-              <a:buFont typeface="Times" charset="0"/>
-              <a:buChar char="•"/>
-              <a:defRPr kumimoji="1" sz="3200">
-                <a:solidFill>
-                  <a:schemeClr val="tx2"/>
-                </a:solidFill>
-                <a:latin typeface="Arial" charset="0"/>
-                <a:ea typeface="ＭＳ Ｐゴシック" charset="-128"/>
-              </a:defRPr>
-            </a:lvl1pPr>
-            <a:lvl2pPr marL="742950" indent="-285750">
-              <a:spcBef>
-                <a:spcPct val="20000"/>
-              </a:spcBef>
-              <a:buClr>
-                <a:srgbClr val="3C0000"/>
-              </a:buClr>
-              <a:buFont typeface="Symbol" charset="2"/>
-              <a:buChar char=""/>
-              <a:defRPr kumimoji="1" sz="2800">
-                <a:solidFill>
-                  <a:schemeClr val="tx2"/>
-                </a:solidFill>
-                <a:latin typeface="Arial" charset="0"/>
-                <a:ea typeface="ＭＳ Ｐゴシック" charset="-128"/>
-              </a:defRPr>
-            </a:lvl2pPr>
-            <a:lvl3pPr marL="1143000" indent="-228600">
-              <a:spcBef>
-                <a:spcPct val="20000"/>
-              </a:spcBef>
-              <a:buClr>
-                <a:srgbClr val="3C0000"/>
-              </a:buClr>
-              <a:buFont typeface="Wingdings" charset="2"/>
-              <a:buChar char="§"/>
-              <a:defRPr kumimoji="1" sz="2400">
-                <a:solidFill>
-                  <a:schemeClr val="tx2"/>
-                </a:solidFill>
-                <a:latin typeface="Arial" charset="0"/>
-                <a:ea typeface="ＭＳ Ｐゴシック" charset="-128"/>
-              </a:defRPr>
-            </a:lvl3pPr>
-            <a:lvl4pPr marL="1600200" indent="-228600">
-              <a:spcBef>
-                <a:spcPct val="20000"/>
-              </a:spcBef>
-              <a:buClr>
-                <a:srgbClr val="3C0000"/>
-              </a:buClr>
-              <a:buFont typeface="Wingdings" charset="2"/>
-              <a:buChar char=""/>
-              <a:defRPr kumimoji="1" sz="2000">
-                <a:solidFill>
-                  <a:schemeClr val="tx2"/>
-                </a:solidFill>
-                <a:latin typeface="Arial" charset="0"/>
-                <a:ea typeface="ＭＳ Ｐゴシック" charset="-128"/>
-              </a:defRPr>
-            </a:lvl4pPr>
-            <a:lvl5pPr marL="2057400" indent="-228600">
-              <a:spcBef>
-                <a:spcPct val="20000"/>
-              </a:spcBef>
-              <a:buClr>
-                <a:srgbClr val="3C0000"/>
-              </a:buClr>
-              <a:buFont typeface="Wingdings" charset="2"/>
-              <a:buChar char=""/>
-              <a:defRPr kumimoji="1" sz="2000">
-                <a:solidFill>
-                  <a:schemeClr val="tx2"/>
-                </a:solidFill>
-                <a:latin typeface="Arial" charset="0"/>
-                <a:ea typeface="ＭＳ Ｐゴシック" charset="-128"/>
-              </a:defRPr>
-            </a:lvl5pPr>
-            <a:lvl6pPr marL="2514600" indent="-228600" eaLnBrk="0" fontAlgn="base" hangingPunct="0">
-              <a:spcBef>
-                <a:spcPct val="20000"/>
-              </a:spcBef>
-              <a:spcAft>
-                <a:spcPct val="0"/>
-              </a:spcAft>
-              <a:buClr>
-                <a:srgbClr val="3C0000"/>
-              </a:buClr>
-              <a:buFont typeface="Wingdings" charset="2"/>
-              <a:buChar char=""/>
-              <a:defRPr kumimoji="1" sz="2000">
-                <a:solidFill>
-                  <a:schemeClr val="tx2"/>
-                </a:solidFill>
-                <a:latin typeface="Arial" charset="0"/>
-                <a:ea typeface="ＭＳ Ｐゴシック" charset="-128"/>
-              </a:defRPr>
-            </a:lvl6pPr>
-            <a:lvl7pPr marL="2971800" indent="-228600" eaLnBrk="0" fontAlgn="base" hangingPunct="0">
-              <a:spcBef>
-                <a:spcPct val="20000"/>
-              </a:spcBef>
-              <a:spcAft>
-                <a:spcPct val="0"/>
-              </a:spcAft>
-              <a:buClr>
-                <a:srgbClr val="3C0000"/>
-              </a:buClr>
-              <a:buFont typeface="Wingdings" charset="2"/>
-              <a:buChar char=""/>
-              <a:defRPr kumimoji="1" sz="2000">
-                <a:solidFill>
-                  <a:schemeClr val="tx2"/>
-                </a:solidFill>
-                <a:latin typeface="Arial" charset="0"/>
-                <a:ea typeface="ＭＳ Ｐゴシック" charset="-128"/>
-              </a:defRPr>
-            </a:lvl7pPr>
-            <a:lvl8pPr marL="3429000" indent="-228600" eaLnBrk="0" fontAlgn="base" hangingPunct="0">
-              <a:spcBef>
-                <a:spcPct val="20000"/>
-              </a:spcBef>
-              <a:spcAft>
-                <a:spcPct val="0"/>
-              </a:spcAft>
-              <a:buClr>
-                <a:srgbClr val="3C0000"/>
-              </a:buClr>
-              <a:buFont typeface="Wingdings" charset="2"/>
-              <a:buChar char=""/>
-              <a:defRPr kumimoji="1" sz="2000">
-                <a:solidFill>
-                  <a:schemeClr val="tx2"/>
-                </a:solidFill>
-                <a:latin typeface="Arial" charset="0"/>
-                <a:ea typeface="ＭＳ Ｐゴシック" charset="-128"/>
-              </a:defRPr>
-            </a:lvl8pPr>
-            <a:lvl9pPr marL="3886200" indent="-228600" eaLnBrk="0" fontAlgn="base" hangingPunct="0">
-              <a:spcBef>
-                <a:spcPct val="20000"/>
-              </a:spcBef>
-              <a:spcAft>
-                <a:spcPct val="0"/>
-              </a:spcAft>
-              <a:buClr>
-                <a:srgbClr val="3C0000"/>
-              </a:buClr>
-              <a:buFont typeface="Wingdings" charset="2"/>
-              <a:buChar char=""/>
-              <a:defRPr kumimoji="1" sz="2000">
-                <a:solidFill>
-                  <a:schemeClr val="tx2"/>
-                </a:solidFill>
-                <a:latin typeface="Arial" charset="0"/>
-                <a:ea typeface="ＭＳ Ｐゴシック" charset="-128"/>
-              </a:defRPr>
-            </a:lvl9pPr>
-          </a:lstStyle>
-          <a:p>
-            <a:pPr algn="ctr" eaLnBrk="1" hangingPunct="1">
-              <a:buClrTx/>
-              <a:buFontTx/>
-              <a:buNone/>
-            </a:pPr>
-            <a:r>
-              <a:rPr kumimoji="0" lang="en-US" altLang="x-none" sz="1800" dirty="0" smtClean="0">
-                <a:solidFill>
-                  <a:schemeClr val="tx1"/>
-                </a:solidFill>
-              </a:rPr>
-              <a:t>(</a:t>
-            </a:r>
-            <a:r>
-              <a:rPr kumimoji="0" lang="en-US" altLang="x-none" sz="1800" dirty="0" err="1" smtClean="0">
-                <a:solidFill>
-                  <a:schemeClr val="tx1"/>
-                </a:solidFill>
-              </a:rPr>
-              <a:t>osg-learn.chtc.wisc.edu</a:t>
-            </a:r>
-            <a:r>
-              <a:rPr kumimoji="0" lang="en-US" altLang="x-none" sz="1800" dirty="0" smtClean="0">
-                <a:solidFill>
-                  <a:schemeClr val="tx1"/>
-                </a:solidFill>
-              </a:rPr>
-              <a:t>)</a:t>
-            </a:r>
-          </a:p>
-          <a:p>
-            <a:pPr algn="ctr" eaLnBrk="1" hangingPunct="1">
-              <a:buClrTx/>
-              <a:buFontTx/>
-              <a:buNone/>
-            </a:pPr>
-            <a:r>
-              <a:rPr kumimoji="0" lang="en-US" altLang="x-none" sz="1800" dirty="0" smtClean="0">
-                <a:solidFill>
-                  <a:schemeClr val="tx1"/>
-                </a:solidFill>
-              </a:rPr>
-              <a:t>(</a:t>
-            </a:r>
-            <a:r>
-              <a:rPr kumimoji="0" lang="en-US" altLang="x-none" sz="1800" dirty="0" err="1" smtClean="0">
-                <a:solidFill>
-                  <a:schemeClr val="tx1"/>
-                </a:solidFill>
-              </a:rPr>
-              <a:t>training.osgconnect.net</a:t>
-            </a:r>
-            <a:r>
-              <a:rPr kumimoji="0" lang="en-US" altLang="x-none" sz="1800" dirty="0" smtClean="0">
-                <a:solidFill>
-                  <a:schemeClr val="tx1"/>
-                </a:solidFill>
-              </a:rPr>
-              <a:t>)</a:t>
-            </a:r>
-            <a:endParaRPr kumimoji="0" lang="en-US" altLang="x-none" sz="1800" dirty="0">
+            <a:endParaRPr kumimoji="0" lang="x-none" altLang="x-none" sz="2400">
               <a:solidFill>
                 <a:schemeClr val="tx1"/>
               </a:solidFill>
@@ -17378,6 +16491,11 @@
         </p:txBody>
       </p:sp>
     </p:spTree>
+    <p:extLst>
+      <p:ext uri="{BB962C8B-B14F-4D97-AF65-F5344CB8AC3E}">
+        <p14:creationId xmlns:p14="http://schemas.microsoft.com/office/powerpoint/2010/main" val="1062686583"/>
+      </p:ext>
+    </p:extLst>
   </p:cSld>
   <p:clrMapOvr>
     <a:masterClrMapping/>
@@ -17999,16 +17117,10 @@
               <a:defRPr/>
             </a:pPr>
             <a:r>
-              <a:rPr lang="en-US" dirty="0" err="1">
+              <a:rPr lang="en-US" dirty="0" smtClean="0">
                 <a:ea typeface="ＭＳ Ｐゴシック" charset="0"/>
               </a:rPr>
-              <a:t>HTCondor</a:t>
-            </a:r>
-            <a:r>
-              <a:rPr lang="en-US" dirty="0">
-                <a:ea typeface="ＭＳ Ｐゴシック" charset="0"/>
-              </a:rPr>
-              <a:t> Pool </a:t>
+              <a:t>CHTC</a:t>
             </a:r>
           </a:p>
           <a:p>
@@ -18019,11 +17131,14 @@
               <a:defRPr/>
             </a:pPr>
             <a:r>
-              <a:rPr lang="en-US" sz="1600" dirty="0">
+              <a:rPr lang="en-US" dirty="0" smtClean="0">
                 <a:ea typeface="ＭＳ Ｐゴシック" charset="0"/>
               </a:rPr>
-              <a:t>(or other Cluster)</a:t>
+              <a:t>Pool </a:t>
             </a:r>
+            <a:endParaRPr lang="en-US" dirty="0">
+              <a:ea typeface="ＭＳ Ｐゴシック" charset="0"/>
+            </a:endParaRPr>
           </a:p>
         </p:txBody>
       </p:sp>
@@ -19655,11 +18770,6 @@
         </p:txBody>
       </p:sp>
     </p:spTree>
-    <p:extLst>
-      <p:ext uri="{BB962C8B-B14F-4D97-AF65-F5344CB8AC3E}">
-        <p14:creationId xmlns:p14="http://schemas.microsoft.com/office/powerpoint/2010/main" val="1062686583"/>
-      </p:ext>
-    </p:extLst>
   </p:cSld>
   <p:clrMapOvr>
     <a:masterClrMapping/>
@@ -19799,7 +18909,7 @@
       </p:grpSpPr>
       <p:sp>
         <p:nvSpPr>
-          <p:cNvPr id="25601" name="Title 1"/>
+          <p:cNvPr id="16385" name="Title 1"/>
           <p:cNvSpPr>
             <a:spLocks noGrp="1"/>
           </p:cNvSpPr>
@@ -19842,7 +18952,7 @@
             </a:pPr>
             <a:r>
               <a:rPr lang="en-US" sz="2800" dirty="0" smtClean="0"/>
-              <a:t>Types of OSG </a:t>
+              <a:t>Types of HTC/OSG </a:t>
             </a:r>
             <a:r>
               <a:rPr lang="en-US" sz="2800" dirty="0"/>
@@ -19888,15 +18998,7 @@
             </a:pPr>
             <a:r>
               <a:rPr lang="en-US" sz="2800" b="1" dirty="0" smtClean="0"/>
-              <a:t>Other OSG </a:t>
-            </a:r>
-            <a:r>
-              <a:rPr lang="en-US" sz="2800" b="1" dirty="0"/>
-              <a:t>submit </a:t>
-            </a:r>
-            <a:r>
-              <a:rPr lang="en-US" sz="2800" b="1" dirty="0" smtClean="0"/>
-              <a:t>points</a:t>
+              <a:t>Available to Anyone*!</a:t>
             </a:r>
             <a:endParaRPr lang="en-US" sz="2800" b="1" dirty="0"/>
           </a:p>
@@ -19922,23 +19024,23 @@
               <a:defRPr/>
             </a:pPr>
             <a:r>
-              <a:rPr lang="en-US" sz="2000" dirty="0" smtClean="0">
-                <a:cs typeface="ＭＳ Ｐゴシック" charset="0"/>
-              </a:rPr>
-              <a:t>OSG Connect Client</a:t>
+              <a:rPr lang="en-US" sz="2000" dirty="0" smtClean="0"/>
+              <a:t>OSG via XSEDE</a:t>
             </a:r>
+            <a:endParaRPr lang="en-US" sz="2000" dirty="0"/>
           </a:p>
           <a:p>
-            <a:pPr lvl="2">
-              <a:buFont typeface="Wingdings" charset="0"/>
-              <a:buChar char="§"/>
+            <a:pPr marL="400050" lvl="1" indent="0">
+              <a:buNone/>
               <a:defRPr/>
             </a:pPr>
             <a:r>
-              <a:rPr lang="en-US" sz="2000" dirty="0" smtClean="0"/>
-              <a:t>OSG via XSEDE</a:t>
+              <a:rPr lang="en-US" sz="1200" dirty="0" smtClean="0">
+                <a:cs typeface="ＭＳ Ｐゴシック" charset="0"/>
+              </a:rPr>
+              <a:t>*affiliated with a U.S. institution/non-profit/etc.</a:t>
             </a:r>
-            <a:endParaRPr lang="en-US" sz="2000" dirty="0" smtClean="0">
+            <a:endParaRPr lang="en-US" sz="1200" dirty="0">
               <a:cs typeface="ＭＳ Ｐゴシック" charset="0"/>
             </a:endParaRPr>
           </a:p>
@@ -19946,7 +19048,7 @@
       </p:sp>
       <p:sp>
         <p:nvSpPr>
-          <p:cNvPr id="25603" name="Slide Number Placeholder 3"/>
+          <p:cNvPr id="16387" name="Slide Number Placeholder 3"/>
           <p:cNvSpPr>
             <a:spLocks noGrp="1"/>
           </p:cNvSpPr>
@@ -20155,7 +19257,7 @@
               <a:buFontTx/>
               <a:buNone/>
             </a:pPr>
-            <a:fld id="{00325A20-6A64-D747-A09A-AA595044E61C}" type="slidenum">
+            <a:fld id="{BC6F7DAA-C22F-094E-B9A0-7FD70A07DA91}" type="slidenum">
               <a:rPr kumimoji="0" lang="en-US" altLang="x-none" sz="1400">
                 <a:solidFill>
                   <a:srgbClr val="FF8000"/>
@@ -20180,6 +19282,11 @@
         </p:txBody>
       </p:sp>
     </p:spTree>
+    <p:extLst>
+      <p:ext uri="{BB962C8B-B14F-4D97-AF65-F5344CB8AC3E}">
+        <p14:creationId xmlns:p14="http://schemas.microsoft.com/office/powerpoint/2010/main" val="1119344974"/>
+      </p:ext>
+    </p:extLst>
   </p:cSld>
   <p:clrMapOvr>
     <a:masterClrMapping/>
@@ -20460,12 +19567,23 @@
           <a:lstStyle/>
           <a:p>
             <a:r>
-              <a:rPr lang="en-US" altLang="x-none" sz="3600">
+              <a:rPr lang="en-US" altLang="x-none" sz="3600" dirty="0">
                 <a:latin typeface="Helvetica" charset="0"/>
                 <a:cs typeface="Helvetica" charset="0"/>
               </a:rPr>
-              <a:t>Accessing an OSG Submit Point – 4 Ways</a:t>
+              <a:t>Accessing an OSG Submit Point – </a:t>
             </a:r>
+            <a:r>
+              <a:rPr lang="en-US" altLang="x-none" sz="3600" dirty="0" smtClean="0">
+                <a:latin typeface="Helvetica" charset="0"/>
+                <a:cs typeface="Helvetica" charset="0"/>
+              </a:rPr>
+              <a:t>3 Ways</a:t>
+            </a:r>
+            <a:endParaRPr lang="en-US" altLang="x-none" sz="3600" dirty="0">
+              <a:latin typeface="Helvetica" charset="0"/>
+              <a:cs typeface="Helvetica" charset="0"/>
+            </a:endParaRPr>
           </a:p>
         </p:txBody>
       </p:sp>
@@ -20713,7 +19831,7 @@
           <p:nvPr>
             <p:extLst>
               <p:ext uri="{D42A27DB-BD31-4B8C-83A1-F6EECF244321}">
-                <p14:modId xmlns:p14="http://schemas.microsoft.com/office/powerpoint/2010/main" val="2023328761"/>
+                <p14:modId xmlns:p14="http://schemas.microsoft.com/office/powerpoint/2010/main" val="1777777047"/>
               </p:ext>
             </p:extLst>
           </p:nvPr>
@@ -23110,7 +22228,7 @@
                         <a:tabLst/>
                       </a:pPr>
                       <a:r>
-                        <a:rPr kumimoji="0" lang="en-US" altLang="x-none" sz="1200" b="1" i="0" u="none" strike="noStrike" cap="none" normalizeH="0" baseline="0">
+                        <a:rPr kumimoji="0" lang="en-US" altLang="x-none" sz="1200" b="1" i="0" u="none" strike="noStrike" cap="none" normalizeH="0" baseline="0" dirty="0">
                           <a:ln>
                             <a:noFill/>
                           </a:ln>
@@ -26377,8 +25495,33 @@
                           <a:latin typeface="Arial" charset="0"/>
                           <a:ea typeface="ＭＳ Ｐゴシック" charset="-128"/>
                         </a:rPr>
-                        <a:t>Submit Point Type</a:t>
+                        <a:t>Submit </a:t>
                       </a:r>
+                      <a:r>
+                        <a:rPr kumimoji="0" lang="en-US" altLang="x-none" sz="1400" b="0" i="0" u="none" strike="noStrike" cap="none" normalizeH="0" baseline="0" dirty="0" smtClean="0">
+                          <a:ln>
+                            <a:noFill/>
+                          </a:ln>
+                          <a:solidFill>
+                            <a:srgbClr val="000000"/>
+                          </a:solidFill>
+                          <a:effectLst/>
+                          <a:latin typeface="Arial" charset="0"/>
+                          <a:ea typeface="ＭＳ Ｐゴシック" charset="-128"/>
+                        </a:rPr>
+                        <a:t>Point</a:t>
+                      </a:r>
+                      <a:endParaRPr kumimoji="0" lang="en-US" altLang="x-none" sz="1400" b="0" i="0" u="none" strike="noStrike" cap="none" normalizeH="0" baseline="0" dirty="0">
+                        <a:ln>
+                          <a:noFill/>
+                        </a:ln>
+                        <a:solidFill>
+                          <a:srgbClr val="000000"/>
+                        </a:solidFill>
+                        <a:effectLst/>
+                        <a:latin typeface="Arial" charset="0"/>
+                        <a:ea typeface="ＭＳ Ｐゴシック" charset="-128"/>
+                      </a:endParaRPr>
                     </a:p>
                   </a:txBody>
                   <a:tcPr marL="91438" marR="91438" marT="34301" marB="34301" anchor="ctr" horzOverflow="overflow">
